--- a/presentation.pptx
+++ b/presentation.pptx
@@ -13,8 +13,9 @@
     <p:sldId id="261" r:id="rId7"/>
     <p:sldId id="262" r:id="rId8"/>
     <p:sldId id="263" r:id="rId9"/>
-    <p:sldId id="265" r:id="rId10"/>
-    <p:sldId id="264" r:id="rId11"/>
+    <p:sldId id="266" r:id="rId10"/>
+    <p:sldId id="265" r:id="rId11"/>
+    <p:sldId id="264" r:id="rId12"/>
   </p:sldIdLst>
   <p:sldSz cx="12192000" cy="6858000"/>
   <p:notesSz cx="6858000" cy="9144000"/>
@@ -113,6 +114,11 @@
       </a:defRPr>
     </a:lvl9pPr>
   </p:defaultTextStyle>
+  <p:extLst>
+    <p:ext uri="{EFAFB233-063F-42B5-8137-9DF3F51BA10A}">
+      <p15:sldGuideLst xmlns:p15="http://schemas.microsoft.com/office/powerpoint/2012/main"/>
+    </p:ext>
+  </p:extLst>
 </p:presentation>
 </file>
 
@@ -923,6 +929,813 @@
 </dgm:colorsDef>
 </file>
 
+<file path=ppt/diagrams/colors2.xml><?xml version="1.0" encoding="utf-8"?>
+<dgm:colorsDef xmlns:dgm="http://schemas.openxmlformats.org/drawingml/2006/diagram" xmlns:a="http://schemas.openxmlformats.org/drawingml/2006/main" uniqueId="urn:microsoft.com/office/officeart/2005/8/colors/accent0_2">
+  <dgm:title val=""/>
+  <dgm:desc val=""/>
+  <dgm:catLst>
+    <dgm:cat type="mainScheme" pri="10200"/>
+  </dgm:catLst>
+  <dgm:styleLbl name="node0">
+    <dgm:fillClrLst meth="repeat">
+      <a:schemeClr val="lt1"/>
+    </dgm:fillClrLst>
+    <dgm:linClrLst meth="repeat">
+      <a:schemeClr val="dk2">
+        <a:shade val="80000"/>
+      </a:schemeClr>
+    </dgm:linClrLst>
+    <dgm:effectClrLst/>
+    <dgm:txLinClrLst/>
+    <dgm:txFillClrLst meth="repeat">
+      <a:schemeClr val="dk2"/>
+    </dgm:txFillClrLst>
+    <dgm:txEffectClrLst/>
+  </dgm:styleLbl>
+  <dgm:styleLbl name="node1">
+    <dgm:fillClrLst meth="repeat">
+      <a:schemeClr val="lt1"/>
+    </dgm:fillClrLst>
+    <dgm:linClrLst meth="repeat">
+      <a:schemeClr val="dk2">
+        <a:shade val="80000"/>
+      </a:schemeClr>
+    </dgm:linClrLst>
+    <dgm:effectClrLst/>
+    <dgm:txLinClrLst/>
+    <dgm:txFillClrLst meth="repeat">
+      <a:schemeClr val="dk2"/>
+    </dgm:txFillClrLst>
+    <dgm:txEffectClrLst/>
+  </dgm:styleLbl>
+  <dgm:styleLbl name="alignNode1">
+    <dgm:fillClrLst meth="repeat">
+      <a:schemeClr val="lt1"/>
+    </dgm:fillClrLst>
+    <dgm:linClrLst meth="repeat">
+      <a:schemeClr val="dk2">
+        <a:shade val="80000"/>
+      </a:schemeClr>
+    </dgm:linClrLst>
+    <dgm:effectClrLst/>
+    <dgm:txLinClrLst/>
+    <dgm:txFillClrLst meth="repeat">
+      <a:schemeClr val="dk2"/>
+    </dgm:txFillClrLst>
+    <dgm:txEffectClrLst/>
+  </dgm:styleLbl>
+  <dgm:styleLbl name="lnNode1">
+    <dgm:fillClrLst meth="repeat">
+      <a:schemeClr val="lt1"/>
+    </dgm:fillClrLst>
+    <dgm:linClrLst meth="repeat">
+      <a:schemeClr val="dk2">
+        <a:shade val="80000"/>
+      </a:schemeClr>
+    </dgm:linClrLst>
+    <dgm:effectClrLst/>
+    <dgm:txLinClrLst/>
+    <dgm:txFillClrLst meth="repeat">
+      <a:schemeClr val="dk2"/>
+    </dgm:txFillClrLst>
+    <dgm:txEffectClrLst/>
+  </dgm:styleLbl>
+  <dgm:styleLbl name="vennNode1">
+    <dgm:fillClrLst meth="repeat">
+      <a:schemeClr val="lt1">
+        <a:alpha val="50000"/>
+      </a:schemeClr>
+    </dgm:fillClrLst>
+    <dgm:linClrLst meth="repeat">
+      <a:schemeClr val="dk2">
+        <a:shade val="80000"/>
+      </a:schemeClr>
+    </dgm:linClrLst>
+    <dgm:effectClrLst/>
+    <dgm:txLinClrLst/>
+    <dgm:txFillClrLst/>
+    <dgm:txEffectClrLst/>
+  </dgm:styleLbl>
+  <dgm:styleLbl name="node2">
+    <dgm:fillClrLst meth="repeat">
+      <a:schemeClr val="lt1"/>
+    </dgm:fillClrLst>
+    <dgm:linClrLst meth="repeat">
+      <a:schemeClr val="dk2">
+        <a:shade val="80000"/>
+      </a:schemeClr>
+    </dgm:linClrLst>
+    <dgm:effectClrLst/>
+    <dgm:txLinClrLst/>
+    <dgm:txFillClrLst meth="repeat">
+      <a:schemeClr val="dk2"/>
+    </dgm:txFillClrLst>
+    <dgm:txEffectClrLst/>
+  </dgm:styleLbl>
+  <dgm:styleLbl name="node3">
+    <dgm:fillClrLst meth="repeat">
+      <a:schemeClr val="lt1"/>
+    </dgm:fillClrLst>
+    <dgm:linClrLst meth="repeat">
+      <a:schemeClr val="dk2">
+        <a:shade val="80000"/>
+      </a:schemeClr>
+    </dgm:linClrLst>
+    <dgm:effectClrLst/>
+    <dgm:txLinClrLst/>
+    <dgm:txFillClrLst meth="repeat">
+      <a:schemeClr val="dk2"/>
+    </dgm:txFillClrLst>
+    <dgm:txEffectClrLst/>
+  </dgm:styleLbl>
+  <dgm:styleLbl name="node4">
+    <dgm:fillClrLst meth="repeat">
+      <a:schemeClr val="lt1"/>
+    </dgm:fillClrLst>
+    <dgm:linClrLst meth="repeat">
+      <a:schemeClr val="dk2">
+        <a:shade val="80000"/>
+      </a:schemeClr>
+    </dgm:linClrLst>
+    <dgm:effectClrLst/>
+    <dgm:txLinClrLst/>
+    <dgm:txFillClrLst meth="repeat">
+      <a:schemeClr val="dk2"/>
+    </dgm:txFillClrLst>
+    <dgm:txEffectClrLst/>
+  </dgm:styleLbl>
+  <dgm:styleLbl name="fgImgPlace1">
+    <dgm:fillClrLst meth="repeat">
+      <a:schemeClr val="dk2">
+        <a:tint val="40000"/>
+      </a:schemeClr>
+    </dgm:fillClrLst>
+    <dgm:linClrLst meth="repeat">
+      <a:schemeClr val="dk2">
+        <a:shade val="80000"/>
+      </a:schemeClr>
+    </dgm:linClrLst>
+    <dgm:effectClrLst/>
+    <dgm:txLinClrLst/>
+    <dgm:txFillClrLst meth="repeat">
+      <a:schemeClr val="lt1"/>
+    </dgm:txFillClrLst>
+    <dgm:txEffectClrLst/>
+  </dgm:styleLbl>
+  <dgm:styleLbl name="alignImgPlace1">
+    <dgm:fillClrLst meth="repeat">
+      <a:schemeClr val="dk2">
+        <a:tint val="40000"/>
+      </a:schemeClr>
+    </dgm:fillClrLst>
+    <dgm:linClrLst meth="repeat">
+      <a:schemeClr val="dk2">
+        <a:shade val="80000"/>
+      </a:schemeClr>
+    </dgm:linClrLst>
+    <dgm:effectClrLst/>
+    <dgm:txLinClrLst/>
+    <dgm:txFillClrLst meth="repeat">
+      <a:schemeClr val="lt1"/>
+    </dgm:txFillClrLst>
+    <dgm:txEffectClrLst/>
+  </dgm:styleLbl>
+  <dgm:styleLbl name="bgImgPlace1">
+    <dgm:fillClrLst meth="repeat">
+      <a:schemeClr val="dk2">
+        <a:tint val="40000"/>
+      </a:schemeClr>
+    </dgm:fillClrLst>
+    <dgm:linClrLst meth="repeat">
+      <a:schemeClr val="dk2">
+        <a:shade val="80000"/>
+      </a:schemeClr>
+    </dgm:linClrLst>
+    <dgm:effectClrLst/>
+    <dgm:txLinClrLst/>
+    <dgm:txFillClrLst meth="repeat">
+      <a:schemeClr val="lt1"/>
+    </dgm:txFillClrLst>
+    <dgm:txEffectClrLst/>
+  </dgm:styleLbl>
+  <dgm:styleLbl name="sibTrans2D1">
+    <dgm:fillClrLst meth="repeat">
+      <a:schemeClr val="dk2">
+        <a:tint val="60000"/>
+      </a:schemeClr>
+    </dgm:fillClrLst>
+    <dgm:linClrLst meth="repeat">
+      <a:schemeClr val="dk2">
+        <a:tint val="60000"/>
+      </a:schemeClr>
+    </dgm:linClrLst>
+    <dgm:effectClrLst/>
+    <dgm:txLinClrLst/>
+    <dgm:txFillClrLst meth="repeat">
+      <a:schemeClr val="dk2"/>
+    </dgm:txFillClrLst>
+    <dgm:txEffectClrLst/>
+  </dgm:styleLbl>
+  <dgm:styleLbl name="fgSibTrans2D1">
+    <dgm:fillClrLst meth="repeat">
+      <a:schemeClr val="dk2">
+        <a:tint val="60000"/>
+      </a:schemeClr>
+    </dgm:fillClrLst>
+    <dgm:linClrLst meth="repeat">
+      <a:schemeClr val="dk2">
+        <a:tint val="60000"/>
+      </a:schemeClr>
+    </dgm:linClrLst>
+    <dgm:effectClrLst/>
+    <dgm:txLinClrLst/>
+    <dgm:txFillClrLst meth="repeat">
+      <a:schemeClr val="dk2"/>
+    </dgm:txFillClrLst>
+    <dgm:txEffectClrLst/>
+  </dgm:styleLbl>
+  <dgm:styleLbl name="bgSibTrans2D1">
+    <dgm:fillClrLst meth="repeat">
+      <a:schemeClr val="dk2">
+        <a:tint val="60000"/>
+      </a:schemeClr>
+    </dgm:fillClrLst>
+    <dgm:linClrLst meth="repeat">
+      <a:schemeClr val="dk2">
+        <a:tint val="60000"/>
+      </a:schemeClr>
+    </dgm:linClrLst>
+    <dgm:effectClrLst/>
+    <dgm:txLinClrLst/>
+    <dgm:txFillClrLst meth="repeat">
+      <a:schemeClr val="dk2"/>
+    </dgm:txFillClrLst>
+    <dgm:txEffectClrLst/>
+  </dgm:styleLbl>
+  <dgm:styleLbl name="sibTrans1D1">
+    <dgm:fillClrLst meth="repeat">
+      <a:schemeClr val="dk2"/>
+    </dgm:fillClrLst>
+    <dgm:linClrLst meth="repeat">
+      <a:schemeClr val="dk2"/>
+    </dgm:linClrLst>
+    <dgm:effectClrLst/>
+    <dgm:txLinClrLst/>
+    <dgm:txFillClrLst meth="repeat">
+      <a:schemeClr val="tx1"/>
+    </dgm:txFillClrLst>
+    <dgm:txEffectClrLst/>
+  </dgm:styleLbl>
+  <dgm:styleLbl name="callout">
+    <dgm:fillClrLst meth="repeat">
+      <a:schemeClr val="dk2"/>
+    </dgm:fillClrLst>
+    <dgm:linClrLst meth="repeat">
+      <a:schemeClr val="dk2"/>
+    </dgm:linClrLst>
+    <dgm:effectClrLst/>
+    <dgm:txLinClrLst/>
+    <dgm:txFillClrLst meth="repeat">
+      <a:schemeClr val="tx1"/>
+    </dgm:txFillClrLst>
+    <dgm:txEffectClrLst/>
+  </dgm:styleLbl>
+  <dgm:styleLbl name="asst0">
+    <dgm:fillClrLst meth="repeat">
+      <a:schemeClr val="lt1"/>
+    </dgm:fillClrLst>
+    <dgm:linClrLst meth="repeat">
+      <a:schemeClr val="dk2">
+        <a:shade val="80000"/>
+      </a:schemeClr>
+    </dgm:linClrLst>
+    <dgm:effectClrLst/>
+    <dgm:txLinClrLst/>
+    <dgm:txFillClrLst meth="repeat">
+      <a:schemeClr val="dk2"/>
+    </dgm:txFillClrLst>
+    <dgm:txEffectClrLst/>
+  </dgm:styleLbl>
+  <dgm:styleLbl name="asst1">
+    <dgm:fillClrLst meth="repeat">
+      <a:schemeClr val="lt1"/>
+    </dgm:fillClrLst>
+    <dgm:linClrLst meth="repeat">
+      <a:schemeClr val="dk2">
+        <a:shade val="80000"/>
+      </a:schemeClr>
+    </dgm:linClrLst>
+    <dgm:effectClrLst/>
+    <dgm:txLinClrLst/>
+    <dgm:txFillClrLst meth="repeat">
+      <a:schemeClr val="dk2"/>
+    </dgm:txFillClrLst>
+    <dgm:txEffectClrLst/>
+  </dgm:styleLbl>
+  <dgm:styleLbl name="asst2">
+    <dgm:fillClrLst meth="repeat">
+      <a:schemeClr val="lt1"/>
+    </dgm:fillClrLst>
+    <dgm:linClrLst meth="repeat">
+      <a:schemeClr val="dk2">
+        <a:shade val="80000"/>
+      </a:schemeClr>
+    </dgm:linClrLst>
+    <dgm:effectClrLst/>
+    <dgm:txLinClrLst/>
+    <dgm:txFillClrLst meth="repeat">
+      <a:schemeClr val="dk2"/>
+    </dgm:txFillClrLst>
+    <dgm:txEffectClrLst/>
+  </dgm:styleLbl>
+  <dgm:styleLbl name="asst3">
+    <dgm:fillClrLst meth="repeat">
+      <a:schemeClr val="lt1"/>
+    </dgm:fillClrLst>
+    <dgm:linClrLst meth="repeat">
+      <a:schemeClr val="dk2">
+        <a:shade val="80000"/>
+      </a:schemeClr>
+    </dgm:linClrLst>
+    <dgm:effectClrLst/>
+    <dgm:txLinClrLst/>
+    <dgm:txFillClrLst meth="repeat">
+      <a:schemeClr val="dk2"/>
+    </dgm:txFillClrLst>
+    <dgm:txEffectClrLst/>
+  </dgm:styleLbl>
+  <dgm:styleLbl name="asst4">
+    <dgm:fillClrLst meth="repeat">
+      <a:schemeClr val="lt1"/>
+    </dgm:fillClrLst>
+    <dgm:linClrLst meth="repeat">
+      <a:schemeClr val="dk2">
+        <a:shade val="80000"/>
+      </a:schemeClr>
+    </dgm:linClrLst>
+    <dgm:effectClrLst/>
+    <dgm:txLinClrLst/>
+    <dgm:txFillClrLst meth="repeat">
+      <a:schemeClr val="dk2"/>
+    </dgm:txFillClrLst>
+    <dgm:txEffectClrLst/>
+  </dgm:styleLbl>
+  <dgm:styleLbl name="parChTrans2D1">
+    <dgm:fillClrLst meth="repeat">
+      <a:schemeClr val="dk2">
+        <a:tint val="60000"/>
+      </a:schemeClr>
+    </dgm:fillClrLst>
+    <dgm:linClrLst meth="repeat">
+      <a:schemeClr val="dk2">
+        <a:tint val="60000"/>
+      </a:schemeClr>
+    </dgm:linClrLst>
+    <dgm:effectClrLst/>
+    <dgm:txLinClrLst/>
+    <dgm:txFillClrLst/>
+    <dgm:txEffectClrLst/>
+  </dgm:styleLbl>
+  <dgm:styleLbl name="parChTrans2D2">
+    <dgm:fillClrLst meth="repeat">
+      <a:schemeClr val="dk2"/>
+    </dgm:fillClrLst>
+    <dgm:linClrLst meth="repeat">
+      <a:schemeClr val="dk2"/>
+    </dgm:linClrLst>
+    <dgm:effectClrLst/>
+    <dgm:txLinClrLst/>
+    <dgm:txFillClrLst/>
+    <dgm:txEffectClrLst/>
+  </dgm:styleLbl>
+  <dgm:styleLbl name="parChTrans2D3">
+    <dgm:fillClrLst meth="repeat">
+      <a:schemeClr val="dk2"/>
+    </dgm:fillClrLst>
+    <dgm:linClrLst meth="repeat">
+      <a:schemeClr val="dk2"/>
+    </dgm:linClrLst>
+    <dgm:effectClrLst/>
+    <dgm:txLinClrLst/>
+    <dgm:txFillClrLst/>
+    <dgm:txEffectClrLst/>
+  </dgm:styleLbl>
+  <dgm:styleLbl name="parChTrans2D4">
+    <dgm:fillClrLst meth="repeat">
+      <a:schemeClr val="dk2"/>
+    </dgm:fillClrLst>
+    <dgm:linClrLst meth="repeat">
+      <a:schemeClr val="dk2"/>
+    </dgm:linClrLst>
+    <dgm:effectClrLst/>
+    <dgm:txLinClrLst/>
+    <dgm:txFillClrLst meth="repeat">
+      <a:schemeClr val="lt1"/>
+    </dgm:txFillClrLst>
+    <dgm:txEffectClrLst/>
+  </dgm:styleLbl>
+  <dgm:styleLbl name="parChTrans1D1">
+    <dgm:fillClrLst meth="repeat">
+      <a:schemeClr val="dk2"/>
+    </dgm:fillClrLst>
+    <dgm:linClrLst meth="repeat">
+      <a:schemeClr val="dk2">
+        <a:shade val="60000"/>
+      </a:schemeClr>
+    </dgm:linClrLst>
+    <dgm:effectClrLst/>
+    <dgm:txLinClrLst/>
+    <dgm:txFillClrLst meth="repeat">
+      <a:schemeClr val="tx1"/>
+    </dgm:txFillClrLst>
+    <dgm:txEffectClrLst/>
+  </dgm:styleLbl>
+  <dgm:styleLbl name="parChTrans1D2">
+    <dgm:fillClrLst meth="repeat">
+      <a:schemeClr val="dk2"/>
+    </dgm:fillClrLst>
+    <dgm:linClrLst meth="repeat">
+      <a:schemeClr val="dk2">
+        <a:shade val="60000"/>
+      </a:schemeClr>
+    </dgm:linClrLst>
+    <dgm:effectClrLst/>
+    <dgm:txLinClrLst/>
+    <dgm:txFillClrLst meth="repeat">
+      <a:schemeClr val="tx1"/>
+    </dgm:txFillClrLst>
+    <dgm:txEffectClrLst/>
+  </dgm:styleLbl>
+  <dgm:styleLbl name="parChTrans1D3">
+    <dgm:fillClrLst meth="repeat">
+      <a:schemeClr val="dk2"/>
+    </dgm:fillClrLst>
+    <dgm:linClrLst meth="repeat">
+      <a:schemeClr val="dk2">
+        <a:shade val="80000"/>
+      </a:schemeClr>
+    </dgm:linClrLst>
+    <dgm:effectClrLst/>
+    <dgm:txLinClrLst/>
+    <dgm:txFillClrLst meth="repeat">
+      <a:schemeClr val="tx1"/>
+    </dgm:txFillClrLst>
+    <dgm:txEffectClrLst/>
+  </dgm:styleLbl>
+  <dgm:styleLbl name="parChTrans1D4">
+    <dgm:fillClrLst meth="repeat">
+      <a:schemeClr val="dk2"/>
+    </dgm:fillClrLst>
+    <dgm:linClrLst meth="repeat">
+      <a:schemeClr val="dk2">
+        <a:shade val="80000"/>
+      </a:schemeClr>
+    </dgm:linClrLst>
+    <dgm:effectClrLst/>
+    <dgm:txLinClrLst/>
+    <dgm:txFillClrLst meth="repeat">
+      <a:schemeClr val="tx1"/>
+    </dgm:txFillClrLst>
+    <dgm:txEffectClrLst/>
+  </dgm:styleLbl>
+  <dgm:styleLbl name="fgAcc1">
+    <dgm:fillClrLst meth="repeat">
+      <a:schemeClr val="dk2">
+        <a:alpha val="90000"/>
+        <a:tint val="40000"/>
+      </a:schemeClr>
+    </dgm:fillClrLst>
+    <dgm:linClrLst meth="repeat">
+      <a:schemeClr val="dk2"/>
+    </dgm:linClrLst>
+    <dgm:effectClrLst/>
+    <dgm:txLinClrLst/>
+    <dgm:txFillClrLst meth="repeat">
+      <a:schemeClr val="dk2"/>
+    </dgm:txFillClrLst>
+    <dgm:txEffectClrLst/>
+  </dgm:styleLbl>
+  <dgm:styleLbl name="conFgAcc1">
+    <dgm:fillClrLst meth="repeat">
+      <a:schemeClr val="dk2">
+        <a:alpha val="90000"/>
+        <a:tint val="40000"/>
+      </a:schemeClr>
+    </dgm:fillClrLst>
+    <dgm:linClrLst meth="repeat">
+      <a:schemeClr val="dk2"/>
+    </dgm:linClrLst>
+    <dgm:effectClrLst/>
+    <dgm:txLinClrLst/>
+    <dgm:txFillClrLst meth="repeat">
+      <a:schemeClr val="dk2"/>
+    </dgm:txFillClrLst>
+    <dgm:txEffectClrLst/>
+  </dgm:styleLbl>
+  <dgm:styleLbl name="alignAcc1">
+    <dgm:fillClrLst meth="repeat">
+      <a:schemeClr val="dk2">
+        <a:alpha val="90000"/>
+        <a:tint val="40000"/>
+      </a:schemeClr>
+    </dgm:fillClrLst>
+    <dgm:linClrLst meth="repeat">
+      <a:schemeClr val="dk2"/>
+    </dgm:linClrLst>
+    <dgm:effectClrLst/>
+    <dgm:txLinClrLst/>
+    <dgm:txFillClrLst meth="repeat">
+      <a:schemeClr val="dk2"/>
+    </dgm:txFillClrLst>
+    <dgm:txEffectClrLst/>
+  </dgm:styleLbl>
+  <dgm:styleLbl name="trAlignAcc1">
+    <dgm:fillClrLst meth="repeat">
+      <a:schemeClr val="dk2">
+        <a:alpha val="40000"/>
+        <a:tint val="40000"/>
+      </a:schemeClr>
+    </dgm:fillClrLst>
+    <dgm:linClrLst meth="repeat">
+      <a:schemeClr val="dk2"/>
+    </dgm:linClrLst>
+    <dgm:effectClrLst/>
+    <dgm:txLinClrLst/>
+    <dgm:txFillClrLst meth="repeat">
+      <a:schemeClr val="dk2"/>
+    </dgm:txFillClrLst>
+    <dgm:txEffectClrLst/>
+  </dgm:styleLbl>
+  <dgm:styleLbl name="bgAcc1">
+    <dgm:fillClrLst meth="repeat">
+      <a:schemeClr val="dk2">
+        <a:alpha val="90000"/>
+        <a:tint val="40000"/>
+      </a:schemeClr>
+    </dgm:fillClrLst>
+    <dgm:linClrLst meth="repeat">
+      <a:schemeClr val="dk2"/>
+    </dgm:linClrLst>
+    <dgm:effectClrLst/>
+    <dgm:txLinClrLst/>
+    <dgm:txFillClrLst meth="repeat">
+      <a:schemeClr val="dk2"/>
+    </dgm:txFillClrLst>
+    <dgm:txEffectClrLst/>
+  </dgm:styleLbl>
+  <dgm:styleLbl name="solidFgAcc1">
+    <dgm:fillClrLst meth="repeat">
+      <a:schemeClr val="lt1"/>
+    </dgm:fillClrLst>
+    <dgm:linClrLst meth="repeat">
+      <a:schemeClr val="dk2"/>
+    </dgm:linClrLst>
+    <dgm:effectClrLst/>
+    <dgm:txLinClrLst/>
+    <dgm:txFillClrLst meth="repeat">
+      <a:schemeClr val="dk2"/>
+    </dgm:txFillClrLst>
+    <dgm:txEffectClrLst/>
+  </dgm:styleLbl>
+  <dgm:styleLbl name="solidAlignAcc1">
+    <dgm:fillClrLst meth="repeat">
+      <a:schemeClr val="lt1"/>
+    </dgm:fillClrLst>
+    <dgm:linClrLst meth="repeat">
+      <a:schemeClr val="dk2"/>
+    </dgm:linClrLst>
+    <dgm:effectClrLst/>
+    <dgm:txLinClrLst/>
+    <dgm:txFillClrLst meth="repeat">
+      <a:schemeClr val="dk2"/>
+    </dgm:txFillClrLst>
+    <dgm:txEffectClrLst/>
+  </dgm:styleLbl>
+  <dgm:styleLbl name="solidBgAcc1">
+    <dgm:fillClrLst meth="repeat">
+      <a:schemeClr val="lt1"/>
+    </dgm:fillClrLst>
+    <dgm:linClrLst meth="repeat">
+      <a:schemeClr val="dk2"/>
+    </dgm:linClrLst>
+    <dgm:effectClrLst/>
+    <dgm:txLinClrLst/>
+    <dgm:txFillClrLst meth="repeat">
+      <a:schemeClr val="dk2"/>
+    </dgm:txFillClrLst>
+    <dgm:txEffectClrLst/>
+  </dgm:styleLbl>
+  <dgm:styleLbl name="fgAccFollowNode1">
+    <dgm:fillClrLst meth="repeat">
+      <a:schemeClr val="lt1">
+        <a:alpha val="90000"/>
+        <a:tint val="40000"/>
+      </a:schemeClr>
+    </dgm:fillClrLst>
+    <dgm:linClrLst meth="repeat">
+      <a:schemeClr val="dk2">
+        <a:alpha val="90000"/>
+      </a:schemeClr>
+    </dgm:linClrLst>
+    <dgm:effectClrLst/>
+    <dgm:txLinClrLst/>
+    <dgm:txFillClrLst meth="repeat">
+      <a:schemeClr val="dk2"/>
+    </dgm:txFillClrLst>
+    <dgm:txEffectClrLst/>
+  </dgm:styleLbl>
+  <dgm:styleLbl name="alignAccFollowNode1">
+    <dgm:fillClrLst meth="repeat">
+      <a:schemeClr val="lt1">
+        <a:alpha val="90000"/>
+        <a:tint val="40000"/>
+      </a:schemeClr>
+    </dgm:fillClrLst>
+    <dgm:linClrLst meth="repeat">
+      <a:schemeClr val="dk2">
+        <a:alpha val="90000"/>
+      </a:schemeClr>
+    </dgm:linClrLst>
+    <dgm:effectClrLst/>
+    <dgm:txLinClrLst/>
+    <dgm:txFillClrLst meth="repeat">
+      <a:schemeClr val="dk2"/>
+    </dgm:txFillClrLst>
+    <dgm:txEffectClrLst/>
+  </dgm:styleLbl>
+  <dgm:styleLbl name="bgAccFollowNode1">
+    <dgm:fillClrLst meth="repeat">
+      <a:schemeClr val="lt1">
+        <a:alpha val="90000"/>
+        <a:tint val="40000"/>
+      </a:schemeClr>
+    </dgm:fillClrLst>
+    <dgm:linClrLst meth="repeat">
+      <a:schemeClr val="dk2">
+        <a:alpha val="90000"/>
+      </a:schemeClr>
+    </dgm:linClrLst>
+    <dgm:effectClrLst/>
+    <dgm:txLinClrLst/>
+    <dgm:txFillClrLst meth="repeat">
+      <a:schemeClr val="dk2"/>
+    </dgm:txFillClrLst>
+    <dgm:txEffectClrLst/>
+  </dgm:styleLbl>
+  <dgm:styleLbl name="fgAcc0">
+    <dgm:fillClrLst meth="repeat">
+      <a:schemeClr val="dk2">
+        <a:alpha val="90000"/>
+        <a:tint val="40000"/>
+      </a:schemeClr>
+    </dgm:fillClrLst>
+    <dgm:linClrLst meth="repeat">
+      <a:schemeClr val="dk2"/>
+    </dgm:linClrLst>
+    <dgm:effectClrLst/>
+    <dgm:txLinClrLst/>
+    <dgm:txFillClrLst meth="repeat">
+      <a:schemeClr val="dk2"/>
+    </dgm:txFillClrLst>
+    <dgm:txEffectClrLst/>
+  </dgm:styleLbl>
+  <dgm:styleLbl name="fgAcc2">
+    <dgm:fillClrLst meth="repeat">
+      <a:schemeClr val="dk2">
+        <a:alpha val="90000"/>
+        <a:tint val="40000"/>
+      </a:schemeClr>
+    </dgm:fillClrLst>
+    <dgm:linClrLst meth="repeat">
+      <a:schemeClr val="dk2"/>
+    </dgm:linClrLst>
+    <dgm:effectClrLst/>
+    <dgm:txLinClrLst/>
+    <dgm:txFillClrLst meth="repeat">
+      <a:schemeClr val="dk2"/>
+    </dgm:txFillClrLst>
+    <dgm:txEffectClrLst/>
+  </dgm:styleLbl>
+  <dgm:styleLbl name="fgAcc3">
+    <dgm:fillClrLst meth="repeat">
+      <a:schemeClr val="dk2">
+        <a:alpha val="90000"/>
+        <a:tint val="40000"/>
+      </a:schemeClr>
+    </dgm:fillClrLst>
+    <dgm:linClrLst meth="repeat">
+      <a:schemeClr val="dk2"/>
+    </dgm:linClrLst>
+    <dgm:effectClrLst/>
+    <dgm:txLinClrLst/>
+    <dgm:txFillClrLst meth="repeat">
+      <a:schemeClr val="dk2"/>
+    </dgm:txFillClrLst>
+    <dgm:txEffectClrLst/>
+  </dgm:styleLbl>
+  <dgm:styleLbl name="fgAcc4">
+    <dgm:fillClrLst meth="repeat">
+      <a:schemeClr val="dk2">
+        <a:alpha val="90000"/>
+        <a:tint val="40000"/>
+      </a:schemeClr>
+    </dgm:fillClrLst>
+    <dgm:linClrLst meth="repeat">
+      <a:schemeClr val="dk2"/>
+    </dgm:linClrLst>
+    <dgm:effectClrLst/>
+    <dgm:txLinClrLst/>
+    <dgm:txFillClrLst meth="repeat">
+      <a:schemeClr val="dk2"/>
+    </dgm:txFillClrLst>
+    <dgm:txEffectClrLst/>
+  </dgm:styleLbl>
+  <dgm:styleLbl name="bgShp">
+    <dgm:fillClrLst meth="repeat">
+      <a:schemeClr val="dk2">
+        <a:tint val="40000"/>
+      </a:schemeClr>
+    </dgm:fillClrLst>
+    <dgm:linClrLst meth="repeat">
+      <a:schemeClr val="dk2"/>
+    </dgm:linClrLst>
+    <dgm:effectClrLst/>
+    <dgm:txLinClrLst/>
+    <dgm:txFillClrLst meth="repeat">
+      <a:schemeClr val="dk1"/>
+    </dgm:txFillClrLst>
+    <dgm:txEffectClrLst/>
+  </dgm:styleLbl>
+  <dgm:styleLbl name="dkBgShp">
+    <dgm:fillClrLst meth="repeat">
+      <a:schemeClr val="dk2">
+        <a:shade val="80000"/>
+      </a:schemeClr>
+    </dgm:fillClrLst>
+    <dgm:linClrLst meth="repeat">
+      <a:schemeClr val="dk2"/>
+    </dgm:linClrLst>
+    <dgm:effectClrLst/>
+    <dgm:txLinClrLst/>
+    <dgm:txFillClrLst meth="repeat">
+      <a:schemeClr val="lt2"/>
+    </dgm:txFillClrLst>
+    <dgm:txEffectClrLst/>
+  </dgm:styleLbl>
+  <dgm:styleLbl name="trBgShp">
+    <dgm:fillClrLst meth="repeat">
+      <a:schemeClr val="dk2">
+        <a:tint val="50000"/>
+        <a:alpha val="40000"/>
+      </a:schemeClr>
+    </dgm:fillClrLst>
+    <dgm:linClrLst meth="repeat">
+      <a:schemeClr val="dk2"/>
+    </dgm:linClrLst>
+    <dgm:effectClrLst/>
+    <dgm:txLinClrLst/>
+    <dgm:txFillClrLst meth="repeat">
+      <a:schemeClr val="lt2"/>
+    </dgm:txFillClrLst>
+    <dgm:txEffectClrLst/>
+  </dgm:styleLbl>
+  <dgm:styleLbl name="fgShp">
+    <dgm:fillClrLst meth="repeat">
+      <a:schemeClr val="dk2">
+        <a:tint val="60000"/>
+      </a:schemeClr>
+    </dgm:fillClrLst>
+    <dgm:linClrLst meth="repeat">
+      <a:schemeClr val="lt1"/>
+    </dgm:linClrLst>
+    <dgm:effectClrLst/>
+    <dgm:txLinClrLst/>
+    <dgm:txFillClrLst meth="repeat">
+      <a:schemeClr val="dk2"/>
+    </dgm:txFillClrLst>
+    <dgm:txEffectClrLst/>
+  </dgm:styleLbl>
+  <dgm:styleLbl name="revTx">
+    <dgm:fillClrLst meth="repeat">
+      <a:schemeClr val="lt1">
+        <a:alpha val="0"/>
+      </a:schemeClr>
+    </dgm:fillClrLst>
+    <dgm:linClrLst meth="repeat">
+      <a:schemeClr val="dk2">
+        <a:alpha val="0"/>
+      </a:schemeClr>
+    </dgm:linClrLst>
+    <dgm:effectClrLst/>
+    <dgm:txLinClrLst/>
+    <dgm:txFillClrLst meth="repeat">
+      <a:schemeClr val="tx1"/>
+    </dgm:txFillClrLst>
+    <dgm:txEffectClrLst/>
+  </dgm:styleLbl>
+</dgm:colorsDef>
+</file>
+
 <file path=ppt/diagrams/data1.xml><?xml version="1.0" encoding="utf-8"?>
 <dgm:dataModel xmlns:dgm="http://schemas.openxmlformats.org/drawingml/2006/diagram" xmlns:a="http://schemas.openxmlformats.org/drawingml/2006/main">
   <dgm:ptLst>
@@ -1311,6 +2124,292 @@
     <dgm:cxn modelId="{7F16AE4C-CFCD-4AC5-95B0-54E3C4B82395}" type="presParOf" srcId="{C74D817D-4C35-4BB8-AE71-C024A14DCD5D}" destId="{DB709BA6-F620-4367-A463-BCF76BDEEFDC}" srcOrd="8" destOrd="0" presId="urn:microsoft.com/office/officeart/2005/8/layout/hProcess9"/>
     <dgm:cxn modelId="{3F9F0809-9805-455D-A90D-BB9F355BF73E}" type="presParOf" srcId="{C74D817D-4C35-4BB8-AE71-C024A14DCD5D}" destId="{FB9914EF-A0F5-4A1A-B78E-F851BB616125}" srcOrd="9" destOrd="0" presId="urn:microsoft.com/office/officeart/2005/8/layout/hProcess9"/>
     <dgm:cxn modelId="{4BDB4F3E-811C-4A1E-AC38-DD592793320F}" type="presParOf" srcId="{C74D817D-4C35-4BB8-AE71-C024A14DCD5D}" destId="{DE487922-D807-4384-A345-D936B7535995}" srcOrd="10" destOrd="0" presId="urn:microsoft.com/office/officeart/2005/8/layout/hProcess9"/>
+  </dgm:cxnLst>
+  <dgm:bg/>
+  <dgm:whole/>
+  <dgm:extLst>
+    <a:ext uri="http://schemas.microsoft.com/office/drawing/2008/diagram">
+      <dsp:dataModelExt xmlns:dsp="http://schemas.microsoft.com/office/drawing/2008/diagram" relId="rId6" minVer="http://schemas.openxmlformats.org/drawingml/2006/diagram"/>
+    </a:ext>
+  </dgm:extLst>
+</dgm:dataModel>
+</file>
+
+<file path=ppt/diagrams/data2.xml><?xml version="1.0" encoding="utf-8"?>
+<dgm:dataModel xmlns:dgm="http://schemas.openxmlformats.org/drawingml/2006/diagram" xmlns:a="http://schemas.openxmlformats.org/drawingml/2006/main">
+  <dgm:ptLst>
+    <dgm:pt modelId="{9B143875-AB5E-4472-A6FF-14EBDEEC053B}" type="doc">
+      <dgm:prSet loTypeId="urn:microsoft.com/office/officeart/2005/8/layout/orgChart1" loCatId="hierarchy" qsTypeId="urn:microsoft.com/office/officeart/2005/8/quickstyle/simple1" qsCatId="simple" csTypeId="urn:microsoft.com/office/officeart/2005/8/colors/accent0_2" csCatId="mainScheme" phldr="1"/>
+      <dgm:spPr/>
+      <dgm:t>
+        <a:bodyPr/>
+        <a:lstStyle/>
+        <a:p>
+          <a:endParaRPr lang="en-US"/>
+        </a:p>
+      </dgm:t>
+    </dgm:pt>
+    <dgm:pt modelId="{FB25D43B-570E-471A-8A68-1D412870DB53}">
+      <dgm:prSet phldrT="[Text]" custT="1"/>
+      <dgm:spPr/>
+      <dgm:t>
+        <a:bodyPr/>
+        <a:lstStyle/>
+        <a:p>
+          <a:r>
+            <a:rPr lang="en-US" sz="1600" dirty="0"/>
+            <a:t>If SVM’s confidence score &gt; threshold</a:t>
+          </a:r>
+        </a:p>
+      </dgm:t>
+    </dgm:pt>
+    <dgm:pt modelId="{26CDC5B0-527F-4A93-91AA-214112DF13FF}" type="parTrans" cxnId="{6CD400B4-07BE-402F-83C6-1F0FC39F5723}">
+      <dgm:prSet/>
+      <dgm:spPr/>
+      <dgm:t>
+        <a:bodyPr/>
+        <a:lstStyle/>
+        <a:p>
+          <a:endParaRPr lang="en-US"/>
+        </a:p>
+      </dgm:t>
+    </dgm:pt>
+    <dgm:pt modelId="{2573ABCF-E09C-4128-B311-59E7456F720E}" type="sibTrans" cxnId="{6CD400B4-07BE-402F-83C6-1F0FC39F5723}">
+      <dgm:prSet/>
+      <dgm:spPr/>
+      <dgm:t>
+        <a:bodyPr/>
+        <a:lstStyle/>
+        <a:p>
+          <a:endParaRPr lang="en-US"/>
+        </a:p>
+      </dgm:t>
+    </dgm:pt>
+    <dgm:pt modelId="{31AB6D7C-4C46-45A0-9382-7676F361BE98}">
+      <dgm:prSet phldrT="[Text]"/>
+      <dgm:spPr/>
+      <dgm:t>
+        <a:bodyPr/>
+        <a:lstStyle/>
+        <a:p>
+          <a:r>
+            <a:rPr lang="ru-RU" dirty="0" err="1"/>
+            <a:t>Дообучение</a:t>
+          </a:r>
+          <a:endParaRPr lang="en-US" dirty="0"/>
+        </a:p>
+      </dgm:t>
+    </dgm:pt>
+    <dgm:pt modelId="{F14270D4-C748-456B-A447-DF5B66CA422C}" type="parTrans" cxnId="{58CC8440-5F1C-4ACF-9690-68E4B3597F03}">
+      <dgm:prSet/>
+      <dgm:spPr/>
+      <dgm:t>
+        <a:bodyPr/>
+        <a:lstStyle/>
+        <a:p>
+          <a:endParaRPr lang="en-US"/>
+        </a:p>
+      </dgm:t>
+    </dgm:pt>
+    <dgm:pt modelId="{87304884-4A42-42FA-B59D-6D427CE7DACC}" type="sibTrans" cxnId="{58CC8440-5F1C-4ACF-9690-68E4B3597F03}">
+      <dgm:prSet/>
+      <dgm:spPr/>
+      <dgm:t>
+        <a:bodyPr/>
+        <a:lstStyle/>
+        <a:p>
+          <a:endParaRPr lang="en-US"/>
+        </a:p>
+      </dgm:t>
+    </dgm:pt>
+    <dgm:pt modelId="{60A27EFB-4730-499E-AA63-8CC6C3E2FCC4}">
+      <dgm:prSet phldrT="[Text]"/>
+      <dgm:spPr/>
+      <dgm:t>
+        <a:bodyPr/>
+        <a:lstStyle/>
+        <a:p>
+          <a:r>
+            <a:rPr lang="ru-RU" dirty="0"/>
+            <a:t>Пропуск(следующий кадр)</a:t>
+          </a:r>
+          <a:endParaRPr lang="en-US" dirty="0"/>
+        </a:p>
+      </dgm:t>
+    </dgm:pt>
+    <dgm:pt modelId="{56AE4069-3405-49F5-9954-63E7E20D988D}" type="parTrans" cxnId="{69AD57A1-8625-454A-BD88-98613882B257}">
+      <dgm:prSet/>
+      <dgm:spPr/>
+      <dgm:t>
+        <a:bodyPr/>
+        <a:lstStyle/>
+        <a:p>
+          <a:endParaRPr lang="en-US"/>
+        </a:p>
+      </dgm:t>
+    </dgm:pt>
+    <dgm:pt modelId="{8058EC76-5DC7-4635-A082-A01627FFFAFD}" type="sibTrans" cxnId="{69AD57A1-8625-454A-BD88-98613882B257}">
+      <dgm:prSet/>
+      <dgm:spPr/>
+      <dgm:t>
+        <a:bodyPr/>
+        <a:lstStyle/>
+        <a:p>
+          <a:endParaRPr lang="en-US"/>
+        </a:p>
+      </dgm:t>
+    </dgm:pt>
+    <dgm:pt modelId="{116DDBAF-663C-4C43-A462-2D357097085C}" type="pres">
+      <dgm:prSet presAssocID="{9B143875-AB5E-4472-A6FF-14EBDEEC053B}" presName="hierChild1" presStyleCnt="0">
+        <dgm:presLayoutVars>
+          <dgm:orgChart val="1"/>
+          <dgm:chPref val="1"/>
+          <dgm:dir/>
+          <dgm:animOne val="branch"/>
+          <dgm:animLvl val="lvl"/>
+          <dgm:resizeHandles/>
+        </dgm:presLayoutVars>
+      </dgm:prSet>
+      <dgm:spPr/>
+    </dgm:pt>
+    <dgm:pt modelId="{CDFA4FED-26A1-4476-B55C-CE401C958773}" type="pres">
+      <dgm:prSet presAssocID="{FB25D43B-570E-471A-8A68-1D412870DB53}" presName="hierRoot1" presStyleCnt="0">
+        <dgm:presLayoutVars>
+          <dgm:hierBranch val="init"/>
+        </dgm:presLayoutVars>
+      </dgm:prSet>
+      <dgm:spPr/>
+    </dgm:pt>
+    <dgm:pt modelId="{F534DA6F-C2AE-444F-B333-10F40D8BE28D}" type="pres">
+      <dgm:prSet presAssocID="{FB25D43B-570E-471A-8A68-1D412870DB53}" presName="rootComposite1" presStyleCnt="0"/>
+      <dgm:spPr/>
+    </dgm:pt>
+    <dgm:pt modelId="{6DB40848-5A8A-4C3B-907C-E9A6C5A8F518}" type="pres">
+      <dgm:prSet presAssocID="{FB25D43B-570E-471A-8A68-1D412870DB53}" presName="rootText1" presStyleLbl="node0" presStyleIdx="0" presStyleCnt="1" custScaleX="151700" custScaleY="58882">
+        <dgm:presLayoutVars>
+          <dgm:chPref val="3"/>
+        </dgm:presLayoutVars>
+      </dgm:prSet>
+      <dgm:spPr/>
+    </dgm:pt>
+    <dgm:pt modelId="{A8311E55-058C-4D4D-AFFA-54C9A7EE91FD}" type="pres">
+      <dgm:prSet presAssocID="{FB25D43B-570E-471A-8A68-1D412870DB53}" presName="rootConnector1" presStyleLbl="node1" presStyleIdx="0" presStyleCnt="0"/>
+      <dgm:spPr/>
+    </dgm:pt>
+    <dgm:pt modelId="{CBCFD810-C33D-4418-8170-820894CAFB02}" type="pres">
+      <dgm:prSet presAssocID="{FB25D43B-570E-471A-8A68-1D412870DB53}" presName="hierChild2" presStyleCnt="0"/>
+      <dgm:spPr/>
+    </dgm:pt>
+    <dgm:pt modelId="{8710EAE2-E8E4-4005-96F4-EBA05E25228C}" type="pres">
+      <dgm:prSet presAssocID="{F14270D4-C748-456B-A447-DF5B66CA422C}" presName="Name37" presStyleLbl="parChTrans1D2" presStyleIdx="0" presStyleCnt="2"/>
+      <dgm:spPr/>
+    </dgm:pt>
+    <dgm:pt modelId="{36A6CBF6-B484-4A1B-BB3C-9DB2DD56879E}" type="pres">
+      <dgm:prSet presAssocID="{31AB6D7C-4C46-45A0-9382-7676F361BE98}" presName="hierRoot2" presStyleCnt="0">
+        <dgm:presLayoutVars>
+          <dgm:hierBranch val="init"/>
+        </dgm:presLayoutVars>
+      </dgm:prSet>
+      <dgm:spPr/>
+    </dgm:pt>
+    <dgm:pt modelId="{9F627A54-D04A-491A-8EB9-9A24F1643323}" type="pres">
+      <dgm:prSet presAssocID="{31AB6D7C-4C46-45A0-9382-7676F361BE98}" presName="rootComposite" presStyleCnt="0"/>
+      <dgm:spPr/>
+    </dgm:pt>
+    <dgm:pt modelId="{BEBEE928-0C98-4FDC-A7A2-BE1C10DA5FC3}" type="pres">
+      <dgm:prSet presAssocID="{31AB6D7C-4C46-45A0-9382-7676F361BE98}" presName="rootText" presStyleLbl="node2" presStyleIdx="0" presStyleCnt="2" custLinFactNeighborX="-50014" custLinFactNeighborY="60596">
+        <dgm:presLayoutVars>
+          <dgm:chPref val="3"/>
+        </dgm:presLayoutVars>
+      </dgm:prSet>
+      <dgm:spPr/>
+    </dgm:pt>
+    <dgm:pt modelId="{44E2AB22-980E-459F-A7CE-648238688DEB}" type="pres">
+      <dgm:prSet presAssocID="{31AB6D7C-4C46-45A0-9382-7676F361BE98}" presName="rootConnector" presStyleLbl="node2" presStyleIdx="0" presStyleCnt="2"/>
+      <dgm:spPr/>
+    </dgm:pt>
+    <dgm:pt modelId="{AF19B611-81FB-4B41-9FF9-ED548391D5FA}" type="pres">
+      <dgm:prSet presAssocID="{31AB6D7C-4C46-45A0-9382-7676F361BE98}" presName="hierChild4" presStyleCnt="0"/>
+      <dgm:spPr/>
+    </dgm:pt>
+    <dgm:pt modelId="{FAB33138-C7D4-4AF8-A8C4-ECB495F0EC05}" type="pres">
+      <dgm:prSet presAssocID="{31AB6D7C-4C46-45A0-9382-7676F361BE98}" presName="hierChild5" presStyleCnt="0"/>
+      <dgm:spPr/>
+    </dgm:pt>
+    <dgm:pt modelId="{8617AE78-B981-4672-8808-32D7AC57ED0C}" type="pres">
+      <dgm:prSet presAssocID="{56AE4069-3405-49F5-9954-63E7E20D988D}" presName="Name37" presStyleLbl="parChTrans1D2" presStyleIdx="1" presStyleCnt="2"/>
+      <dgm:spPr/>
+    </dgm:pt>
+    <dgm:pt modelId="{4177493E-34A9-4923-AFF5-C2306BC22BD8}" type="pres">
+      <dgm:prSet presAssocID="{60A27EFB-4730-499E-AA63-8CC6C3E2FCC4}" presName="hierRoot2" presStyleCnt="0">
+        <dgm:presLayoutVars>
+          <dgm:hierBranch val="init"/>
+        </dgm:presLayoutVars>
+      </dgm:prSet>
+      <dgm:spPr/>
+    </dgm:pt>
+    <dgm:pt modelId="{743A70EC-640D-4D3A-964E-28D64CF3B4EC}" type="pres">
+      <dgm:prSet presAssocID="{60A27EFB-4730-499E-AA63-8CC6C3E2FCC4}" presName="rootComposite" presStyleCnt="0"/>
+      <dgm:spPr/>
+    </dgm:pt>
+    <dgm:pt modelId="{6D8231D6-4442-491E-AD49-9C1D0C41E95D}" type="pres">
+      <dgm:prSet presAssocID="{60A27EFB-4730-499E-AA63-8CC6C3E2FCC4}" presName="rootText" presStyleLbl="node2" presStyleIdx="1" presStyleCnt="2" custScaleX="102188" custScaleY="103076" custLinFactNeighborX="14" custLinFactNeighborY="60019">
+        <dgm:presLayoutVars>
+          <dgm:chPref val="3"/>
+        </dgm:presLayoutVars>
+      </dgm:prSet>
+      <dgm:spPr/>
+    </dgm:pt>
+    <dgm:pt modelId="{C2A9CCE5-3F99-4603-9140-3194DD801ABE}" type="pres">
+      <dgm:prSet presAssocID="{60A27EFB-4730-499E-AA63-8CC6C3E2FCC4}" presName="rootConnector" presStyleLbl="node2" presStyleIdx="1" presStyleCnt="2"/>
+      <dgm:spPr/>
+    </dgm:pt>
+    <dgm:pt modelId="{DE34DF31-678A-4CD7-B34E-EA13FC7D3233}" type="pres">
+      <dgm:prSet presAssocID="{60A27EFB-4730-499E-AA63-8CC6C3E2FCC4}" presName="hierChild4" presStyleCnt="0"/>
+      <dgm:spPr/>
+    </dgm:pt>
+    <dgm:pt modelId="{5F162207-E367-4352-B7FF-6BAF83067599}" type="pres">
+      <dgm:prSet presAssocID="{60A27EFB-4730-499E-AA63-8CC6C3E2FCC4}" presName="hierChild5" presStyleCnt="0"/>
+      <dgm:spPr/>
+    </dgm:pt>
+    <dgm:pt modelId="{28B1F1E8-BE9A-4965-B786-81534E07835C}" type="pres">
+      <dgm:prSet presAssocID="{FB25D43B-570E-471A-8A68-1D412870DB53}" presName="hierChild3" presStyleCnt="0"/>
+      <dgm:spPr/>
+    </dgm:pt>
+  </dgm:ptLst>
+  <dgm:cxnLst>
+    <dgm:cxn modelId="{19811510-2858-43FF-85EA-DAB599130E82}" type="presOf" srcId="{FB25D43B-570E-471A-8A68-1D412870DB53}" destId="{A8311E55-058C-4D4D-AFFA-54C9A7EE91FD}" srcOrd="1" destOrd="0" presId="urn:microsoft.com/office/officeart/2005/8/layout/orgChart1"/>
+    <dgm:cxn modelId="{58CC8440-5F1C-4ACF-9690-68E4B3597F03}" srcId="{FB25D43B-570E-471A-8A68-1D412870DB53}" destId="{31AB6D7C-4C46-45A0-9382-7676F361BE98}" srcOrd="0" destOrd="0" parTransId="{F14270D4-C748-456B-A447-DF5B66CA422C}" sibTransId="{87304884-4A42-42FA-B59D-6D427CE7DACC}"/>
+    <dgm:cxn modelId="{11C32A5B-AAF2-4286-9EFB-B20FA1F2A04C}" type="presOf" srcId="{56AE4069-3405-49F5-9954-63E7E20D988D}" destId="{8617AE78-B981-4672-8808-32D7AC57ED0C}" srcOrd="0" destOrd="0" presId="urn:microsoft.com/office/officeart/2005/8/layout/orgChart1"/>
+    <dgm:cxn modelId="{63890F41-B383-492B-8A5F-7D28963BB27E}" type="presOf" srcId="{9B143875-AB5E-4472-A6FF-14EBDEEC053B}" destId="{116DDBAF-663C-4C43-A462-2D357097085C}" srcOrd="0" destOrd="0" presId="urn:microsoft.com/office/officeart/2005/8/layout/orgChart1"/>
+    <dgm:cxn modelId="{8A4B3E4D-29C6-4633-8196-FB69F92C7A71}" type="presOf" srcId="{FB25D43B-570E-471A-8A68-1D412870DB53}" destId="{6DB40848-5A8A-4C3B-907C-E9A6C5A8F518}" srcOrd="0" destOrd="0" presId="urn:microsoft.com/office/officeart/2005/8/layout/orgChart1"/>
+    <dgm:cxn modelId="{8F7BC176-B588-4656-B853-FE87E4F8BE3A}" type="presOf" srcId="{60A27EFB-4730-499E-AA63-8CC6C3E2FCC4}" destId="{6D8231D6-4442-491E-AD49-9C1D0C41E95D}" srcOrd="0" destOrd="0" presId="urn:microsoft.com/office/officeart/2005/8/layout/orgChart1"/>
+    <dgm:cxn modelId="{07423077-A3CB-47FA-B8F3-80C0104FB2CD}" type="presOf" srcId="{31AB6D7C-4C46-45A0-9382-7676F361BE98}" destId="{BEBEE928-0C98-4FDC-A7A2-BE1C10DA5FC3}" srcOrd="0" destOrd="0" presId="urn:microsoft.com/office/officeart/2005/8/layout/orgChart1"/>
+    <dgm:cxn modelId="{0EA7B859-B217-477B-947C-8D80569A99E8}" type="presOf" srcId="{31AB6D7C-4C46-45A0-9382-7676F361BE98}" destId="{44E2AB22-980E-459F-A7CE-648238688DEB}" srcOrd="1" destOrd="0" presId="urn:microsoft.com/office/officeart/2005/8/layout/orgChart1"/>
+    <dgm:cxn modelId="{D6447C99-BDC2-4E4C-9F4F-B5EF5323A7CC}" type="presOf" srcId="{60A27EFB-4730-499E-AA63-8CC6C3E2FCC4}" destId="{C2A9CCE5-3F99-4603-9140-3194DD801ABE}" srcOrd="1" destOrd="0" presId="urn:microsoft.com/office/officeart/2005/8/layout/orgChart1"/>
+    <dgm:cxn modelId="{69AD57A1-8625-454A-BD88-98613882B257}" srcId="{FB25D43B-570E-471A-8A68-1D412870DB53}" destId="{60A27EFB-4730-499E-AA63-8CC6C3E2FCC4}" srcOrd="1" destOrd="0" parTransId="{56AE4069-3405-49F5-9954-63E7E20D988D}" sibTransId="{8058EC76-5DC7-4635-A082-A01627FFFAFD}"/>
+    <dgm:cxn modelId="{6CD400B4-07BE-402F-83C6-1F0FC39F5723}" srcId="{9B143875-AB5E-4472-A6FF-14EBDEEC053B}" destId="{FB25D43B-570E-471A-8A68-1D412870DB53}" srcOrd="0" destOrd="0" parTransId="{26CDC5B0-527F-4A93-91AA-214112DF13FF}" sibTransId="{2573ABCF-E09C-4128-B311-59E7456F720E}"/>
+    <dgm:cxn modelId="{7F17F0C1-2332-4BC3-8808-4C850753FCB7}" type="presOf" srcId="{F14270D4-C748-456B-A447-DF5B66CA422C}" destId="{8710EAE2-E8E4-4005-96F4-EBA05E25228C}" srcOrd="0" destOrd="0" presId="urn:microsoft.com/office/officeart/2005/8/layout/orgChart1"/>
+    <dgm:cxn modelId="{5D87D2EB-E835-4617-8B9C-D05F89721F33}" type="presParOf" srcId="{116DDBAF-663C-4C43-A462-2D357097085C}" destId="{CDFA4FED-26A1-4476-B55C-CE401C958773}" srcOrd="0" destOrd="0" presId="urn:microsoft.com/office/officeart/2005/8/layout/orgChart1"/>
+    <dgm:cxn modelId="{50DBDCD0-BAE2-4261-B0E8-1DAC9E27F17B}" type="presParOf" srcId="{CDFA4FED-26A1-4476-B55C-CE401C958773}" destId="{F534DA6F-C2AE-444F-B333-10F40D8BE28D}" srcOrd="0" destOrd="0" presId="urn:microsoft.com/office/officeart/2005/8/layout/orgChart1"/>
+    <dgm:cxn modelId="{8F41E828-0A28-42A3-AB3D-74BDAC4595A1}" type="presParOf" srcId="{F534DA6F-C2AE-444F-B333-10F40D8BE28D}" destId="{6DB40848-5A8A-4C3B-907C-E9A6C5A8F518}" srcOrd="0" destOrd="0" presId="urn:microsoft.com/office/officeart/2005/8/layout/orgChart1"/>
+    <dgm:cxn modelId="{87C90EDC-8A7C-4EEB-B566-BD20B1F9968B}" type="presParOf" srcId="{F534DA6F-C2AE-444F-B333-10F40D8BE28D}" destId="{A8311E55-058C-4D4D-AFFA-54C9A7EE91FD}" srcOrd="1" destOrd="0" presId="urn:microsoft.com/office/officeart/2005/8/layout/orgChart1"/>
+    <dgm:cxn modelId="{62DDFE95-CE2C-4026-AF85-5CF8A3E6B320}" type="presParOf" srcId="{CDFA4FED-26A1-4476-B55C-CE401C958773}" destId="{CBCFD810-C33D-4418-8170-820894CAFB02}" srcOrd="1" destOrd="0" presId="urn:microsoft.com/office/officeart/2005/8/layout/orgChart1"/>
+    <dgm:cxn modelId="{E55BACB0-07B5-4F9B-9962-43C55534CEDF}" type="presParOf" srcId="{CBCFD810-C33D-4418-8170-820894CAFB02}" destId="{8710EAE2-E8E4-4005-96F4-EBA05E25228C}" srcOrd="0" destOrd="0" presId="urn:microsoft.com/office/officeart/2005/8/layout/orgChart1"/>
+    <dgm:cxn modelId="{1324D3A0-4FDF-47B8-A8AF-C4F0D0906CDB}" type="presParOf" srcId="{CBCFD810-C33D-4418-8170-820894CAFB02}" destId="{36A6CBF6-B484-4A1B-BB3C-9DB2DD56879E}" srcOrd="1" destOrd="0" presId="urn:microsoft.com/office/officeart/2005/8/layout/orgChart1"/>
+    <dgm:cxn modelId="{1A92EFB8-83D9-44AE-BA00-9F3DE1674BC4}" type="presParOf" srcId="{36A6CBF6-B484-4A1B-BB3C-9DB2DD56879E}" destId="{9F627A54-D04A-491A-8EB9-9A24F1643323}" srcOrd="0" destOrd="0" presId="urn:microsoft.com/office/officeart/2005/8/layout/orgChart1"/>
+    <dgm:cxn modelId="{9E43EFF6-E27D-4815-A2D1-AAD0A7B8E406}" type="presParOf" srcId="{9F627A54-D04A-491A-8EB9-9A24F1643323}" destId="{BEBEE928-0C98-4FDC-A7A2-BE1C10DA5FC3}" srcOrd="0" destOrd="0" presId="urn:microsoft.com/office/officeart/2005/8/layout/orgChart1"/>
+    <dgm:cxn modelId="{FE53CEB3-2AA7-4946-82DB-C54D34C990C1}" type="presParOf" srcId="{9F627A54-D04A-491A-8EB9-9A24F1643323}" destId="{44E2AB22-980E-459F-A7CE-648238688DEB}" srcOrd="1" destOrd="0" presId="urn:microsoft.com/office/officeart/2005/8/layout/orgChart1"/>
+    <dgm:cxn modelId="{BB8BC368-4A14-4468-8139-DB1ED5450AF2}" type="presParOf" srcId="{36A6CBF6-B484-4A1B-BB3C-9DB2DD56879E}" destId="{AF19B611-81FB-4B41-9FF9-ED548391D5FA}" srcOrd="1" destOrd="0" presId="urn:microsoft.com/office/officeart/2005/8/layout/orgChart1"/>
+    <dgm:cxn modelId="{2E3E7B4B-020C-4042-8E38-B654001ADBA9}" type="presParOf" srcId="{36A6CBF6-B484-4A1B-BB3C-9DB2DD56879E}" destId="{FAB33138-C7D4-4AF8-A8C4-ECB495F0EC05}" srcOrd="2" destOrd="0" presId="urn:microsoft.com/office/officeart/2005/8/layout/orgChart1"/>
+    <dgm:cxn modelId="{A1DAE111-6EDC-4641-94E1-F473D34258A0}" type="presParOf" srcId="{CBCFD810-C33D-4418-8170-820894CAFB02}" destId="{8617AE78-B981-4672-8808-32D7AC57ED0C}" srcOrd="2" destOrd="0" presId="urn:microsoft.com/office/officeart/2005/8/layout/orgChart1"/>
+    <dgm:cxn modelId="{EDE2958B-7D05-47F4-84E8-0E6B9427220C}" type="presParOf" srcId="{CBCFD810-C33D-4418-8170-820894CAFB02}" destId="{4177493E-34A9-4923-AFF5-C2306BC22BD8}" srcOrd="3" destOrd="0" presId="urn:microsoft.com/office/officeart/2005/8/layout/orgChart1"/>
+    <dgm:cxn modelId="{A41D8E23-C317-4D17-BD28-906E333049BB}" type="presParOf" srcId="{4177493E-34A9-4923-AFF5-C2306BC22BD8}" destId="{743A70EC-640D-4D3A-964E-28D64CF3B4EC}" srcOrd="0" destOrd="0" presId="urn:microsoft.com/office/officeart/2005/8/layout/orgChart1"/>
+    <dgm:cxn modelId="{DAD83BEC-3656-4E39-80E2-C9F0D1339EB6}" type="presParOf" srcId="{743A70EC-640D-4D3A-964E-28D64CF3B4EC}" destId="{6D8231D6-4442-491E-AD49-9C1D0C41E95D}" srcOrd="0" destOrd="0" presId="urn:microsoft.com/office/officeart/2005/8/layout/orgChart1"/>
+    <dgm:cxn modelId="{8D060625-F849-4681-9023-3C0955139F1C}" type="presParOf" srcId="{743A70EC-640D-4D3A-964E-28D64CF3B4EC}" destId="{C2A9CCE5-3F99-4603-9140-3194DD801ABE}" srcOrd="1" destOrd="0" presId="urn:microsoft.com/office/officeart/2005/8/layout/orgChart1"/>
+    <dgm:cxn modelId="{FF2A2B1A-D3CD-4DE7-A934-9FCB494DBC95}" type="presParOf" srcId="{4177493E-34A9-4923-AFF5-C2306BC22BD8}" destId="{DE34DF31-678A-4CD7-B34E-EA13FC7D3233}" srcOrd="1" destOrd="0" presId="urn:microsoft.com/office/officeart/2005/8/layout/orgChart1"/>
+    <dgm:cxn modelId="{F54BFE36-52CD-4723-B3E1-7E2FA2765558}" type="presParOf" srcId="{4177493E-34A9-4923-AFF5-C2306BC22BD8}" destId="{5F162207-E367-4352-B7FF-6BAF83067599}" srcOrd="2" destOrd="0" presId="urn:microsoft.com/office/officeart/2005/8/layout/orgChart1"/>
+    <dgm:cxn modelId="{BB43D11E-CC81-4F5F-A65C-F937EAADD360}" type="presParOf" srcId="{CDFA4FED-26A1-4476-B55C-CE401C958773}" destId="{28B1F1E8-BE9A-4965-B786-81534E07835C}" srcOrd="2" destOrd="0" presId="urn:microsoft.com/office/officeart/2005/8/layout/orgChart1"/>
   </dgm:cxnLst>
   <dgm:bg/>
   <dgm:whole/>
@@ -1990,6 +3089,376 @@
 </dsp:drawing>
 </file>
 
+<file path=ppt/diagrams/drawing2.xml><?xml version="1.0" encoding="utf-8"?>
+<dsp:drawing xmlns:dgm="http://schemas.openxmlformats.org/drawingml/2006/diagram" xmlns:dsp="http://schemas.microsoft.com/office/drawing/2008/diagram" xmlns:a="http://schemas.openxmlformats.org/drawingml/2006/main">
+  <dsp:spTree>
+    <dsp:nvGrpSpPr>
+      <dsp:cNvPr id="0" name=""/>
+      <dsp:cNvGrpSpPr/>
+    </dsp:nvGrpSpPr>
+    <dsp:grpSpPr/>
+    <dsp:sp modelId="{8617AE78-B981-4672-8808-32D7AC57ED0C}">
+      <dsp:nvSpPr>
+        <dsp:cNvPr id="0" name=""/>
+        <dsp:cNvSpPr/>
+      </dsp:nvSpPr>
+      <dsp:spPr>
+        <a:xfrm>
+          <a:off x="2322462" y="1332374"/>
+          <a:ext cx="1259238" cy="1061465"/>
+        </a:xfrm>
+        <a:custGeom>
+          <a:avLst/>
+          <a:gdLst/>
+          <a:ahLst/>
+          <a:cxnLst/>
+          <a:rect l="0" t="0" r="0" b="0"/>
+          <a:pathLst>
+            <a:path>
+              <a:moveTo>
+                <a:pt x="0" y="0"/>
+              </a:moveTo>
+              <a:lnTo>
+                <a:pt x="0" y="842969"/>
+              </a:lnTo>
+              <a:lnTo>
+                <a:pt x="1259238" y="842969"/>
+              </a:lnTo>
+              <a:lnTo>
+                <a:pt x="1259238" y="1061465"/>
+              </a:lnTo>
+            </a:path>
+          </a:pathLst>
+        </a:custGeom>
+        <a:noFill/>
+        <a:ln w="15875" cap="flat" cmpd="sng" algn="ctr">
+          <a:solidFill>
+            <a:schemeClr val="dk2">
+              <a:shade val="60000"/>
+              <a:hueOff val="0"/>
+              <a:satOff val="0"/>
+              <a:lumOff val="0"/>
+              <a:alphaOff val="0"/>
+            </a:schemeClr>
+          </a:solidFill>
+          <a:prstDash val="solid"/>
+        </a:ln>
+        <a:effectLst/>
+      </dsp:spPr>
+      <dsp:style>
+        <a:lnRef idx="2">
+          <a:scrgbClr r="0" g="0" b="0"/>
+        </a:lnRef>
+        <a:fillRef idx="0">
+          <a:scrgbClr r="0" g="0" b="0"/>
+        </a:fillRef>
+        <a:effectRef idx="0">
+          <a:scrgbClr r="0" g="0" b="0"/>
+        </a:effectRef>
+        <a:fontRef idx="minor"/>
+      </dsp:style>
+    </dsp:sp>
+    <dsp:sp modelId="{8710EAE2-E8E4-4005-96F4-EBA05E25228C}">
+      <dsp:nvSpPr>
+        <dsp:cNvPr id="0" name=""/>
+        <dsp:cNvSpPr/>
+      </dsp:nvSpPr>
+      <dsp:spPr>
+        <a:xfrm>
+          <a:off x="1040458" y="1332374"/>
+          <a:ext cx="1282003" cy="1067468"/>
+        </a:xfrm>
+        <a:custGeom>
+          <a:avLst/>
+          <a:gdLst/>
+          <a:ahLst/>
+          <a:cxnLst/>
+          <a:rect l="0" t="0" r="0" b="0"/>
+          <a:pathLst>
+            <a:path>
+              <a:moveTo>
+                <a:pt x="1282003" y="0"/>
+              </a:moveTo>
+              <a:lnTo>
+                <a:pt x="1282003" y="848972"/>
+              </a:lnTo>
+              <a:lnTo>
+                <a:pt x="0" y="848972"/>
+              </a:lnTo>
+              <a:lnTo>
+                <a:pt x="0" y="1067468"/>
+              </a:lnTo>
+            </a:path>
+          </a:pathLst>
+        </a:custGeom>
+        <a:noFill/>
+        <a:ln w="15875" cap="flat" cmpd="sng" algn="ctr">
+          <a:solidFill>
+            <a:schemeClr val="dk2">
+              <a:shade val="60000"/>
+              <a:hueOff val="0"/>
+              <a:satOff val="0"/>
+              <a:lumOff val="0"/>
+              <a:alphaOff val="0"/>
+            </a:schemeClr>
+          </a:solidFill>
+          <a:prstDash val="solid"/>
+        </a:ln>
+        <a:effectLst/>
+      </dsp:spPr>
+      <dsp:style>
+        <a:lnRef idx="2">
+          <a:scrgbClr r="0" g="0" b="0"/>
+        </a:lnRef>
+        <a:fillRef idx="0">
+          <a:scrgbClr r="0" g="0" b="0"/>
+        </a:fillRef>
+        <a:effectRef idx="0">
+          <a:scrgbClr r="0" g="0" b="0"/>
+        </a:effectRef>
+        <a:fontRef idx="minor"/>
+      </dsp:style>
+    </dsp:sp>
+    <dsp:sp modelId="{6DB40848-5A8A-4C3B-907C-E9A6C5A8F518}">
+      <dsp:nvSpPr>
+        <dsp:cNvPr id="0" name=""/>
+        <dsp:cNvSpPr/>
+      </dsp:nvSpPr>
+      <dsp:spPr>
+        <a:xfrm>
+          <a:off x="744086" y="719731"/>
+          <a:ext cx="3156750" cy="612642"/>
+        </a:xfrm>
+        <a:prstGeom prst="rect">
+          <a:avLst/>
+        </a:prstGeom>
+        <a:solidFill>
+          <a:schemeClr val="lt1">
+            <a:hueOff val="0"/>
+            <a:satOff val="0"/>
+            <a:lumOff val="0"/>
+            <a:alphaOff val="0"/>
+          </a:schemeClr>
+        </a:solidFill>
+        <a:ln w="15875" cap="flat" cmpd="sng" algn="ctr">
+          <a:solidFill>
+            <a:schemeClr val="dk2">
+              <a:shade val="80000"/>
+              <a:hueOff val="0"/>
+              <a:satOff val="0"/>
+              <a:lumOff val="0"/>
+              <a:alphaOff val="0"/>
+            </a:schemeClr>
+          </a:solidFill>
+          <a:prstDash val="solid"/>
+        </a:ln>
+        <a:effectLst/>
+      </dsp:spPr>
+      <dsp:style>
+        <a:lnRef idx="2">
+          <a:scrgbClr r="0" g="0" b="0"/>
+        </a:lnRef>
+        <a:fillRef idx="1">
+          <a:scrgbClr r="0" g="0" b="0"/>
+        </a:fillRef>
+        <a:effectRef idx="0">
+          <a:scrgbClr r="0" g="0" b="0"/>
+        </a:effectRef>
+        <a:fontRef idx="minor">
+          <a:schemeClr val="lt1"/>
+        </a:fontRef>
+      </dsp:style>
+      <dsp:txBody>
+        <a:bodyPr spcFirstLastPara="0" vert="horz" wrap="square" lIns="10160" tIns="10160" rIns="10160" bIns="10160" numCol="1" spcCol="1270" anchor="ctr" anchorCtr="0">
+          <a:noAutofit/>
+        </a:bodyPr>
+        <a:lstStyle/>
+        <a:p>
+          <a:pPr marL="0" lvl="0" indent="0" algn="ctr" defTabSz="711200">
+            <a:lnSpc>
+              <a:spcPct val="90000"/>
+            </a:lnSpc>
+            <a:spcBef>
+              <a:spcPct val="0"/>
+            </a:spcBef>
+            <a:spcAft>
+              <a:spcPct val="35000"/>
+            </a:spcAft>
+            <a:buNone/>
+          </a:pPr>
+          <a:r>
+            <a:rPr lang="en-US" sz="1600" kern="1200" dirty="0"/>
+            <a:t>If SVM’s confidence score &gt; threshold</a:t>
+          </a:r>
+        </a:p>
+      </dsp:txBody>
+      <dsp:txXfrm>
+        <a:off x="744086" y="719731"/>
+        <a:ext cx="3156750" cy="612642"/>
+      </dsp:txXfrm>
+    </dsp:sp>
+    <dsp:sp modelId="{BEBEE928-0C98-4FDC-A7A2-BE1C10DA5FC3}">
+      <dsp:nvSpPr>
+        <dsp:cNvPr id="0" name=""/>
+        <dsp:cNvSpPr/>
+      </dsp:nvSpPr>
+      <dsp:spPr>
+        <a:xfrm>
+          <a:off x="0" y="2399843"/>
+          <a:ext cx="2080916" cy="1040458"/>
+        </a:xfrm>
+        <a:prstGeom prst="rect">
+          <a:avLst/>
+        </a:prstGeom>
+        <a:solidFill>
+          <a:schemeClr val="lt1">
+            <a:hueOff val="0"/>
+            <a:satOff val="0"/>
+            <a:lumOff val="0"/>
+            <a:alphaOff val="0"/>
+          </a:schemeClr>
+        </a:solidFill>
+        <a:ln w="15875" cap="flat" cmpd="sng" algn="ctr">
+          <a:solidFill>
+            <a:schemeClr val="dk2">
+              <a:shade val="80000"/>
+              <a:hueOff val="0"/>
+              <a:satOff val="0"/>
+              <a:lumOff val="0"/>
+              <a:alphaOff val="0"/>
+            </a:schemeClr>
+          </a:solidFill>
+          <a:prstDash val="solid"/>
+        </a:ln>
+        <a:effectLst/>
+      </dsp:spPr>
+      <dsp:style>
+        <a:lnRef idx="2">
+          <a:scrgbClr r="0" g="0" b="0"/>
+        </a:lnRef>
+        <a:fillRef idx="1">
+          <a:scrgbClr r="0" g="0" b="0"/>
+        </a:fillRef>
+        <a:effectRef idx="0">
+          <a:scrgbClr r="0" g="0" b="0"/>
+        </a:effectRef>
+        <a:fontRef idx="minor">
+          <a:schemeClr val="lt1"/>
+        </a:fontRef>
+      </dsp:style>
+      <dsp:txBody>
+        <a:bodyPr spcFirstLastPara="0" vert="horz" wrap="square" lIns="11430" tIns="11430" rIns="11430" bIns="11430" numCol="1" spcCol="1270" anchor="ctr" anchorCtr="0">
+          <a:noAutofit/>
+        </a:bodyPr>
+        <a:lstStyle/>
+        <a:p>
+          <a:pPr marL="0" lvl="0" indent="0" algn="ctr" defTabSz="800100">
+            <a:lnSpc>
+              <a:spcPct val="90000"/>
+            </a:lnSpc>
+            <a:spcBef>
+              <a:spcPct val="0"/>
+            </a:spcBef>
+            <a:spcAft>
+              <a:spcPct val="35000"/>
+            </a:spcAft>
+            <a:buNone/>
+          </a:pPr>
+          <a:r>
+            <a:rPr lang="ru-RU" sz="1800" kern="1200" dirty="0" err="1"/>
+            <a:t>Дообучение</a:t>
+          </a:r>
+          <a:endParaRPr lang="en-US" sz="1800" kern="1200" dirty="0"/>
+        </a:p>
+      </dsp:txBody>
+      <dsp:txXfrm>
+        <a:off x="0" y="2399843"/>
+        <a:ext cx="2080916" cy="1040458"/>
+      </dsp:txXfrm>
+    </dsp:sp>
+    <dsp:sp modelId="{6D8231D6-4442-491E-AD49-9C1D0C41E95D}">
+      <dsp:nvSpPr>
+        <dsp:cNvPr id="0" name=""/>
+        <dsp:cNvSpPr/>
+      </dsp:nvSpPr>
+      <dsp:spPr>
+        <a:xfrm>
+          <a:off x="2518476" y="2393839"/>
+          <a:ext cx="2126447" cy="1072462"/>
+        </a:xfrm>
+        <a:prstGeom prst="rect">
+          <a:avLst/>
+        </a:prstGeom>
+        <a:solidFill>
+          <a:schemeClr val="lt1">
+            <a:hueOff val="0"/>
+            <a:satOff val="0"/>
+            <a:lumOff val="0"/>
+            <a:alphaOff val="0"/>
+          </a:schemeClr>
+        </a:solidFill>
+        <a:ln w="15875" cap="flat" cmpd="sng" algn="ctr">
+          <a:solidFill>
+            <a:schemeClr val="dk2">
+              <a:shade val="80000"/>
+              <a:hueOff val="0"/>
+              <a:satOff val="0"/>
+              <a:lumOff val="0"/>
+              <a:alphaOff val="0"/>
+            </a:schemeClr>
+          </a:solidFill>
+          <a:prstDash val="solid"/>
+        </a:ln>
+        <a:effectLst/>
+      </dsp:spPr>
+      <dsp:style>
+        <a:lnRef idx="2">
+          <a:scrgbClr r="0" g="0" b="0"/>
+        </a:lnRef>
+        <a:fillRef idx="1">
+          <a:scrgbClr r="0" g="0" b="0"/>
+        </a:fillRef>
+        <a:effectRef idx="0">
+          <a:scrgbClr r="0" g="0" b="0"/>
+        </a:effectRef>
+        <a:fontRef idx="minor">
+          <a:schemeClr val="lt1"/>
+        </a:fontRef>
+      </dsp:style>
+      <dsp:txBody>
+        <a:bodyPr spcFirstLastPara="0" vert="horz" wrap="square" lIns="11430" tIns="11430" rIns="11430" bIns="11430" numCol="1" spcCol="1270" anchor="ctr" anchorCtr="0">
+          <a:noAutofit/>
+        </a:bodyPr>
+        <a:lstStyle/>
+        <a:p>
+          <a:pPr marL="0" lvl="0" indent="0" algn="ctr" defTabSz="800100">
+            <a:lnSpc>
+              <a:spcPct val="90000"/>
+            </a:lnSpc>
+            <a:spcBef>
+              <a:spcPct val="0"/>
+            </a:spcBef>
+            <a:spcAft>
+              <a:spcPct val="35000"/>
+            </a:spcAft>
+            <a:buNone/>
+          </a:pPr>
+          <a:r>
+            <a:rPr lang="ru-RU" sz="1800" kern="1200" dirty="0"/>
+            <a:t>Пропуск(следующий кадр)</a:t>
+          </a:r>
+          <a:endParaRPr lang="en-US" sz="1800" kern="1200" dirty="0"/>
+        </a:p>
+      </dsp:txBody>
+      <dsp:txXfrm>
+        <a:off x="2518476" y="2393839"/>
+        <a:ext cx="2126447" cy="1072462"/>
+      </dsp:txXfrm>
+    </dsp:sp>
+  </dsp:spTree>
+</dsp:drawing>
+</file>
+
 <file path=ppt/diagrams/layout1.xml><?xml version="1.0" encoding="utf-8"?>
 <dgm:layoutDef xmlns:dgm="http://schemas.openxmlformats.org/drawingml/2006/diagram" xmlns:a="http://schemas.openxmlformats.org/drawingml/2006/main" uniqueId="urn:microsoft.com/office/officeart/2005/8/layout/hProcess9">
   <dgm:title val=""/>
@@ -2144,6 +3613,1152 @@
 </dgm:layoutDef>
 </file>
 
+<file path=ppt/diagrams/layout2.xml><?xml version="1.0" encoding="utf-8"?>
+<dgm:layoutDef xmlns:dgm="http://schemas.openxmlformats.org/drawingml/2006/diagram" xmlns:a="http://schemas.openxmlformats.org/drawingml/2006/main" uniqueId="urn:microsoft.com/office/officeart/2005/8/layout/orgChart1">
+  <dgm:title val=""/>
+  <dgm:desc val=""/>
+  <dgm:catLst>
+    <dgm:cat type="hierarchy" pri="1000"/>
+    <dgm:cat type="convert" pri="6000"/>
+  </dgm:catLst>
+  <dgm:sampData>
+    <dgm:dataModel>
+      <dgm:ptLst>
+        <dgm:pt modelId="0" type="doc"/>
+        <dgm:pt modelId="1">
+          <dgm:prSet phldr="1"/>
+        </dgm:pt>
+        <dgm:pt modelId="2" type="asst">
+          <dgm:prSet phldr="1"/>
+        </dgm:pt>
+        <dgm:pt modelId="3">
+          <dgm:prSet phldr="1"/>
+        </dgm:pt>
+        <dgm:pt modelId="4">
+          <dgm:prSet phldr="1"/>
+        </dgm:pt>
+        <dgm:pt modelId="5">
+          <dgm:prSet phldr="1"/>
+        </dgm:pt>
+      </dgm:ptLst>
+      <dgm:cxnLst>
+        <dgm:cxn modelId="5" srcId="0" destId="1" srcOrd="0" destOrd="0"/>
+        <dgm:cxn modelId="6" srcId="1" destId="2" srcOrd="0" destOrd="0"/>
+        <dgm:cxn modelId="7" srcId="1" destId="3" srcOrd="1" destOrd="0"/>
+        <dgm:cxn modelId="8" srcId="1" destId="4" srcOrd="2" destOrd="0"/>
+        <dgm:cxn modelId="9" srcId="1" destId="5" srcOrd="3" destOrd="0"/>
+      </dgm:cxnLst>
+      <dgm:bg/>
+      <dgm:whole/>
+    </dgm:dataModel>
+  </dgm:sampData>
+  <dgm:styleData>
+    <dgm:dataModel>
+      <dgm:ptLst>
+        <dgm:pt modelId="0" type="doc"/>
+        <dgm:pt modelId="1"/>
+        <dgm:pt modelId="12"/>
+        <dgm:pt modelId="13"/>
+      </dgm:ptLst>
+      <dgm:cxnLst>
+        <dgm:cxn modelId="2" srcId="0" destId="1" srcOrd="0" destOrd="0"/>
+        <dgm:cxn modelId="16" srcId="1" destId="12" srcOrd="1" destOrd="0"/>
+        <dgm:cxn modelId="17" srcId="1" destId="13" srcOrd="2" destOrd="0"/>
+      </dgm:cxnLst>
+      <dgm:bg/>
+      <dgm:whole/>
+    </dgm:dataModel>
+  </dgm:styleData>
+  <dgm:clrData>
+    <dgm:dataModel>
+      <dgm:ptLst>
+        <dgm:pt modelId="0" type="doc"/>
+        <dgm:pt modelId="1"/>
+        <dgm:pt modelId="11" type="asst"/>
+        <dgm:pt modelId="12"/>
+        <dgm:pt modelId="13"/>
+        <dgm:pt modelId="14"/>
+      </dgm:ptLst>
+      <dgm:cxnLst>
+        <dgm:cxn modelId="2" srcId="0" destId="1" srcOrd="0" destOrd="0"/>
+        <dgm:cxn modelId="15" srcId="1" destId="11" srcOrd="0" destOrd="0"/>
+        <dgm:cxn modelId="16" srcId="1" destId="12" srcOrd="1" destOrd="0"/>
+        <dgm:cxn modelId="17" srcId="1" destId="13" srcOrd="2" destOrd="0"/>
+        <dgm:cxn modelId="18" srcId="1" destId="14" srcOrd="2" destOrd="0"/>
+      </dgm:cxnLst>
+      <dgm:bg/>
+      <dgm:whole/>
+    </dgm:dataModel>
+  </dgm:clrData>
+  <dgm:layoutNode name="hierChild1">
+    <dgm:varLst>
+      <dgm:orgChart val="1"/>
+      <dgm:chPref val="1"/>
+      <dgm:dir/>
+      <dgm:animOne val="branch"/>
+      <dgm:animLvl val="lvl"/>
+      <dgm:resizeHandles/>
+    </dgm:varLst>
+    <dgm:choose name="Name0">
+      <dgm:if name="Name1" func="var" arg="dir" op="equ" val="norm">
+        <dgm:alg type="hierChild">
+          <dgm:param type="linDir" val="fromL"/>
+        </dgm:alg>
+      </dgm:if>
+      <dgm:else name="Name2">
+        <dgm:alg type="hierChild">
+          <dgm:param type="linDir" val="fromR"/>
+        </dgm:alg>
+      </dgm:else>
+    </dgm:choose>
+    <dgm:shape xmlns:r="http://schemas.openxmlformats.org/officeDocument/2006/relationships" r:blip="">
+      <dgm:adjLst/>
+    </dgm:shape>
+    <dgm:presOf/>
+    <dgm:constrLst>
+      <dgm:constr type="w" for="des" forName="rootComposite1" refType="w" fact="10"/>
+      <dgm:constr type="h" for="des" forName="rootComposite1" refType="w" refFor="des" refForName="rootComposite1" fact="0.5"/>
+      <dgm:constr type="w" for="des" forName="rootComposite" refType="w" fact="10"/>
+      <dgm:constr type="h" for="des" forName="rootComposite" refType="w" refFor="des" refForName="rootComposite1" fact="0.5"/>
+      <dgm:constr type="w" for="des" forName="rootComposite3" refType="w" fact="10"/>
+      <dgm:constr type="h" for="des" forName="rootComposite3" refType="w" refFor="des" refForName="rootComposite1" fact="0.5"/>
+      <dgm:constr type="primFontSz" for="des" ptType="node" op="equ"/>
+      <dgm:constr type="sp" for="des" op="equ"/>
+      <dgm:constr type="sp" for="des" forName="hierRoot1" refType="w" refFor="des" refForName="rootComposite1" fact="0.21"/>
+      <dgm:constr type="sp" for="des" forName="hierRoot2" refType="sp" refFor="des" refForName="hierRoot1"/>
+      <dgm:constr type="sp" for="des" forName="hierRoot3" refType="sp" refFor="des" refForName="hierRoot1"/>
+      <dgm:constr type="sibSp" refType="w" refFor="des" refForName="rootComposite1" fact="0.21"/>
+      <dgm:constr type="sibSp" for="des" forName="hierChild2" refType="sibSp"/>
+      <dgm:constr type="sibSp" for="des" forName="hierChild3" refType="sibSp"/>
+      <dgm:constr type="sibSp" for="des" forName="hierChild4" refType="sibSp"/>
+      <dgm:constr type="sibSp" for="des" forName="hierChild5" refType="sibSp"/>
+      <dgm:constr type="sibSp" for="des" forName="hierChild6" refType="sibSp"/>
+      <dgm:constr type="sibSp" for="des" forName="hierChild7" refType="sibSp"/>
+      <dgm:constr type="secSibSp" refType="w" refFor="des" refForName="rootComposite1" fact="0.21"/>
+      <dgm:constr type="secSibSp" for="des" forName="hierChild2" refType="secSibSp"/>
+      <dgm:constr type="secSibSp" for="des" forName="hierChild3" refType="secSibSp"/>
+      <dgm:constr type="secSibSp" for="des" forName="hierChild4" refType="secSibSp"/>
+      <dgm:constr type="secSibSp" for="des" forName="hierChild5" refType="secSibSp"/>
+      <dgm:constr type="secSibSp" for="des" forName="hierChild6" refType="secSibSp"/>
+      <dgm:constr type="secSibSp" for="des" forName="hierChild7" refType="secSibSp"/>
+    </dgm:constrLst>
+    <dgm:ruleLst/>
+    <dgm:forEach name="Name3" axis="ch">
+      <dgm:forEach name="Name4" axis="self" ptType="node">
+        <dgm:layoutNode name="hierRoot1">
+          <dgm:varLst>
+            <dgm:hierBranch val="init"/>
+          </dgm:varLst>
+          <dgm:choose name="Name5">
+            <dgm:if name="Name6" func="var" arg="hierBranch" op="equ" val="l">
+              <dgm:choose name="Name7">
+                <dgm:if name="Name8" axis="ch" ptType="asst" func="cnt" op="gte" val="1">
+                  <dgm:alg type="hierRoot">
+                    <dgm:param type="hierAlign" val="tR"/>
+                  </dgm:alg>
+                  <dgm:constrLst>
+                    <dgm:constr type="alignOff" val="0.65"/>
+                  </dgm:constrLst>
+                </dgm:if>
+                <dgm:else name="Name9">
+                  <dgm:alg type="hierRoot">
+                    <dgm:param type="hierAlign" val="tR"/>
+                  </dgm:alg>
+                  <dgm:constrLst>
+                    <dgm:constr type="alignOff" val="0.25"/>
+                  </dgm:constrLst>
+                </dgm:else>
+              </dgm:choose>
+            </dgm:if>
+            <dgm:if name="Name10" func="var" arg="hierBranch" op="equ" val="r">
+              <dgm:choose name="Name11">
+                <dgm:if name="Name12" axis="ch" ptType="asst" func="cnt" op="gte" val="1">
+                  <dgm:alg type="hierRoot">
+                    <dgm:param type="hierAlign" val="tL"/>
+                  </dgm:alg>
+                  <dgm:constrLst>
+                    <dgm:constr type="alignOff" val="0.65"/>
+                  </dgm:constrLst>
+                </dgm:if>
+                <dgm:else name="Name13">
+                  <dgm:alg type="hierRoot">
+                    <dgm:param type="hierAlign" val="tL"/>
+                  </dgm:alg>
+                  <dgm:constrLst>
+                    <dgm:constr type="alignOff" val="0.25"/>
+                  </dgm:constrLst>
+                </dgm:else>
+              </dgm:choose>
+            </dgm:if>
+            <dgm:if name="Name14" func="var" arg="hierBranch" op="equ" val="hang">
+              <dgm:alg type="hierRoot"/>
+              <dgm:constrLst>
+                <dgm:constr type="alignOff" val="0.65"/>
+              </dgm:constrLst>
+            </dgm:if>
+            <dgm:else name="Name15">
+              <dgm:alg type="hierRoot"/>
+              <dgm:constrLst>
+                <dgm:constr type="alignOff"/>
+                <dgm:constr type="bendDist" for="des" ptType="parTrans" refType="sp" fact="0.5"/>
+              </dgm:constrLst>
+            </dgm:else>
+          </dgm:choose>
+          <dgm:shape xmlns:r="http://schemas.openxmlformats.org/officeDocument/2006/relationships" r:blip="">
+            <dgm:adjLst/>
+          </dgm:shape>
+          <dgm:presOf/>
+          <dgm:ruleLst/>
+          <dgm:layoutNode name="rootComposite1">
+            <dgm:alg type="composite"/>
+            <dgm:shape xmlns:r="http://schemas.openxmlformats.org/officeDocument/2006/relationships" r:blip="">
+              <dgm:adjLst/>
+            </dgm:shape>
+            <dgm:presOf axis="self" ptType="node" cnt="1"/>
+            <dgm:choose name="Name16">
+              <dgm:if name="Name17" func="var" arg="hierBranch" op="equ" val="init">
+                <dgm:constrLst>
+                  <dgm:constr type="l" for="ch" forName="rootText1"/>
+                  <dgm:constr type="t" for="ch" forName="rootText1"/>
+                  <dgm:constr type="w" for="ch" forName="rootText1" refType="w"/>
+                  <dgm:constr type="h" for="ch" forName="rootText1" refType="h"/>
+                  <dgm:constr type="l" for="ch" forName="rootConnector1"/>
+                  <dgm:constr type="t" for="ch" forName="rootConnector1"/>
+                  <dgm:constr type="w" for="ch" forName="rootConnector1" refType="w" refFor="ch" refForName="rootText1" fact="0.2"/>
+                  <dgm:constr type="h" for="ch" forName="rootConnector1" refType="h" refFor="ch" refForName="rootText1"/>
+                </dgm:constrLst>
+              </dgm:if>
+              <dgm:if name="Name18" func="var" arg="hierBranch" op="equ" val="l">
+                <dgm:constrLst>
+                  <dgm:constr type="l" for="ch" forName="rootText1"/>
+                  <dgm:constr type="t" for="ch" forName="rootText1"/>
+                  <dgm:constr type="w" for="ch" forName="rootText1" refType="w"/>
+                  <dgm:constr type="h" for="ch" forName="rootText1" refType="h"/>
+                  <dgm:constr type="r" for="ch" forName="rootConnector1" refType="w"/>
+                  <dgm:constr type="t" for="ch" forName="rootConnector1"/>
+                  <dgm:constr type="w" for="ch" forName="rootConnector1" refType="w" refFor="ch" refForName="rootText1" fact="0.2"/>
+                  <dgm:constr type="h" for="ch" forName="rootConnector1" refType="h" refFor="ch" refForName="rootText1"/>
+                </dgm:constrLst>
+              </dgm:if>
+              <dgm:if name="Name19" func="var" arg="hierBranch" op="equ" val="r">
+                <dgm:constrLst>
+                  <dgm:constr type="l" for="ch" forName="rootText1"/>
+                  <dgm:constr type="t" for="ch" forName="rootText1"/>
+                  <dgm:constr type="w" for="ch" forName="rootText1" refType="w"/>
+                  <dgm:constr type="h" for="ch" forName="rootText1" refType="h"/>
+                  <dgm:constr type="l" for="ch" forName="rootConnector1"/>
+                  <dgm:constr type="t" for="ch" forName="rootConnector1"/>
+                  <dgm:constr type="w" for="ch" forName="rootConnector1" refType="w" refFor="ch" refForName="rootText1" fact="0.2"/>
+                  <dgm:constr type="h" for="ch" forName="rootConnector1" refType="h" refFor="ch" refForName="rootText1"/>
+                </dgm:constrLst>
+              </dgm:if>
+              <dgm:else name="Name20">
+                <dgm:constrLst>
+                  <dgm:constr type="l" for="ch" forName="rootText1"/>
+                  <dgm:constr type="t" for="ch" forName="rootText1"/>
+                  <dgm:constr type="w" for="ch" forName="rootText1" refType="w"/>
+                  <dgm:constr type="h" for="ch" forName="rootText1" refType="h"/>
+                  <dgm:constr type="r" for="ch" forName="rootConnector1" refType="w"/>
+                  <dgm:constr type="t" for="ch" forName="rootConnector1"/>
+                  <dgm:constr type="w" for="ch" forName="rootConnector1" refType="w" refFor="ch" refForName="rootText1" fact="0.2"/>
+                  <dgm:constr type="h" for="ch" forName="rootConnector1" refType="h" refFor="ch" refForName="rootText1"/>
+                </dgm:constrLst>
+              </dgm:else>
+            </dgm:choose>
+            <dgm:ruleLst/>
+            <dgm:layoutNode name="rootText1" styleLbl="node0">
+              <dgm:varLst>
+                <dgm:chPref val="3"/>
+              </dgm:varLst>
+              <dgm:alg type="tx"/>
+              <dgm:shape xmlns:r="http://schemas.openxmlformats.org/officeDocument/2006/relationships" type="rect" r:blip="">
+                <dgm:adjLst/>
+              </dgm:shape>
+              <dgm:presOf axis="self" ptType="node" cnt="1"/>
+              <dgm:constrLst>
+                <dgm:constr type="primFontSz" val="65"/>
+                <dgm:constr type="lMarg" refType="primFontSz" fact="0.05"/>
+                <dgm:constr type="rMarg" refType="primFontSz" fact="0.05"/>
+                <dgm:constr type="tMarg" refType="primFontSz" fact="0.05"/>
+                <dgm:constr type="bMarg" refType="primFontSz" fact="0.05"/>
+              </dgm:constrLst>
+              <dgm:ruleLst>
+                <dgm:rule type="primFontSz" val="5" fact="NaN" max="NaN"/>
+              </dgm:ruleLst>
+            </dgm:layoutNode>
+            <dgm:layoutNode name="rootConnector1" moveWith="rootText1">
+              <dgm:alg type="sp"/>
+              <dgm:shape xmlns:r="http://schemas.openxmlformats.org/officeDocument/2006/relationships" type="rect" r:blip="" hideGeom="1">
+                <dgm:adjLst/>
+              </dgm:shape>
+              <dgm:presOf axis="self" ptType="node" cnt="1"/>
+              <dgm:constrLst/>
+              <dgm:ruleLst/>
+            </dgm:layoutNode>
+          </dgm:layoutNode>
+          <dgm:layoutNode name="hierChild2">
+            <dgm:choose name="Name21">
+              <dgm:if name="Name22" func="var" arg="hierBranch" op="equ" val="l">
+                <dgm:alg type="hierChild">
+                  <dgm:param type="chAlign" val="r"/>
+                  <dgm:param type="linDir" val="fromT"/>
+                </dgm:alg>
+              </dgm:if>
+              <dgm:if name="Name23" func="var" arg="hierBranch" op="equ" val="r">
+                <dgm:alg type="hierChild">
+                  <dgm:param type="chAlign" val="l"/>
+                  <dgm:param type="linDir" val="fromT"/>
+                </dgm:alg>
+              </dgm:if>
+              <dgm:if name="Name24" func="var" arg="hierBranch" op="equ" val="hang">
+                <dgm:choose name="Name25">
+                  <dgm:if name="Name26" func="var" arg="dir" op="equ" val="norm">
+                    <dgm:alg type="hierChild">
+                      <dgm:param type="chAlign" val="l"/>
+                      <dgm:param type="linDir" val="fromL"/>
+                      <dgm:param type="secChAlign" val="t"/>
+                      <dgm:param type="secLinDir" val="fromT"/>
+                    </dgm:alg>
+                  </dgm:if>
+                  <dgm:else name="Name27">
+                    <dgm:alg type="hierChild">
+                      <dgm:param type="chAlign" val="l"/>
+                      <dgm:param type="linDir" val="fromR"/>
+                      <dgm:param type="secChAlign" val="t"/>
+                      <dgm:param type="secLinDir" val="fromT"/>
+                    </dgm:alg>
+                  </dgm:else>
+                </dgm:choose>
+              </dgm:if>
+              <dgm:else name="Name28">
+                <dgm:choose name="Name29">
+                  <dgm:if name="Name30" func="var" arg="dir" op="equ" val="norm">
+                    <dgm:alg type="hierChild"/>
+                  </dgm:if>
+                  <dgm:else name="Name31">
+                    <dgm:alg type="hierChild">
+                      <dgm:param type="linDir" val="fromR"/>
+                    </dgm:alg>
+                  </dgm:else>
+                </dgm:choose>
+              </dgm:else>
+            </dgm:choose>
+            <dgm:shape xmlns:r="http://schemas.openxmlformats.org/officeDocument/2006/relationships" r:blip="">
+              <dgm:adjLst/>
+            </dgm:shape>
+            <dgm:presOf/>
+            <dgm:constrLst/>
+            <dgm:ruleLst/>
+            <dgm:forEach name="rep2a" axis="ch" ptType="nonAsst">
+              <dgm:forEach name="Name32" axis="precedSib" ptType="parTrans" st="-1" cnt="1">
+                <dgm:choose name="Name33">
+                  <dgm:if name="Name34" func="var" arg="hierBranch" op="equ" val="std">
+                    <dgm:layoutNode name="Name35">
+                      <dgm:alg type="conn">
+                        <dgm:param type="connRout" val="bend"/>
+                        <dgm:param type="dim" val="1D"/>
+                        <dgm:param type="endSty" val="noArr"/>
+                        <dgm:param type="begPts" val="bCtr"/>
+                        <dgm:param type="endPts" val="tCtr"/>
+                        <dgm:param type="bendPt" val="end"/>
+                      </dgm:alg>
+                      <dgm:shape xmlns:r="http://schemas.openxmlformats.org/officeDocument/2006/relationships" type="conn" r:blip="" zOrderOff="-99999">
+                        <dgm:adjLst/>
+                      </dgm:shape>
+                      <dgm:presOf axis="self"/>
+                      <dgm:constrLst>
+                        <dgm:constr type="begPad"/>
+                        <dgm:constr type="endPad"/>
+                      </dgm:constrLst>
+                      <dgm:ruleLst/>
+                    </dgm:layoutNode>
+                  </dgm:if>
+                  <dgm:if name="Name36" func="var" arg="hierBranch" op="equ" val="init">
+                    <dgm:layoutNode name="Name37">
+                      <dgm:choose name="Name38">
+                        <dgm:if name="Name39" axis="self" func="depth" op="lte" val="2">
+                          <dgm:alg type="conn">
+                            <dgm:param type="connRout" val="bend"/>
+                            <dgm:param type="dim" val="1D"/>
+                            <dgm:param type="endSty" val="noArr"/>
+                            <dgm:param type="begPts" val="bCtr"/>
+                            <dgm:param type="endPts" val="tCtr"/>
+                            <dgm:param type="bendPt" val="end"/>
+                          </dgm:alg>
+                        </dgm:if>
+                        <dgm:else name="Name40">
+                          <dgm:choose name="Name41">
+                            <dgm:if name="Name42" axis="par des" func="maxDepth" op="lte" val="1">
+                              <dgm:choose name="Name43">
+                                <dgm:if name="Name44" axis="par ch" ptType="node asst" func="cnt" op="gte" val="1">
+                                  <dgm:alg type="conn">
+                                    <dgm:param type="connRout" val="bend"/>
+                                    <dgm:param type="dim" val="1D"/>
+                                    <dgm:param type="endSty" val="noArr"/>
+                                    <dgm:param type="begPts" val="bCtr"/>
+                                    <dgm:param type="endPts" val="midL midR"/>
+                                  </dgm:alg>
+                                </dgm:if>
+                                <dgm:else name="Name45">
+                                  <dgm:alg type="conn">
+                                    <dgm:param type="connRout" val="bend"/>
+                                    <dgm:param type="dim" val="1D"/>
+                                    <dgm:param type="endSty" val="noArr"/>
+                                    <dgm:param type="begPts" val="bCtr"/>
+                                    <dgm:param type="endPts" val="midL midR"/>
+                                    <dgm:param type="srcNode" val="rootConnector"/>
+                                  </dgm:alg>
+                                </dgm:else>
+                              </dgm:choose>
+                            </dgm:if>
+                            <dgm:else name="Name46">
+                              <dgm:alg type="conn">
+                                <dgm:param type="connRout" val="bend"/>
+                                <dgm:param type="dim" val="1D"/>
+                                <dgm:param type="endSty" val="noArr"/>
+                                <dgm:param type="begPts" val="bCtr"/>
+                                <dgm:param type="endPts" val="tCtr"/>
+                                <dgm:param type="bendPt" val="end"/>
+                              </dgm:alg>
+                            </dgm:else>
+                          </dgm:choose>
+                        </dgm:else>
+                      </dgm:choose>
+                      <dgm:shape xmlns:r="http://schemas.openxmlformats.org/officeDocument/2006/relationships" type="conn" r:blip="" zOrderOff="-99999">
+                        <dgm:adjLst/>
+                      </dgm:shape>
+                      <dgm:presOf axis="self"/>
+                      <dgm:constrLst>
+                        <dgm:constr type="begPad"/>
+                        <dgm:constr type="endPad"/>
+                      </dgm:constrLst>
+                      <dgm:ruleLst/>
+                    </dgm:layoutNode>
+                  </dgm:if>
+                  <dgm:if name="Name47" func="var" arg="hierBranch" op="equ" val="hang">
+                    <dgm:layoutNode name="Name48">
+                      <dgm:alg type="conn">
+                        <dgm:param type="connRout" val="bend"/>
+                        <dgm:param type="dim" val="1D"/>
+                        <dgm:param type="endSty" val="noArr"/>
+                        <dgm:param type="begPts" val="bCtr"/>
+                        <dgm:param type="endPts" val="midL midR"/>
+                      </dgm:alg>
+                      <dgm:shape xmlns:r="http://schemas.openxmlformats.org/officeDocument/2006/relationships" type="conn" r:blip="" zOrderOff="-99999">
+                        <dgm:adjLst/>
+                      </dgm:shape>
+                      <dgm:presOf axis="self"/>
+                      <dgm:constrLst>
+                        <dgm:constr type="begPad"/>
+                        <dgm:constr type="endPad"/>
+                      </dgm:constrLst>
+                      <dgm:ruleLst/>
+                    </dgm:layoutNode>
+                  </dgm:if>
+                  <dgm:else name="Name49">
+                    <dgm:layoutNode name="Name50">
+                      <dgm:choose name="Name51">
+                        <dgm:if name="Name52" axis="self" func="depth" op="lte" val="2">
+                          <dgm:choose name="Name53">
+                            <dgm:if name="Name54" axis="par ch" ptType="node asst" func="cnt" op="gte" val="1">
+                              <dgm:alg type="conn">
+                                <dgm:param type="connRout" val="bend"/>
+                                <dgm:param type="dim" val="1D"/>
+                                <dgm:param type="endSty" val="noArr"/>
+                                <dgm:param type="begPts" val="bCtr"/>
+                                <dgm:param type="endPts" val="midL midR"/>
+                              </dgm:alg>
+                            </dgm:if>
+                            <dgm:else name="Name55">
+                              <dgm:alg type="conn">
+                                <dgm:param type="connRout" val="bend"/>
+                                <dgm:param type="dim" val="1D"/>
+                                <dgm:param type="endSty" val="noArr"/>
+                                <dgm:param type="begPts" val="bCtr"/>
+                                <dgm:param type="endPts" val="midL midR"/>
+                                <dgm:param type="srcNode" val="rootConnector1"/>
+                              </dgm:alg>
+                            </dgm:else>
+                          </dgm:choose>
+                        </dgm:if>
+                        <dgm:else name="Name56">
+                          <dgm:choose name="Name57">
+                            <dgm:if name="Name58" axis="par ch" ptType="node asst" func="cnt" op="gte" val="1">
+                              <dgm:alg type="conn">
+                                <dgm:param type="connRout" val="bend"/>
+                                <dgm:param type="dim" val="1D"/>
+                                <dgm:param type="endSty" val="noArr"/>
+                                <dgm:param type="begPts" val="bCtr"/>
+                                <dgm:param type="endPts" val="midL midR"/>
+                              </dgm:alg>
+                            </dgm:if>
+                            <dgm:else name="Name59">
+                              <dgm:alg type="conn">
+                                <dgm:param type="connRout" val="bend"/>
+                                <dgm:param type="dim" val="1D"/>
+                                <dgm:param type="endSty" val="noArr"/>
+                                <dgm:param type="begPts" val="bCtr"/>
+                                <dgm:param type="endPts" val="midL midR"/>
+                                <dgm:param type="srcNode" val="rootConnector"/>
+                              </dgm:alg>
+                            </dgm:else>
+                          </dgm:choose>
+                        </dgm:else>
+                      </dgm:choose>
+                      <dgm:shape xmlns:r="http://schemas.openxmlformats.org/officeDocument/2006/relationships" type="conn" r:blip="" zOrderOff="-99999">
+                        <dgm:adjLst/>
+                      </dgm:shape>
+                      <dgm:presOf axis="self"/>
+                      <dgm:constrLst>
+                        <dgm:constr type="begPad"/>
+                        <dgm:constr type="endPad"/>
+                      </dgm:constrLst>
+                      <dgm:ruleLst/>
+                    </dgm:layoutNode>
+                  </dgm:else>
+                </dgm:choose>
+              </dgm:forEach>
+              <dgm:layoutNode name="hierRoot2">
+                <dgm:varLst>
+                  <dgm:hierBranch val="init"/>
+                </dgm:varLst>
+                <dgm:choose name="Name60">
+                  <dgm:if name="Name61" func="var" arg="hierBranch" op="equ" val="l">
+                    <dgm:choose name="Name62">
+                      <dgm:if name="Name63" axis="ch" ptType="asst" func="cnt" op="gte" val="1">
+                        <dgm:alg type="hierRoot">
+                          <dgm:param type="hierAlign" val="tR"/>
+                        </dgm:alg>
+                        <dgm:shape xmlns:r="http://schemas.openxmlformats.org/officeDocument/2006/relationships" r:blip="">
+                          <dgm:adjLst/>
+                        </dgm:shape>
+                        <dgm:presOf/>
+                        <dgm:constrLst>
+                          <dgm:constr type="alignOff" val="0.65"/>
+                        </dgm:constrLst>
+                      </dgm:if>
+                      <dgm:else name="Name64">
+                        <dgm:alg type="hierRoot">
+                          <dgm:param type="hierAlign" val="tR"/>
+                        </dgm:alg>
+                        <dgm:shape xmlns:r="http://schemas.openxmlformats.org/officeDocument/2006/relationships" r:blip="">
+                          <dgm:adjLst/>
+                        </dgm:shape>
+                        <dgm:presOf/>
+                        <dgm:constrLst>
+                          <dgm:constr type="alignOff" val="0.25"/>
+                        </dgm:constrLst>
+                      </dgm:else>
+                    </dgm:choose>
+                  </dgm:if>
+                  <dgm:if name="Name65" func="var" arg="hierBranch" op="equ" val="r">
+                    <dgm:choose name="Name66">
+                      <dgm:if name="Name67" axis="ch" ptType="asst" func="cnt" op="gte" val="1">
+                        <dgm:alg type="hierRoot">
+                          <dgm:param type="hierAlign" val="tL"/>
+                        </dgm:alg>
+                        <dgm:shape xmlns:r="http://schemas.openxmlformats.org/officeDocument/2006/relationships" r:blip="">
+                          <dgm:adjLst/>
+                        </dgm:shape>
+                        <dgm:presOf/>
+                        <dgm:constrLst>
+                          <dgm:constr type="alignOff" val="0.65"/>
+                        </dgm:constrLst>
+                      </dgm:if>
+                      <dgm:else name="Name68">
+                        <dgm:alg type="hierRoot">
+                          <dgm:param type="hierAlign" val="tL"/>
+                        </dgm:alg>
+                        <dgm:shape xmlns:r="http://schemas.openxmlformats.org/officeDocument/2006/relationships" r:blip="">
+                          <dgm:adjLst/>
+                        </dgm:shape>
+                        <dgm:presOf/>
+                        <dgm:constrLst>
+                          <dgm:constr type="alignOff" val="0.25"/>
+                        </dgm:constrLst>
+                      </dgm:else>
+                    </dgm:choose>
+                  </dgm:if>
+                  <dgm:if name="Name69" func="var" arg="hierBranch" op="equ" val="std">
+                    <dgm:alg type="hierRoot"/>
+                    <dgm:shape xmlns:r="http://schemas.openxmlformats.org/officeDocument/2006/relationships" r:blip="">
+                      <dgm:adjLst/>
+                    </dgm:shape>
+                    <dgm:presOf/>
+                    <dgm:constrLst>
+                      <dgm:constr type="alignOff"/>
+                      <dgm:constr type="bendDist" for="des" ptType="parTrans" refType="sp" fact="0.5"/>
+                    </dgm:constrLst>
+                  </dgm:if>
+                  <dgm:if name="Name70" func="var" arg="hierBranch" op="equ" val="init">
+                    <dgm:choose name="Name71">
+                      <dgm:if name="Name72" axis="des" func="maxDepth" op="lte" val="1">
+                        <dgm:choose name="Name73">
+                          <dgm:if name="Name74" axis="ch" ptType="asst" func="cnt" op="gte" val="1">
+                            <dgm:alg type="hierRoot">
+                              <dgm:param type="hierAlign" val="tL"/>
+                            </dgm:alg>
+                            <dgm:shape xmlns:r="http://schemas.openxmlformats.org/officeDocument/2006/relationships" r:blip="">
+                              <dgm:adjLst/>
+                            </dgm:shape>
+                            <dgm:presOf/>
+                            <dgm:constrLst>
+                              <dgm:constr type="alignOff" val="0.65"/>
+                            </dgm:constrLst>
+                          </dgm:if>
+                          <dgm:else name="Name75">
+                            <dgm:alg type="hierRoot">
+                              <dgm:param type="hierAlign" val="tL"/>
+                            </dgm:alg>
+                            <dgm:shape xmlns:r="http://schemas.openxmlformats.org/officeDocument/2006/relationships" r:blip="">
+                              <dgm:adjLst/>
+                            </dgm:shape>
+                            <dgm:presOf/>
+                            <dgm:constrLst>
+                              <dgm:constr type="alignOff" val="0.25"/>
+                            </dgm:constrLst>
+                          </dgm:else>
+                        </dgm:choose>
+                      </dgm:if>
+                      <dgm:else name="Name76">
+                        <dgm:alg type="hierRoot"/>
+                        <dgm:shape xmlns:r="http://schemas.openxmlformats.org/officeDocument/2006/relationships" r:blip="">
+                          <dgm:adjLst/>
+                        </dgm:shape>
+                        <dgm:presOf/>
+                        <dgm:constrLst>
+                          <dgm:constr type="alignOff"/>
+                          <dgm:constr type="bendDist" for="des" ptType="parTrans" refType="sp" fact="0.5"/>
+                        </dgm:constrLst>
+                      </dgm:else>
+                    </dgm:choose>
+                  </dgm:if>
+                  <dgm:else name="Name77">
+                    <dgm:alg type="hierRoot"/>
+                    <dgm:shape xmlns:r="http://schemas.openxmlformats.org/officeDocument/2006/relationships" r:blip="">
+                      <dgm:adjLst/>
+                    </dgm:shape>
+                    <dgm:presOf/>
+                    <dgm:constrLst>
+                      <dgm:constr type="alignOff" val="0.65"/>
+                    </dgm:constrLst>
+                  </dgm:else>
+                </dgm:choose>
+                <dgm:ruleLst/>
+                <dgm:layoutNode name="rootComposite">
+                  <dgm:alg type="composite"/>
+                  <dgm:shape xmlns:r="http://schemas.openxmlformats.org/officeDocument/2006/relationships" r:blip="">
+                    <dgm:adjLst/>
+                  </dgm:shape>
+                  <dgm:presOf axis="self" ptType="node" cnt="1"/>
+                  <dgm:choose name="Name78">
+                    <dgm:if name="Name79" func="var" arg="hierBranch" op="equ" val="init">
+                      <dgm:constrLst>
+                        <dgm:constr type="l" for="ch" forName="rootText"/>
+                        <dgm:constr type="t" for="ch" forName="rootText"/>
+                        <dgm:constr type="w" for="ch" forName="rootText" refType="w"/>
+                        <dgm:constr type="h" for="ch" forName="rootText" refType="h"/>
+                        <dgm:constr type="l" for="ch" forName="rootConnector"/>
+                        <dgm:constr type="t" for="ch" forName="rootConnector"/>
+                        <dgm:constr type="w" for="ch" forName="rootConnector" refType="w" refFor="ch" refForName="rootText" fact="0.2"/>
+                        <dgm:constr type="h" for="ch" forName="rootConnector" refType="h" refFor="ch" refForName="rootText"/>
+                      </dgm:constrLst>
+                    </dgm:if>
+                    <dgm:if name="Name80" func="var" arg="hierBranch" op="equ" val="l">
+                      <dgm:constrLst>
+                        <dgm:constr type="l" for="ch" forName="rootText"/>
+                        <dgm:constr type="t" for="ch" forName="rootText"/>
+                        <dgm:constr type="w" for="ch" forName="rootText" refType="w"/>
+                        <dgm:constr type="h" for="ch" forName="rootText" refType="h"/>
+                        <dgm:constr type="r" for="ch" forName="rootConnector" refType="w"/>
+                        <dgm:constr type="t" for="ch" forName="rootConnector"/>
+                        <dgm:constr type="w" for="ch" forName="rootConnector" refType="w" refFor="ch" refForName="rootText" fact="0.2"/>
+                        <dgm:constr type="h" for="ch" forName="rootConnector" refType="h" refFor="ch" refForName="rootText"/>
+                      </dgm:constrLst>
+                    </dgm:if>
+                    <dgm:if name="Name81" func="var" arg="hierBranch" op="equ" val="r">
+                      <dgm:constrLst>
+                        <dgm:constr type="l" for="ch" forName="rootText"/>
+                        <dgm:constr type="t" for="ch" forName="rootText"/>
+                        <dgm:constr type="w" for="ch" forName="rootText" refType="w"/>
+                        <dgm:constr type="h" for="ch" forName="rootText" refType="h"/>
+                        <dgm:constr type="l" for="ch" forName="rootConnector"/>
+                        <dgm:constr type="t" for="ch" forName="rootConnector"/>
+                        <dgm:constr type="w" for="ch" forName="rootConnector" refType="w" refFor="ch" refForName="rootText" fact="0.2"/>
+                        <dgm:constr type="h" for="ch" forName="rootConnector" refType="h" refFor="ch" refForName="rootText"/>
+                      </dgm:constrLst>
+                    </dgm:if>
+                    <dgm:else name="Name82">
+                      <dgm:constrLst>
+                        <dgm:constr type="l" for="ch" forName="rootText"/>
+                        <dgm:constr type="t" for="ch" forName="rootText"/>
+                        <dgm:constr type="w" for="ch" forName="rootText" refType="w"/>
+                        <dgm:constr type="h" for="ch" forName="rootText" refType="h"/>
+                        <dgm:constr type="r" for="ch" forName="rootConnector" refType="w"/>
+                        <dgm:constr type="t" for="ch" forName="rootConnector"/>
+                        <dgm:constr type="w" for="ch" forName="rootConnector" refType="w" refFor="ch" refForName="rootText" fact="0.2"/>
+                        <dgm:constr type="h" for="ch" forName="rootConnector" refType="h" refFor="ch" refForName="rootText"/>
+                      </dgm:constrLst>
+                    </dgm:else>
+                  </dgm:choose>
+                  <dgm:ruleLst/>
+                  <dgm:layoutNode name="rootText">
+                    <dgm:varLst>
+                      <dgm:chPref val="3"/>
+                    </dgm:varLst>
+                    <dgm:alg type="tx"/>
+                    <dgm:shape xmlns:r="http://schemas.openxmlformats.org/officeDocument/2006/relationships" type="rect" r:blip="">
+                      <dgm:adjLst/>
+                    </dgm:shape>
+                    <dgm:presOf axis="self" ptType="node" cnt="1"/>
+                    <dgm:constrLst>
+                      <dgm:constr type="primFontSz" val="65"/>
+                      <dgm:constr type="lMarg" refType="primFontSz" fact="0.05"/>
+                      <dgm:constr type="rMarg" refType="primFontSz" fact="0.05"/>
+                      <dgm:constr type="tMarg" refType="primFontSz" fact="0.05"/>
+                      <dgm:constr type="bMarg" refType="primFontSz" fact="0.05"/>
+                    </dgm:constrLst>
+                    <dgm:ruleLst>
+                      <dgm:rule type="primFontSz" val="5" fact="NaN" max="NaN"/>
+                    </dgm:ruleLst>
+                  </dgm:layoutNode>
+                  <dgm:layoutNode name="rootConnector" moveWith="rootText">
+                    <dgm:alg type="sp"/>
+                    <dgm:shape xmlns:r="http://schemas.openxmlformats.org/officeDocument/2006/relationships" type="rect" r:blip="" hideGeom="1">
+                      <dgm:adjLst/>
+                    </dgm:shape>
+                    <dgm:presOf axis="self" ptType="node" cnt="1"/>
+                    <dgm:constrLst/>
+                    <dgm:ruleLst/>
+                  </dgm:layoutNode>
+                </dgm:layoutNode>
+                <dgm:layoutNode name="hierChild4">
+                  <dgm:choose name="Name83">
+                    <dgm:if name="Name84" func="var" arg="hierBranch" op="equ" val="l">
+                      <dgm:alg type="hierChild">
+                        <dgm:param type="chAlign" val="r"/>
+                        <dgm:param type="linDir" val="fromT"/>
+                      </dgm:alg>
+                    </dgm:if>
+                    <dgm:if name="Name85" func="var" arg="hierBranch" op="equ" val="r">
+                      <dgm:alg type="hierChild">
+                        <dgm:param type="chAlign" val="l"/>
+                        <dgm:param type="linDir" val="fromT"/>
+                      </dgm:alg>
+                    </dgm:if>
+                    <dgm:if name="Name86" func="var" arg="hierBranch" op="equ" val="hang">
+                      <dgm:choose name="Name87">
+                        <dgm:if name="Name88" func="var" arg="dir" op="equ" val="norm">
+                          <dgm:alg type="hierChild">
+                            <dgm:param type="chAlign" val="l"/>
+                            <dgm:param type="linDir" val="fromL"/>
+                            <dgm:param type="secChAlign" val="t"/>
+                            <dgm:param type="secLinDir" val="fromT"/>
+                          </dgm:alg>
+                        </dgm:if>
+                        <dgm:else name="Name89">
+                          <dgm:alg type="hierChild">
+                            <dgm:param type="chAlign" val="l"/>
+                            <dgm:param type="linDir" val="fromR"/>
+                            <dgm:param type="secChAlign" val="t"/>
+                            <dgm:param type="secLinDir" val="fromT"/>
+                          </dgm:alg>
+                        </dgm:else>
+                      </dgm:choose>
+                    </dgm:if>
+                    <dgm:if name="Name90" func="var" arg="hierBranch" op="equ" val="std">
+                      <dgm:choose name="Name91">
+                        <dgm:if name="Name92" func="var" arg="dir" op="equ" val="norm">
+                          <dgm:alg type="hierChild"/>
+                        </dgm:if>
+                        <dgm:else name="Name93">
+                          <dgm:alg type="hierChild">
+                            <dgm:param type="linDir" val="fromR"/>
+                          </dgm:alg>
+                        </dgm:else>
+                      </dgm:choose>
+                    </dgm:if>
+                    <dgm:if name="Name94" func="var" arg="hierBranch" op="equ" val="init">
+                      <dgm:choose name="Name95">
+                        <dgm:if name="Name96" axis="des" func="maxDepth" op="lte" val="1">
+                          <dgm:alg type="hierChild">
+                            <dgm:param type="chAlign" val="l"/>
+                            <dgm:param type="linDir" val="fromT"/>
+                          </dgm:alg>
+                        </dgm:if>
+                        <dgm:else name="Name97">
+                          <dgm:choose name="Name98">
+                            <dgm:if name="Name99" func="var" arg="dir" op="equ" val="norm">
+                              <dgm:alg type="hierChild"/>
+                            </dgm:if>
+                            <dgm:else name="Name100">
+                              <dgm:alg type="hierChild">
+                                <dgm:param type="linDir" val="fromR"/>
+                              </dgm:alg>
+                            </dgm:else>
+                          </dgm:choose>
+                        </dgm:else>
+                      </dgm:choose>
+                    </dgm:if>
+                    <dgm:else name="Name101"/>
+                  </dgm:choose>
+                  <dgm:shape xmlns:r="http://schemas.openxmlformats.org/officeDocument/2006/relationships" r:blip="">
+                    <dgm:adjLst/>
+                  </dgm:shape>
+                  <dgm:presOf/>
+                  <dgm:constrLst/>
+                  <dgm:ruleLst/>
+                  <dgm:forEach name="Name102" ref="rep2a"/>
+                </dgm:layoutNode>
+                <dgm:layoutNode name="hierChild5">
+                  <dgm:choose name="Name103">
+                    <dgm:if name="Name104" func="var" arg="dir" op="equ" val="norm">
+                      <dgm:alg type="hierChild">
+                        <dgm:param type="chAlign" val="l"/>
+                        <dgm:param type="linDir" val="fromL"/>
+                        <dgm:param type="secChAlign" val="t"/>
+                        <dgm:param type="secLinDir" val="fromT"/>
+                      </dgm:alg>
+                    </dgm:if>
+                    <dgm:else name="Name105">
+                      <dgm:alg type="hierChild">
+                        <dgm:param type="chAlign" val="l"/>
+                        <dgm:param type="linDir" val="fromR"/>
+                        <dgm:param type="secChAlign" val="t"/>
+                        <dgm:param type="secLinDir" val="fromT"/>
+                      </dgm:alg>
+                    </dgm:else>
+                  </dgm:choose>
+                  <dgm:shape xmlns:r="http://schemas.openxmlformats.org/officeDocument/2006/relationships" r:blip="">
+                    <dgm:adjLst/>
+                  </dgm:shape>
+                  <dgm:presOf/>
+                  <dgm:constrLst/>
+                  <dgm:ruleLst/>
+                  <dgm:forEach name="Name106" ref="rep2b"/>
+                </dgm:layoutNode>
+              </dgm:layoutNode>
+            </dgm:forEach>
+          </dgm:layoutNode>
+          <dgm:layoutNode name="hierChild3">
+            <dgm:choose name="Name107">
+              <dgm:if name="Name108" func="var" arg="dir" op="equ" val="norm">
+                <dgm:alg type="hierChild">
+                  <dgm:param type="chAlign" val="l"/>
+                  <dgm:param type="linDir" val="fromL"/>
+                  <dgm:param type="secChAlign" val="t"/>
+                  <dgm:param type="secLinDir" val="fromT"/>
+                </dgm:alg>
+              </dgm:if>
+              <dgm:else name="Name109">
+                <dgm:alg type="hierChild">
+                  <dgm:param type="chAlign" val="l"/>
+                  <dgm:param type="linDir" val="fromR"/>
+                  <dgm:param type="secChAlign" val="t"/>
+                  <dgm:param type="secLinDir" val="fromT"/>
+                </dgm:alg>
+              </dgm:else>
+            </dgm:choose>
+            <dgm:shape xmlns:r="http://schemas.openxmlformats.org/officeDocument/2006/relationships" r:blip="">
+              <dgm:adjLst/>
+            </dgm:shape>
+            <dgm:presOf/>
+            <dgm:constrLst/>
+            <dgm:ruleLst/>
+            <dgm:forEach name="rep2b" axis="ch" ptType="asst">
+              <dgm:forEach name="Name110" axis="precedSib" ptType="parTrans" st="-1" cnt="1">
+                <dgm:layoutNode name="Name111">
+                  <dgm:alg type="conn">
+                    <dgm:param type="connRout" val="bend"/>
+                    <dgm:param type="dim" val="1D"/>
+                    <dgm:param type="endSty" val="noArr"/>
+                    <dgm:param type="begPts" val="bCtr"/>
+                    <dgm:param type="endPts" val="midL midR"/>
+                  </dgm:alg>
+                  <dgm:shape xmlns:r="http://schemas.openxmlformats.org/officeDocument/2006/relationships" type="conn" r:blip="" zOrderOff="-99999">
+                    <dgm:adjLst/>
+                  </dgm:shape>
+                  <dgm:presOf axis="self"/>
+                  <dgm:constrLst>
+                    <dgm:constr type="begPad"/>
+                    <dgm:constr type="endPad"/>
+                  </dgm:constrLst>
+                  <dgm:ruleLst/>
+                </dgm:layoutNode>
+              </dgm:forEach>
+              <dgm:layoutNode name="hierRoot3">
+                <dgm:varLst>
+                  <dgm:hierBranch val="init"/>
+                </dgm:varLst>
+                <dgm:choose name="Name112">
+                  <dgm:if name="Name113" func="var" arg="hierBranch" op="equ" val="l">
+                    <dgm:alg type="hierRoot">
+                      <dgm:param type="hierAlign" val="tR"/>
+                    </dgm:alg>
+                    <dgm:shape xmlns:r="http://schemas.openxmlformats.org/officeDocument/2006/relationships" r:blip="">
+                      <dgm:adjLst/>
+                    </dgm:shape>
+                    <dgm:presOf/>
+                    <dgm:constrLst>
+                      <dgm:constr type="alignOff" val="0.65"/>
+                    </dgm:constrLst>
+                  </dgm:if>
+                  <dgm:if name="Name114" func="var" arg="hierBranch" op="equ" val="r">
+                    <dgm:alg type="hierRoot">
+                      <dgm:param type="hierAlign" val="tL"/>
+                    </dgm:alg>
+                    <dgm:shape xmlns:r="http://schemas.openxmlformats.org/officeDocument/2006/relationships" r:blip="">
+                      <dgm:adjLst/>
+                    </dgm:shape>
+                    <dgm:presOf/>
+                    <dgm:constrLst>
+                      <dgm:constr type="alignOff" val="0.65"/>
+                    </dgm:constrLst>
+                  </dgm:if>
+                  <dgm:if name="Name115" func="var" arg="hierBranch" op="equ" val="hang">
+                    <dgm:alg type="hierRoot"/>
+                    <dgm:shape xmlns:r="http://schemas.openxmlformats.org/officeDocument/2006/relationships" r:blip="">
+                      <dgm:adjLst/>
+                    </dgm:shape>
+                    <dgm:presOf/>
+                    <dgm:constrLst>
+                      <dgm:constr type="alignOff" val="0.65"/>
+                    </dgm:constrLst>
+                  </dgm:if>
+                  <dgm:if name="Name116" func="var" arg="hierBranch" op="equ" val="std">
+                    <dgm:alg type="hierRoot"/>
+                    <dgm:shape xmlns:r="http://schemas.openxmlformats.org/officeDocument/2006/relationships" r:blip="">
+                      <dgm:adjLst/>
+                    </dgm:shape>
+                    <dgm:presOf/>
+                    <dgm:constrLst>
+                      <dgm:constr type="alignOff"/>
+                      <dgm:constr type="bendDist" for="des" ptType="parTrans" refType="sp" fact="0.5"/>
+                    </dgm:constrLst>
+                  </dgm:if>
+                  <dgm:if name="Name117" func="var" arg="hierBranch" op="equ" val="init">
+                    <dgm:choose name="Name118">
+                      <dgm:if name="Name119" axis="des" func="maxDepth" op="lte" val="1">
+                        <dgm:alg type="hierRoot">
+                          <dgm:param type="hierAlign" val="tL"/>
+                        </dgm:alg>
+                        <dgm:shape xmlns:r="http://schemas.openxmlformats.org/officeDocument/2006/relationships" r:blip="">
+                          <dgm:adjLst/>
+                        </dgm:shape>
+                        <dgm:presOf/>
+                        <dgm:constrLst>
+                          <dgm:constr type="alignOff" val="0.65"/>
+                        </dgm:constrLst>
+                      </dgm:if>
+                      <dgm:else name="Name120">
+                        <dgm:alg type="hierRoot"/>
+                        <dgm:shape xmlns:r="http://schemas.openxmlformats.org/officeDocument/2006/relationships" r:blip="">
+                          <dgm:adjLst/>
+                        </dgm:shape>
+                        <dgm:presOf/>
+                        <dgm:constrLst>
+                          <dgm:constr type="alignOff"/>
+                          <dgm:constr type="bendDist" for="des" ptType="parTrans" refType="sp" fact="0.5"/>
+                        </dgm:constrLst>
+                      </dgm:else>
+                    </dgm:choose>
+                  </dgm:if>
+                  <dgm:else name="Name121"/>
+                </dgm:choose>
+                <dgm:ruleLst/>
+                <dgm:layoutNode name="rootComposite3">
+                  <dgm:alg type="composite"/>
+                  <dgm:shape xmlns:r="http://schemas.openxmlformats.org/officeDocument/2006/relationships" r:blip="">
+                    <dgm:adjLst/>
+                  </dgm:shape>
+                  <dgm:presOf axis="self" ptType="node" cnt="1"/>
+                  <dgm:choose name="Name122">
+                    <dgm:if name="Name123" func="var" arg="hierBranch" op="equ" val="init">
+                      <dgm:constrLst>
+                        <dgm:constr type="l" for="ch" forName="rootText3"/>
+                        <dgm:constr type="t" for="ch" forName="rootText3"/>
+                        <dgm:constr type="w" for="ch" forName="rootText3" refType="w"/>
+                        <dgm:constr type="h" for="ch" forName="rootText3" refType="h"/>
+                        <dgm:constr type="l" for="ch" forName="rootConnector3"/>
+                        <dgm:constr type="t" for="ch" forName="rootConnector3"/>
+                        <dgm:constr type="w" for="ch" forName="rootConnector3" refType="w" refFor="ch" refForName="rootText3" fact="0.2"/>
+                        <dgm:constr type="h" for="ch" forName="rootConnector3" refType="h" refFor="ch" refForName="rootText3"/>
+                      </dgm:constrLst>
+                    </dgm:if>
+                    <dgm:if name="Name124" func="var" arg="hierBranch" op="equ" val="l">
+                      <dgm:constrLst>
+                        <dgm:constr type="l" for="ch" forName="rootText3"/>
+                        <dgm:constr type="t" for="ch" forName="rootText3"/>
+                        <dgm:constr type="w" for="ch" forName="rootText3" refType="w"/>
+                        <dgm:constr type="h" for="ch" forName="rootText3" refType="h"/>
+                        <dgm:constr type="r" for="ch" forName="rootConnector3" refType="w"/>
+                        <dgm:constr type="t" for="ch" forName="rootConnector3"/>
+                        <dgm:constr type="w" for="ch" forName="rootConnector3" refType="w" refFor="ch" refForName="rootText3" fact="0.2"/>
+                        <dgm:constr type="h" for="ch" forName="rootConnector3" refType="h" refFor="ch" refForName="rootText3"/>
+                      </dgm:constrLst>
+                    </dgm:if>
+                    <dgm:if name="Name125" func="var" arg="hierBranch" op="equ" val="r">
+                      <dgm:constrLst>
+                        <dgm:constr type="l" for="ch" forName="rootText3"/>
+                        <dgm:constr type="t" for="ch" forName="rootText3"/>
+                        <dgm:constr type="w" for="ch" forName="rootText3" refType="w"/>
+                        <dgm:constr type="h" for="ch" forName="rootText3" refType="h"/>
+                        <dgm:constr type="l" for="ch" forName="rootConnector3"/>
+                        <dgm:constr type="t" for="ch" forName="rootConnector3"/>
+                        <dgm:constr type="w" for="ch" forName="rootConnector3" refType="w" refFor="ch" refForName="rootText3" fact="0.2"/>
+                        <dgm:constr type="h" for="ch" forName="rootConnector3" refType="h" refFor="ch" refForName="rootText3"/>
+                      </dgm:constrLst>
+                    </dgm:if>
+                    <dgm:else name="Name126">
+                      <dgm:constrLst>
+                        <dgm:constr type="l" for="ch" forName="rootText3"/>
+                        <dgm:constr type="t" for="ch" forName="rootText3"/>
+                        <dgm:constr type="w" for="ch" forName="rootText3" refType="w"/>
+                        <dgm:constr type="h" for="ch" forName="rootText3" refType="h"/>
+                        <dgm:constr type="r" for="ch" forName="rootConnector3" refType="w"/>
+                        <dgm:constr type="t" for="ch" forName="rootConnector3"/>
+                        <dgm:constr type="w" for="ch" forName="rootConnector3" refType="w" refFor="ch" refForName="rootText3" fact="0.2"/>
+                        <dgm:constr type="h" for="ch" forName="rootConnector3" refType="h" refFor="ch" refForName="rootText3"/>
+                      </dgm:constrLst>
+                    </dgm:else>
+                  </dgm:choose>
+                  <dgm:ruleLst/>
+                  <dgm:layoutNode name="rootText3">
+                    <dgm:varLst>
+                      <dgm:chPref val="3"/>
+                    </dgm:varLst>
+                    <dgm:alg type="tx"/>
+                    <dgm:shape xmlns:r="http://schemas.openxmlformats.org/officeDocument/2006/relationships" type="rect" r:blip="">
+                      <dgm:adjLst/>
+                    </dgm:shape>
+                    <dgm:presOf axis="self" ptType="node" cnt="1"/>
+                    <dgm:constrLst>
+                      <dgm:constr type="primFontSz" val="65"/>
+                      <dgm:constr type="lMarg" refType="primFontSz" fact="0.05"/>
+                      <dgm:constr type="rMarg" refType="primFontSz" fact="0.05"/>
+                      <dgm:constr type="tMarg" refType="primFontSz" fact="0.05"/>
+                      <dgm:constr type="bMarg" refType="primFontSz" fact="0.05"/>
+                    </dgm:constrLst>
+                    <dgm:ruleLst>
+                      <dgm:rule type="primFontSz" val="5" fact="NaN" max="NaN"/>
+                    </dgm:ruleLst>
+                  </dgm:layoutNode>
+                  <dgm:layoutNode name="rootConnector3" moveWith="rootText1">
+                    <dgm:alg type="sp"/>
+                    <dgm:shape xmlns:r="http://schemas.openxmlformats.org/officeDocument/2006/relationships" type="rect" r:blip="" hideGeom="1">
+                      <dgm:adjLst/>
+                    </dgm:shape>
+                    <dgm:presOf axis="self" ptType="node" cnt="1"/>
+                    <dgm:constrLst/>
+                    <dgm:ruleLst/>
+                  </dgm:layoutNode>
+                </dgm:layoutNode>
+                <dgm:layoutNode name="hierChild6">
+                  <dgm:choose name="Name127">
+                    <dgm:if name="Name128" func="var" arg="hierBranch" op="equ" val="l">
+                      <dgm:alg type="hierChild">
+                        <dgm:param type="chAlign" val="r"/>
+                        <dgm:param type="linDir" val="fromT"/>
+                      </dgm:alg>
+                    </dgm:if>
+                    <dgm:if name="Name129" func="var" arg="hierBranch" op="equ" val="r">
+                      <dgm:alg type="hierChild">
+                        <dgm:param type="chAlign" val="l"/>
+                        <dgm:param type="linDir" val="fromT"/>
+                      </dgm:alg>
+                    </dgm:if>
+                    <dgm:if name="Name130" func="var" arg="hierBranch" op="equ" val="hang">
+                      <dgm:choose name="Name131">
+                        <dgm:if name="Name132" func="var" arg="dir" op="equ" val="norm">
+                          <dgm:alg type="hierChild">
+                            <dgm:param type="chAlign" val="l"/>
+                            <dgm:param type="linDir" val="fromL"/>
+                            <dgm:param type="secChAlign" val="t"/>
+                            <dgm:param type="secLinDir" val="fromT"/>
+                          </dgm:alg>
+                        </dgm:if>
+                        <dgm:else name="Name133">
+                          <dgm:alg type="hierChild">
+                            <dgm:param type="chAlign" val="l"/>
+                            <dgm:param type="linDir" val="fromR"/>
+                            <dgm:param type="secChAlign" val="t"/>
+                            <dgm:param type="secLinDir" val="fromT"/>
+                          </dgm:alg>
+                        </dgm:else>
+                      </dgm:choose>
+                    </dgm:if>
+                    <dgm:if name="Name134" func="var" arg="hierBranch" op="equ" val="std">
+                      <dgm:choose name="Name135">
+                        <dgm:if name="Name136" func="var" arg="dir" op="equ" val="norm">
+                          <dgm:alg type="hierChild"/>
+                        </dgm:if>
+                        <dgm:else name="Name137">
+                          <dgm:alg type="hierChild">
+                            <dgm:param type="linDir" val="fromR"/>
+                          </dgm:alg>
+                        </dgm:else>
+                      </dgm:choose>
+                    </dgm:if>
+                    <dgm:if name="Name138" func="var" arg="hierBranch" op="equ" val="init">
+                      <dgm:choose name="Name139">
+                        <dgm:if name="Name140" axis="des" func="maxDepth" op="lte" val="1">
+                          <dgm:alg type="hierChild">
+                            <dgm:param type="chAlign" val="l"/>
+                            <dgm:param type="linDir" val="fromT"/>
+                          </dgm:alg>
+                        </dgm:if>
+                        <dgm:else name="Name141">
+                          <dgm:alg type="hierChild"/>
+                        </dgm:else>
+                      </dgm:choose>
+                    </dgm:if>
+                    <dgm:else name="Name142"/>
+                  </dgm:choose>
+                  <dgm:shape xmlns:r="http://schemas.openxmlformats.org/officeDocument/2006/relationships" r:blip="">
+                    <dgm:adjLst/>
+                  </dgm:shape>
+                  <dgm:presOf/>
+                  <dgm:constrLst/>
+                  <dgm:ruleLst/>
+                  <dgm:forEach name="Name143" ref="rep2a"/>
+                </dgm:layoutNode>
+                <dgm:layoutNode name="hierChild7">
+                  <dgm:choose name="Name144">
+                    <dgm:if name="Name145" func="var" arg="dir" op="equ" val="norm">
+                      <dgm:alg type="hierChild">
+                        <dgm:param type="chAlign" val="l"/>
+                        <dgm:param type="linDir" val="fromL"/>
+                        <dgm:param type="secChAlign" val="t"/>
+                        <dgm:param type="secLinDir" val="fromT"/>
+                      </dgm:alg>
+                    </dgm:if>
+                    <dgm:else name="Name146">
+                      <dgm:alg type="hierChild">
+                        <dgm:param type="chAlign" val="l"/>
+                        <dgm:param type="linDir" val="fromR"/>
+                        <dgm:param type="secChAlign" val="t"/>
+                        <dgm:param type="secLinDir" val="fromT"/>
+                      </dgm:alg>
+                    </dgm:else>
+                  </dgm:choose>
+                  <dgm:shape xmlns:r="http://schemas.openxmlformats.org/officeDocument/2006/relationships" r:blip="">
+                    <dgm:adjLst/>
+                  </dgm:shape>
+                  <dgm:presOf/>
+                  <dgm:constrLst/>
+                  <dgm:ruleLst/>
+                  <dgm:forEach name="Name147" ref="rep2b"/>
+                </dgm:layoutNode>
+              </dgm:layoutNode>
+            </dgm:forEach>
+          </dgm:layoutNode>
+        </dgm:layoutNode>
+      </dgm:forEach>
+    </dgm:forEach>
+  </dgm:layoutNode>
+</dgm:layoutDef>
+</file>
+
 <file path=ppt/diagrams/quickStyle1.xml><?xml version="1.0" encoding="utf-8"?>
 <dgm:styleDef xmlns:dgm="http://schemas.openxmlformats.org/drawingml/2006/diagram" xmlns:a="http://schemas.openxmlformats.org/drawingml/2006/main" uniqueId="urn:microsoft.com/office/officeart/2005/8/quickstyle/simple5">
   <dgm:title val=""/>
@@ -3150,6 +5765,1040 @@
         <a:scrgbClr r="0" g="0" b="0"/>
       </a:fillRef>
       <a:effectRef idx="3">
+        <a:scrgbClr r="0" g="0" b="0"/>
+      </a:effectRef>
+      <a:fontRef idx="minor"/>
+    </dgm:style>
+  </dgm:styleLbl>
+  <dgm:styleLbl name="revTx">
+    <dgm:scene3d>
+      <a:camera prst="orthographicFront"/>
+      <a:lightRig rig="threePt" dir="t"/>
+    </dgm:scene3d>
+    <dgm:sp3d/>
+    <dgm:txPr/>
+    <dgm:style>
+      <a:lnRef idx="0">
+        <a:scrgbClr r="0" g="0" b="0"/>
+      </a:lnRef>
+      <a:fillRef idx="0">
+        <a:scrgbClr r="0" g="0" b="0"/>
+      </a:fillRef>
+      <a:effectRef idx="0">
+        <a:scrgbClr r="0" g="0" b="0"/>
+      </a:effectRef>
+      <a:fontRef idx="minor"/>
+    </dgm:style>
+  </dgm:styleLbl>
+</dgm:styleDef>
+</file>
+
+<file path=ppt/diagrams/quickStyle2.xml><?xml version="1.0" encoding="utf-8"?>
+<dgm:styleDef xmlns:dgm="http://schemas.openxmlformats.org/drawingml/2006/diagram" xmlns:a="http://schemas.openxmlformats.org/drawingml/2006/main" uniqueId="urn:microsoft.com/office/officeart/2005/8/quickstyle/simple1">
+  <dgm:title val=""/>
+  <dgm:desc val=""/>
+  <dgm:catLst>
+    <dgm:cat type="simple" pri="10100"/>
+  </dgm:catLst>
+  <dgm:scene3d>
+    <a:camera prst="orthographicFront"/>
+    <a:lightRig rig="threePt" dir="t"/>
+  </dgm:scene3d>
+  <dgm:styleLbl name="node0">
+    <dgm:scene3d>
+      <a:camera prst="orthographicFront"/>
+      <a:lightRig rig="threePt" dir="t"/>
+    </dgm:scene3d>
+    <dgm:sp3d/>
+    <dgm:txPr/>
+    <dgm:style>
+      <a:lnRef idx="2">
+        <a:scrgbClr r="0" g="0" b="0"/>
+      </a:lnRef>
+      <a:fillRef idx="1">
+        <a:scrgbClr r="0" g="0" b="0"/>
+      </a:fillRef>
+      <a:effectRef idx="0">
+        <a:scrgbClr r="0" g="0" b="0"/>
+      </a:effectRef>
+      <a:fontRef idx="minor">
+        <a:schemeClr val="lt1"/>
+      </a:fontRef>
+    </dgm:style>
+  </dgm:styleLbl>
+  <dgm:styleLbl name="lnNode1">
+    <dgm:scene3d>
+      <a:camera prst="orthographicFront"/>
+      <a:lightRig rig="threePt" dir="t"/>
+    </dgm:scene3d>
+    <dgm:sp3d/>
+    <dgm:txPr/>
+    <dgm:style>
+      <a:lnRef idx="2">
+        <a:scrgbClr r="0" g="0" b="0"/>
+      </a:lnRef>
+      <a:fillRef idx="1">
+        <a:scrgbClr r="0" g="0" b="0"/>
+      </a:fillRef>
+      <a:effectRef idx="0">
+        <a:scrgbClr r="0" g="0" b="0"/>
+      </a:effectRef>
+      <a:fontRef idx="minor">
+        <a:schemeClr val="lt1"/>
+      </a:fontRef>
+    </dgm:style>
+  </dgm:styleLbl>
+  <dgm:styleLbl name="vennNode1">
+    <dgm:scene3d>
+      <a:camera prst="orthographicFront"/>
+      <a:lightRig rig="threePt" dir="t"/>
+    </dgm:scene3d>
+    <dgm:sp3d/>
+    <dgm:txPr/>
+    <dgm:style>
+      <a:lnRef idx="2">
+        <a:scrgbClr r="0" g="0" b="0"/>
+      </a:lnRef>
+      <a:fillRef idx="1">
+        <a:scrgbClr r="0" g="0" b="0"/>
+      </a:fillRef>
+      <a:effectRef idx="0">
+        <a:scrgbClr r="0" g="0" b="0"/>
+      </a:effectRef>
+      <a:fontRef idx="minor">
+        <a:schemeClr val="tx1"/>
+      </a:fontRef>
+    </dgm:style>
+  </dgm:styleLbl>
+  <dgm:styleLbl name="alignNode1">
+    <dgm:scene3d>
+      <a:camera prst="orthographicFront"/>
+      <a:lightRig rig="threePt" dir="t"/>
+    </dgm:scene3d>
+    <dgm:sp3d/>
+    <dgm:txPr/>
+    <dgm:style>
+      <a:lnRef idx="2">
+        <a:scrgbClr r="0" g="0" b="0"/>
+      </a:lnRef>
+      <a:fillRef idx="1">
+        <a:scrgbClr r="0" g="0" b="0"/>
+      </a:fillRef>
+      <a:effectRef idx="0">
+        <a:scrgbClr r="0" g="0" b="0"/>
+      </a:effectRef>
+      <a:fontRef idx="minor">
+        <a:schemeClr val="lt1"/>
+      </a:fontRef>
+    </dgm:style>
+  </dgm:styleLbl>
+  <dgm:styleLbl name="node1">
+    <dgm:scene3d>
+      <a:camera prst="orthographicFront"/>
+      <a:lightRig rig="threePt" dir="t"/>
+    </dgm:scene3d>
+    <dgm:sp3d/>
+    <dgm:txPr/>
+    <dgm:style>
+      <a:lnRef idx="2">
+        <a:scrgbClr r="0" g="0" b="0"/>
+      </a:lnRef>
+      <a:fillRef idx="1">
+        <a:scrgbClr r="0" g="0" b="0"/>
+      </a:fillRef>
+      <a:effectRef idx="0">
+        <a:scrgbClr r="0" g="0" b="0"/>
+      </a:effectRef>
+      <a:fontRef idx="minor">
+        <a:schemeClr val="lt1"/>
+      </a:fontRef>
+    </dgm:style>
+  </dgm:styleLbl>
+  <dgm:styleLbl name="node2">
+    <dgm:scene3d>
+      <a:camera prst="orthographicFront"/>
+      <a:lightRig rig="threePt" dir="t"/>
+    </dgm:scene3d>
+    <dgm:sp3d/>
+    <dgm:txPr/>
+    <dgm:style>
+      <a:lnRef idx="2">
+        <a:scrgbClr r="0" g="0" b="0"/>
+      </a:lnRef>
+      <a:fillRef idx="1">
+        <a:scrgbClr r="0" g="0" b="0"/>
+      </a:fillRef>
+      <a:effectRef idx="0">
+        <a:scrgbClr r="0" g="0" b="0"/>
+      </a:effectRef>
+      <a:fontRef idx="minor">
+        <a:schemeClr val="lt1"/>
+      </a:fontRef>
+    </dgm:style>
+  </dgm:styleLbl>
+  <dgm:styleLbl name="node3">
+    <dgm:scene3d>
+      <a:camera prst="orthographicFront"/>
+      <a:lightRig rig="threePt" dir="t"/>
+    </dgm:scene3d>
+    <dgm:sp3d/>
+    <dgm:txPr/>
+    <dgm:style>
+      <a:lnRef idx="2">
+        <a:scrgbClr r="0" g="0" b="0"/>
+      </a:lnRef>
+      <a:fillRef idx="1">
+        <a:scrgbClr r="0" g="0" b="0"/>
+      </a:fillRef>
+      <a:effectRef idx="0">
+        <a:scrgbClr r="0" g="0" b="0"/>
+      </a:effectRef>
+      <a:fontRef idx="minor">
+        <a:schemeClr val="lt1"/>
+      </a:fontRef>
+    </dgm:style>
+  </dgm:styleLbl>
+  <dgm:styleLbl name="node4">
+    <dgm:scene3d>
+      <a:camera prst="orthographicFront"/>
+      <a:lightRig rig="threePt" dir="t"/>
+    </dgm:scene3d>
+    <dgm:sp3d/>
+    <dgm:txPr/>
+    <dgm:style>
+      <a:lnRef idx="2">
+        <a:scrgbClr r="0" g="0" b="0"/>
+      </a:lnRef>
+      <a:fillRef idx="1">
+        <a:scrgbClr r="0" g="0" b="0"/>
+      </a:fillRef>
+      <a:effectRef idx="0">
+        <a:scrgbClr r="0" g="0" b="0"/>
+      </a:effectRef>
+      <a:fontRef idx="minor">
+        <a:schemeClr val="lt1"/>
+      </a:fontRef>
+    </dgm:style>
+  </dgm:styleLbl>
+  <dgm:styleLbl name="fgImgPlace1">
+    <dgm:scene3d>
+      <a:camera prst="orthographicFront"/>
+      <a:lightRig rig="threePt" dir="t"/>
+    </dgm:scene3d>
+    <dgm:sp3d/>
+    <dgm:txPr/>
+    <dgm:style>
+      <a:lnRef idx="2">
+        <a:scrgbClr r="0" g="0" b="0"/>
+      </a:lnRef>
+      <a:fillRef idx="1">
+        <a:scrgbClr r="0" g="0" b="0"/>
+      </a:fillRef>
+      <a:effectRef idx="0">
+        <a:scrgbClr r="0" g="0" b="0"/>
+      </a:effectRef>
+      <a:fontRef idx="minor"/>
+    </dgm:style>
+  </dgm:styleLbl>
+  <dgm:styleLbl name="alignImgPlace1">
+    <dgm:scene3d>
+      <a:camera prst="orthographicFront"/>
+      <a:lightRig rig="threePt" dir="t"/>
+    </dgm:scene3d>
+    <dgm:sp3d/>
+    <dgm:txPr/>
+    <dgm:style>
+      <a:lnRef idx="2">
+        <a:scrgbClr r="0" g="0" b="0"/>
+      </a:lnRef>
+      <a:fillRef idx="1">
+        <a:scrgbClr r="0" g="0" b="0"/>
+      </a:fillRef>
+      <a:effectRef idx="0">
+        <a:scrgbClr r="0" g="0" b="0"/>
+      </a:effectRef>
+      <a:fontRef idx="minor"/>
+    </dgm:style>
+  </dgm:styleLbl>
+  <dgm:styleLbl name="bgImgPlace1">
+    <dgm:scene3d>
+      <a:camera prst="orthographicFront"/>
+      <a:lightRig rig="threePt" dir="t"/>
+    </dgm:scene3d>
+    <dgm:sp3d/>
+    <dgm:txPr/>
+    <dgm:style>
+      <a:lnRef idx="2">
+        <a:scrgbClr r="0" g="0" b="0"/>
+      </a:lnRef>
+      <a:fillRef idx="1">
+        <a:scrgbClr r="0" g="0" b="0"/>
+      </a:fillRef>
+      <a:effectRef idx="0">
+        <a:scrgbClr r="0" g="0" b="0"/>
+      </a:effectRef>
+      <a:fontRef idx="minor"/>
+    </dgm:style>
+  </dgm:styleLbl>
+  <dgm:styleLbl name="sibTrans2D1">
+    <dgm:scene3d>
+      <a:camera prst="orthographicFront"/>
+      <a:lightRig rig="threePt" dir="t"/>
+    </dgm:scene3d>
+    <dgm:sp3d/>
+    <dgm:txPr/>
+    <dgm:style>
+      <a:lnRef idx="0">
+        <a:scrgbClr r="0" g="0" b="0"/>
+      </a:lnRef>
+      <a:fillRef idx="1">
+        <a:scrgbClr r="0" g="0" b="0"/>
+      </a:fillRef>
+      <a:effectRef idx="0">
+        <a:scrgbClr r="0" g="0" b="0"/>
+      </a:effectRef>
+      <a:fontRef idx="minor">
+        <a:schemeClr val="lt1"/>
+      </a:fontRef>
+    </dgm:style>
+  </dgm:styleLbl>
+  <dgm:styleLbl name="fgSibTrans2D1">
+    <dgm:scene3d>
+      <a:camera prst="orthographicFront"/>
+      <a:lightRig rig="threePt" dir="t"/>
+    </dgm:scene3d>
+    <dgm:sp3d/>
+    <dgm:txPr/>
+    <dgm:style>
+      <a:lnRef idx="0">
+        <a:scrgbClr r="0" g="0" b="0"/>
+      </a:lnRef>
+      <a:fillRef idx="1">
+        <a:scrgbClr r="0" g="0" b="0"/>
+      </a:fillRef>
+      <a:effectRef idx="0">
+        <a:scrgbClr r="0" g="0" b="0"/>
+      </a:effectRef>
+      <a:fontRef idx="minor">
+        <a:schemeClr val="lt1"/>
+      </a:fontRef>
+    </dgm:style>
+  </dgm:styleLbl>
+  <dgm:styleLbl name="bgSibTrans2D1">
+    <dgm:scene3d>
+      <a:camera prst="orthographicFront"/>
+      <a:lightRig rig="threePt" dir="t"/>
+    </dgm:scene3d>
+    <dgm:sp3d/>
+    <dgm:txPr/>
+    <dgm:style>
+      <a:lnRef idx="0">
+        <a:scrgbClr r="0" g="0" b="0"/>
+      </a:lnRef>
+      <a:fillRef idx="1">
+        <a:scrgbClr r="0" g="0" b="0"/>
+      </a:fillRef>
+      <a:effectRef idx="0">
+        <a:scrgbClr r="0" g="0" b="0"/>
+      </a:effectRef>
+      <a:fontRef idx="minor">
+        <a:schemeClr val="lt1"/>
+      </a:fontRef>
+    </dgm:style>
+  </dgm:styleLbl>
+  <dgm:styleLbl name="sibTrans1D1">
+    <dgm:scene3d>
+      <a:camera prst="orthographicFront"/>
+      <a:lightRig rig="threePt" dir="t"/>
+    </dgm:scene3d>
+    <dgm:sp3d/>
+    <dgm:txPr/>
+    <dgm:style>
+      <a:lnRef idx="1">
+        <a:scrgbClr r="0" g="0" b="0"/>
+      </a:lnRef>
+      <a:fillRef idx="0">
+        <a:scrgbClr r="0" g="0" b="0"/>
+      </a:fillRef>
+      <a:effectRef idx="0">
+        <a:scrgbClr r="0" g="0" b="0"/>
+      </a:effectRef>
+      <a:fontRef idx="minor"/>
+    </dgm:style>
+  </dgm:styleLbl>
+  <dgm:styleLbl name="callout">
+    <dgm:scene3d>
+      <a:camera prst="orthographicFront"/>
+      <a:lightRig rig="threePt" dir="t"/>
+    </dgm:scene3d>
+    <dgm:sp3d/>
+    <dgm:txPr/>
+    <dgm:style>
+      <a:lnRef idx="2">
+        <a:scrgbClr r="0" g="0" b="0"/>
+      </a:lnRef>
+      <a:fillRef idx="1">
+        <a:scrgbClr r="0" g="0" b="0"/>
+      </a:fillRef>
+      <a:effectRef idx="0">
+        <a:scrgbClr r="0" g="0" b="0"/>
+      </a:effectRef>
+      <a:fontRef idx="minor"/>
+    </dgm:style>
+  </dgm:styleLbl>
+  <dgm:styleLbl name="asst0">
+    <dgm:scene3d>
+      <a:camera prst="orthographicFront"/>
+      <a:lightRig rig="threePt" dir="t"/>
+    </dgm:scene3d>
+    <dgm:sp3d/>
+    <dgm:txPr/>
+    <dgm:style>
+      <a:lnRef idx="2">
+        <a:scrgbClr r="0" g="0" b="0"/>
+      </a:lnRef>
+      <a:fillRef idx="1">
+        <a:scrgbClr r="0" g="0" b="0"/>
+      </a:fillRef>
+      <a:effectRef idx="0">
+        <a:scrgbClr r="0" g="0" b="0"/>
+      </a:effectRef>
+      <a:fontRef idx="minor">
+        <a:schemeClr val="lt1"/>
+      </a:fontRef>
+    </dgm:style>
+  </dgm:styleLbl>
+  <dgm:styleLbl name="asst1">
+    <dgm:scene3d>
+      <a:camera prst="orthographicFront"/>
+      <a:lightRig rig="threePt" dir="t"/>
+    </dgm:scene3d>
+    <dgm:sp3d/>
+    <dgm:txPr/>
+    <dgm:style>
+      <a:lnRef idx="2">
+        <a:scrgbClr r="0" g="0" b="0"/>
+      </a:lnRef>
+      <a:fillRef idx="1">
+        <a:scrgbClr r="0" g="0" b="0"/>
+      </a:fillRef>
+      <a:effectRef idx="0">
+        <a:scrgbClr r="0" g="0" b="0"/>
+      </a:effectRef>
+      <a:fontRef idx="minor">
+        <a:schemeClr val="lt1"/>
+      </a:fontRef>
+    </dgm:style>
+  </dgm:styleLbl>
+  <dgm:styleLbl name="asst2">
+    <dgm:scene3d>
+      <a:camera prst="orthographicFront"/>
+      <a:lightRig rig="threePt" dir="t"/>
+    </dgm:scene3d>
+    <dgm:sp3d/>
+    <dgm:txPr/>
+    <dgm:style>
+      <a:lnRef idx="2">
+        <a:scrgbClr r="0" g="0" b="0"/>
+      </a:lnRef>
+      <a:fillRef idx="1">
+        <a:scrgbClr r="0" g="0" b="0"/>
+      </a:fillRef>
+      <a:effectRef idx="0">
+        <a:scrgbClr r="0" g="0" b="0"/>
+      </a:effectRef>
+      <a:fontRef idx="minor">
+        <a:schemeClr val="lt1"/>
+      </a:fontRef>
+    </dgm:style>
+  </dgm:styleLbl>
+  <dgm:styleLbl name="asst3">
+    <dgm:scene3d>
+      <a:camera prst="orthographicFront"/>
+      <a:lightRig rig="threePt" dir="t"/>
+    </dgm:scene3d>
+    <dgm:sp3d/>
+    <dgm:txPr/>
+    <dgm:style>
+      <a:lnRef idx="2">
+        <a:scrgbClr r="0" g="0" b="0"/>
+      </a:lnRef>
+      <a:fillRef idx="1">
+        <a:scrgbClr r="0" g="0" b="0"/>
+      </a:fillRef>
+      <a:effectRef idx="0">
+        <a:scrgbClr r="0" g="0" b="0"/>
+      </a:effectRef>
+      <a:fontRef idx="minor">
+        <a:schemeClr val="lt1"/>
+      </a:fontRef>
+    </dgm:style>
+  </dgm:styleLbl>
+  <dgm:styleLbl name="asst4">
+    <dgm:scene3d>
+      <a:camera prst="orthographicFront"/>
+      <a:lightRig rig="threePt" dir="t"/>
+    </dgm:scene3d>
+    <dgm:sp3d/>
+    <dgm:txPr/>
+    <dgm:style>
+      <a:lnRef idx="2">
+        <a:scrgbClr r="0" g="0" b="0"/>
+      </a:lnRef>
+      <a:fillRef idx="1">
+        <a:scrgbClr r="0" g="0" b="0"/>
+      </a:fillRef>
+      <a:effectRef idx="0">
+        <a:scrgbClr r="0" g="0" b="0"/>
+      </a:effectRef>
+      <a:fontRef idx="minor">
+        <a:schemeClr val="lt1"/>
+      </a:fontRef>
+    </dgm:style>
+  </dgm:styleLbl>
+  <dgm:styleLbl name="parChTrans2D1">
+    <dgm:scene3d>
+      <a:camera prst="orthographicFront"/>
+      <a:lightRig rig="threePt" dir="t"/>
+    </dgm:scene3d>
+    <dgm:sp3d/>
+    <dgm:txPr/>
+    <dgm:style>
+      <a:lnRef idx="2">
+        <a:scrgbClr r="0" g="0" b="0"/>
+      </a:lnRef>
+      <a:fillRef idx="1">
+        <a:scrgbClr r="0" g="0" b="0"/>
+      </a:fillRef>
+      <a:effectRef idx="0">
+        <a:scrgbClr r="0" g="0" b="0"/>
+      </a:effectRef>
+      <a:fontRef idx="minor">
+        <a:schemeClr val="lt1"/>
+      </a:fontRef>
+    </dgm:style>
+  </dgm:styleLbl>
+  <dgm:styleLbl name="parChTrans2D2">
+    <dgm:scene3d>
+      <a:camera prst="orthographicFront"/>
+      <a:lightRig rig="threePt" dir="t"/>
+    </dgm:scene3d>
+    <dgm:sp3d/>
+    <dgm:txPr/>
+    <dgm:style>
+      <a:lnRef idx="2">
+        <a:scrgbClr r="0" g="0" b="0"/>
+      </a:lnRef>
+      <a:fillRef idx="1">
+        <a:scrgbClr r="0" g="0" b="0"/>
+      </a:fillRef>
+      <a:effectRef idx="0">
+        <a:scrgbClr r="0" g="0" b="0"/>
+      </a:effectRef>
+      <a:fontRef idx="minor">
+        <a:schemeClr val="lt1"/>
+      </a:fontRef>
+    </dgm:style>
+  </dgm:styleLbl>
+  <dgm:styleLbl name="parChTrans2D3">
+    <dgm:scene3d>
+      <a:camera prst="orthographicFront"/>
+      <a:lightRig rig="threePt" dir="t"/>
+    </dgm:scene3d>
+    <dgm:sp3d/>
+    <dgm:txPr/>
+    <dgm:style>
+      <a:lnRef idx="2">
+        <a:scrgbClr r="0" g="0" b="0"/>
+      </a:lnRef>
+      <a:fillRef idx="1">
+        <a:scrgbClr r="0" g="0" b="0"/>
+      </a:fillRef>
+      <a:effectRef idx="0">
+        <a:scrgbClr r="0" g="0" b="0"/>
+      </a:effectRef>
+      <a:fontRef idx="minor">
+        <a:schemeClr val="lt1"/>
+      </a:fontRef>
+    </dgm:style>
+  </dgm:styleLbl>
+  <dgm:styleLbl name="parChTrans2D4">
+    <dgm:scene3d>
+      <a:camera prst="orthographicFront"/>
+      <a:lightRig rig="threePt" dir="t"/>
+    </dgm:scene3d>
+    <dgm:sp3d/>
+    <dgm:txPr/>
+    <dgm:style>
+      <a:lnRef idx="2">
+        <a:scrgbClr r="0" g="0" b="0"/>
+      </a:lnRef>
+      <a:fillRef idx="1">
+        <a:scrgbClr r="0" g="0" b="0"/>
+      </a:fillRef>
+      <a:effectRef idx="0">
+        <a:scrgbClr r="0" g="0" b="0"/>
+      </a:effectRef>
+      <a:fontRef idx="minor">
+        <a:schemeClr val="lt1"/>
+      </a:fontRef>
+    </dgm:style>
+  </dgm:styleLbl>
+  <dgm:styleLbl name="parChTrans1D1">
+    <dgm:scene3d>
+      <a:camera prst="orthographicFront"/>
+      <a:lightRig rig="threePt" dir="t"/>
+    </dgm:scene3d>
+    <dgm:sp3d/>
+    <dgm:txPr/>
+    <dgm:style>
+      <a:lnRef idx="2">
+        <a:scrgbClr r="0" g="0" b="0"/>
+      </a:lnRef>
+      <a:fillRef idx="0">
+        <a:scrgbClr r="0" g="0" b="0"/>
+      </a:fillRef>
+      <a:effectRef idx="0">
+        <a:scrgbClr r="0" g="0" b="0"/>
+      </a:effectRef>
+      <a:fontRef idx="minor"/>
+    </dgm:style>
+  </dgm:styleLbl>
+  <dgm:styleLbl name="parChTrans1D2">
+    <dgm:scene3d>
+      <a:camera prst="orthographicFront"/>
+      <a:lightRig rig="threePt" dir="t"/>
+    </dgm:scene3d>
+    <dgm:sp3d/>
+    <dgm:txPr/>
+    <dgm:style>
+      <a:lnRef idx="2">
+        <a:scrgbClr r="0" g="0" b="0"/>
+      </a:lnRef>
+      <a:fillRef idx="0">
+        <a:scrgbClr r="0" g="0" b="0"/>
+      </a:fillRef>
+      <a:effectRef idx="0">
+        <a:scrgbClr r="0" g="0" b="0"/>
+      </a:effectRef>
+      <a:fontRef idx="minor"/>
+    </dgm:style>
+  </dgm:styleLbl>
+  <dgm:styleLbl name="parChTrans1D3">
+    <dgm:scene3d>
+      <a:camera prst="orthographicFront"/>
+      <a:lightRig rig="threePt" dir="t"/>
+    </dgm:scene3d>
+    <dgm:sp3d/>
+    <dgm:txPr/>
+    <dgm:style>
+      <a:lnRef idx="2">
+        <a:scrgbClr r="0" g="0" b="0"/>
+      </a:lnRef>
+      <a:fillRef idx="0">
+        <a:scrgbClr r="0" g="0" b="0"/>
+      </a:fillRef>
+      <a:effectRef idx="0">
+        <a:scrgbClr r="0" g="0" b="0"/>
+      </a:effectRef>
+      <a:fontRef idx="minor"/>
+    </dgm:style>
+  </dgm:styleLbl>
+  <dgm:styleLbl name="parChTrans1D4">
+    <dgm:scene3d>
+      <a:camera prst="orthographicFront"/>
+      <a:lightRig rig="threePt" dir="t"/>
+    </dgm:scene3d>
+    <dgm:sp3d/>
+    <dgm:txPr/>
+    <dgm:style>
+      <a:lnRef idx="2">
+        <a:scrgbClr r="0" g="0" b="0"/>
+      </a:lnRef>
+      <a:fillRef idx="0">
+        <a:scrgbClr r="0" g="0" b="0"/>
+      </a:fillRef>
+      <a:effectRef idx="0">
+        <a:scrgbClr r="0" g="0" b="0"/>
+      </a:effectRef>
+      <a:fontRef idx="minor"/>
+    </dgm:style>
+  </dgm:styleLbl>
+  <dgm:styleLbl name="fgAcc1">
+    <dgm:scene3d>
+      <a:camera prst="orthographicFront"/>
+      <a:lightRig rig="threePt" dir="t"/>
+    </dgm:scene3d>
+    <dgm:sp3d/>
+    <dgm:txPr/>
+    <dgm:style>
+      <a:lnRef idx="2">
+        <a:scrgbClr r="0" g="0" b="0"/>
+      </a:lnRef>
+      <a:fillRef idx="1">
+        <a:scrgbClr r="0" g="0" b="0"/>
+      </a:fillRef>
+      <a:effectRef idx="0">
+        <a:scrgbClr r="0" g="0" b="0"/>
+      </a:effectRef>
+      <a:fontRef idx="minor"/>
+    </dgm:style>
+  </dgm:styleLbl>
+  <dgm:styleLbl name="conFgAcc1">
+    <dgm:scene3d>
+      <a:camera prst="orthographicFront"/>
+      <a:lightRig rig="threePt" dir="t"/>
+    </dgm:scene3d>
+    <dgm:sp3d/>
+    <dgm:txPr/>
+    <dgm:style>
+      <a:lnRef idx="2">
+        <a:scrgbClr r="0" g="0" b="0"/>
+      </a:lnRef>
+      <a:fillRef idx="1">
+        <a:scrgbClr r="0" g="0" b="0"/>
+      </a:fillRef>
+      <a:effectRef idx="0">
+        <a:scrgbClr r="0" g="0" b="0"/>
+      </a:effectRef>
+      <a:fontRef idx="minor"/>
+    </dgm:style>
+  </dgm:styleLbl>
+  <dgm:styleLbl name="alignAcc1">
+    <dgm:scene3d>
+      <a:camera prst="orthographicFront"/>
+      <a:lightRig rig="threePt" dir="t"/>
+    </dgm:scene3d>
+    <dgm:sp3d/>
+    <dgm:txPr/>
+    <dgm:style>
+      <a:lnRef idx="2">
+        <a:scrgbClr r="0" g="0" b="0"/>
+      </a:lnRef>
+      <a:fillRef idx="1">
+        <a:scrgbClr r="0" g="0" b="0"/>
+      </a:fillRef>
+      <a:effectRef idx="0">
+        <a:scrgbClr r="0" g="0" b="0"/>
+      </a:effectRef>
+      <a:fontRef idx="minor"/>
+    </dgm:style>
+  </dgm:styleLbl>
+  <dgm:styleLbl name="trAlignAcc1">
+    <dgm:scene3d>
+      <a:camera prst="orthographicFront"/>
+      <a:lightRig rig="threePt" dir="t"/>
+    </dgm:scene3d>
+    <dgm:sp3d/>
+    <dgm:txPr/>
+    <dgm:style>
+      <a:lnRef idx="1">
+        <a:scrgbClr r="0" g="0" b="0"/>
+      </a:lnRef>
+      <a:fillRef idx="1">
+        <a:scrgbClr r="0" g="0" b="0"/>
+      </a:fillRef>
+      <a:effectRef idx="0">
+        <a:scrgbClr r="0" g="0" b="0"/>
+      </a:effectRef>
+      <a:fontRef idx="minor"/>
+    </dgm:style>
+  </dgm:styleLbl>
+  <dgm:styleLbl name="bgAcc1">
+    <dgm:scene3d>
+      <a:camera prst="orthographicFront"/>
+      <a:lightRig rig="threePt" dir="t"/>
+    </dgm:scene3d>
+    <dgm:sp3d/>
+    <dgm:txPr/>
+    <dgm:style>
+      <a:lnRef idx="2">
+        <a:scrgbClr r="0" g="0" b="0"/>
+      </a:lnRef>
+      <a:fillRef idx="1">
+        <a:scrgbClr r="0" g="0" b="0"/>
+      </a:fillRef>
+      <a:effectRef idx="0">
+        <a:scrgbClr r="0" g="0" b="0"/>
+      </a:effectRef>
+      <a:fontRef idx="minor"/>
+    </dgm:style>
+  </dgm:styleLbl>
+  <dgm:styleLbl name="solidFgAcc1">
+    <dgm:scene3d>
+      <a:camera prst="orthographicFront"/>
+      <a:lightRig rig="threePt" dir="t"/>
+    </dgm:scene3d>
+    <dgm:sp3d/>
+    <dgm:txPr/>
+    <dgm:style>
+      <a:lnRef idx="2">
+        <a:scrgbClr r="0" g="0" b="0"/>
+      </a:lnRef>
+      <a:fillRef idx="1">
+        <a:scrgbClr r="0" g="0" b="0"/>
+      </a:fillRef>
+      <a:effectRef idx="0">
+        <a:scrgbClr r="0" g="0" b="0"/>
+      </a:effectRef>
+      <a:fontRef idx="minor"/>
+    </dgm:style>
+  </dgm:styleLbl>
+  <dgm:styleLbl name="solidAlignAcc1">
+    <dgm:scene3d>
+      <a:camera prst="orthographicFront"/>
+      <a:lightRig rig="threePt" dir="t"/>
+    </dgm:scene3d>
+    <dgm:sp3d/>
+    <dgm:txPr/>
+    <dgm:style>
+      <a:lnRef idx="2">
+        <a:scrgbClr r="0" g="0" b="0"/>
+      </a:lnRef>
+      <a:fillRef idx="1">
+        <a:scrgbClr r="0" g="0" b="0"/>
+      </a:fillRef>
+      <a:effectRef idx="0">
+        <a:scrgbClr r="0" g="0" b="0"/>
+      </a:effectRef>
+      <a:fontRef idx="minor"/>
+    </dgm:style>
+  </dgm:styleLbl>
+  <dgm:styleLbl name="solidBgAcc1">
+    <dgm:scene3d>
+      <a:camera prst="orthographicFront"/>
+      <a:lightRig rig="threePt" dir="t"/>
+    </dgm:scene3d>
+    <dgm:sp3d/>
+    <dgm:txPr/>
+    <dgm:style>
+      <a:lnRef idx="2">
+        <a:scrgbClr r="0" g="0" b="0"/>
+      </a:lnRef>
+      <a:fillRef idx="1">
+        <a:scrgbClr r="0" g="0" b="0"/>
+      </a:fillRef>
+      <a:effectRef idx="0">
+        <a:scrgbClr r="0" g="0" b="0"/>
+      </a:effectRef>
+      <a:fontRef idx="minor"/>
+    </dgm:style>
+  </dgm:styleLbl>
+  <dgm:styleLbl name="fgAccFollowNode1">
+    <dgm:scene3d>
+      <a:camera prst="orthographicFront"/>
+      <a:lightRig rig="threePt" dir="t"/>
+    </dgm:scene3d>
+    <dgm:sp3d/>
+    <dgm:txPr/>
+    <dgm:style>
+      <a:lnRef idx="2">
+        <a:scrgbClr r="0" g="0" b="0"/>
+      </a:lnRef>
+      <a:fillRef idx="1">
+        <a:scrgbClr r="0" g="0" b="0"/>
+      </a:fillRef>
+      <a:effectRef idx="0">
+        <a:scrgbClr r="0" g="0" b="0"/>
+      </a:effectRef>
+      <a:fontRef idx="minor"/>
+    </dgm:style>
+  </dgm:styleLbl>
+  <dgm:styleLbl name="alignAccFollowNode1">
+    <dgm:scene3d>
+      <a:camera prst="orthographicFront"/>
+      <a:lightRig rig="threePt" dir="t"/>
+    </dgm:scene3d>
+    <dgm:sp3d/>
+    <dgm:txPr/>
+    <dgm:style>
+      <a:lnRef idx="2">
+        <a:scrgbClr r="0" g="0" b="0"/>
+      </a:lnRef>
+      <a:fillRef idx="1">
+        <a:scrgbClr r="0" g="0" b="0"/>
+      </a:fillRef>
+      <a:effectRef idx="0">
+        <a:scrgbClr r="0" g="0" b="0"/>
+      </a:effectRef>
+      <a:fontRef idx="minor"/>
+    </dgm:style>
+  </dgm:styleLbl>
+  <dgm:styleLbl name="bgAccFollowNode1">
+    <dgm:scene3d>
+      <a:camera prst="orthographicFront"/>
+      <a:lightRig rig="threePt" dir="t"/>
+    </dgm:scene3d>
+    <dgm:sp3d/>
+    <dgm:txPr/>
+    <dgm:style>
+      <a:lnRef idx="2">
+        <a:scrgbClr r="0" g="0" b="0"/>
+      </a:lnRef>
+      <a:fillRef idx="1">
+        <a:scrgbClr r="0" g="0" b="0"/>
+      </a:fillRef>
+      <a:effectRef idx="0">
+        <a:scrgbClr r="0" g="0" b="0"/>
+      </a:effectRef>
+      <a:fontRef idx="minor"/>
+    </dgm:style>
+  </dgm:styleLbl>
+  <dgm:styleLbl name="fgAcc0">
+    <dgm:scene3d>
+      <a:camera prst="orthographicFront"/>
+      <a:lightRig rig="threePt" dir="t"/>
+    </dgm:scene3d>
+    <dgm:sp3d/>
+    <dgm:txPr/>
+    <dgm:style>
+      <a:lnRef idx="2">
+        <a:scrgbClr r="0" g="0" b="0"/>
+      </a:lnRef>
+      <a:fillRef idx="1">
+        <a:scrgbClr r="0" g="0" b="0"/>
+      </a:fillRef>
+      <a:effectRef idx="0">
+        <a:scrgbClr r="0" g="0" b="0"/>
+      </a:effectRef>
+      <a:fontRef idx="minor"/>
+    </dgm:style>
+  </dgm:styleLbl>
+  <dgm:styleLbl name="fgAcc2">
+    <dgm:scene3d>
+      <a:camera prst="orthographicFront"/>
+      <a:lightRig rig="threePt" dir="t"/>
+    </dgm:scene3d>
+    <dgm:sp3d/>
+    <dgm:txPr/>
+    <dgm:style>
+      <a:lnRef idx="2">
+        <a:scrgbClr r="0" g="0" b="0"/>
+      </a:lnRef>
+      <a:fillRef idx="1">
+        <a:scrgbClr r="0" g="0" b="0"/>
+      </a:fillRef>
+      <a:effectRef idx="0">
+        <a:scrgbClr r="0" g="0" b="0"/>
+      </a:effectRef>
+      <a:fontRef idx="minor"/>
+    </dgm:style>
+  </dgm:styleLbl>
+  <dgm:styleLbl name="fgAcc3">
+    <dgm:scene3d>
+      <a:camera prst="orthographicFront"/>
+      <a:lightRig rig="threePt" dir="t"/>
+    </dgm:scene3d>
+    <dgm:sp3d/>
+    <dgm:txPr/>
+    <dgm:style>
+      <a:lnRef idx="2">
+        <a:scrgbClr r="0" g="0" b="0"/>
+      </a:lnRef>
+      <a:fillRef idx="1">
+        <a:scrgbClr r="0" g="0" b="0"/>
+      </a:fillRef>
+      <a:effectRef idx="0">
+        <a:scrgbClr r="0" g="0" b="0"/>
+      </a:effectRef>
+      <a:fontRef idx="minor"/>
+    </dgm:style>
+  </dgm:styleLbl>
+  <dgm:styleLbl name="fgAcc4">
+    <dgm:scene3d>
+      <a:camera prst="orthographicFront"/>
+      <a:lightRig rig="threePt" dir="t"/>
+    </dgm:scene3d>
+    <dgm:sp3d/>
+    <dgm:txPr/>
+    <dgm:style>
+      <a:lnRef idx="2">
+        <a:scrgbClr r="0" g="0" b="0"/>
+      </a:lnRef>
+      <a:fillRef idx="1">
+        <a:scrgbClr r="0" g="0" b="0"/>
+      </a:fillRef>
+      <a:effectRef idx="0">
+        <a:scrgbClr r="0" g="0" b="0"/>
+      </a:effectRef>
+      <a:fontRef idx="minor"/>
+    </dgm:style>
+  </dgm:styleLbl>
+  <dgm:styleLbl name="bgShp">
+    <dgm:scene3d>
+      <a:camera prst="orthographicFront"/>
+      <a:lightRig rig="threePt" dir="t"/>
+    </dgm:scene3d>
+    <dgm:sp3d/>
+    <dgm:txPr/>
+    <dgm:style>
+      <a:lnRef idx="0">
+        <a:scrgbClr r="0" g="0" b="0"/>
+      </a:lnRef>
+      <a:fillRef idx="1">
+        <a:scrgbClr r="0" g="0" b="0"/>
+      </a:fillRef>
+      <a:effectRef idx="0">
+        <a:scrgbClr r="0" g="0" b="0"/>
+      </a:effectRef>
+      <a:fontRef idx="minor"/>
+    </dgm:style>
+  </dgm:styleLbl>
+  <dgm:styleLbl name="dkBgShp">
+    <dgm:scene3d>
+      <a:camera prst="orthographicFront"/>
+      <a:lightRig rig="threePt" dir="t"/>
+    </dgm:scene3d>
+    <dgm:sp3d/>
+    <dgm:txPr/>
+    <dgm:style>
+      <a:lnRef idx="0">
+        <a:scrgbClr r="0" g="0" b="0"/>
+      </a:lnRef>
+      <a:fillRef idx="1">
+        <a:scrgbClr r="0" g="0" b="0"/>
+      </a:fillRef>
+      <a:effectRef idx="0">
+        <a:scrgbClr r="0" g="0" b="0"/>
+      </a:effectRef>
+      <a:fontRef idx="minor"/>
+    </dgm:style>
+  </dgm:styleLbl>
+  <dgm:styleLbl name="trBgShp">
+    <dgm:scene3d>
+      <a:camera prst="orthographicFront"/>
+      <a:lightRig rig="threePt" dir="t"/>
+    </dgm:scene3d>
+    <dgm:sp3d/>
+    <dgm:txPr/>
+    <dgm:style>
+      <a:lnRef idx="0">
+        <a:scrgbClr r="0" g="0" b="0"/>
+      </a:lnRef>
+      <a:fillRef idx="1">
+        <a:scrgbClr r="0" g="0" b="0"/>
+      </a:fillRef>
+      <a:effectRef idx="0">
+        <a:scrgbClr r="0" g="0" b="0"/>
+      </a:effectRef>
+      <a:fontRef idx="minor"/>
+    </dgm:style>
+  </dgm:styleLbl>
+  <dgm:styleLbl name="fgShp">
+    <dgm:scene3d>
+      <a:camera prst="orthographicFront"/>
+      <a:lightRig rig="threePt" dir="t"/>
+    </dgm:scene3d>
+    <dgm:sp3d/>
+    <dgm:txPr/>
+    <dgm:style>
+      <a:lnRef idx="2">
+        <a:scrgbClr r="0" g="0" b="0"/>
+      </a:lnRef>
+      <a:fillRef idx="1">
+        <a:scrgbClr r="0" g="0" b="0"/>
+      </a:fillRef>
+      <a:effectRef idx="0">
         <a:scrgbClr r="0" g="0" b="0"/>
       </a:effectRef>
       <a:fontRef idx="minor"/>
@@ -3235,7 +6884,7 @@
           <a:noFill/>
           <a:extLst>
             <a:ext uri="{909E8E84-426E-40dd-AFC4-6F175D3DCCD1}">
-              <a14:hiddenFill xmlns:a14="http://schemas.microsoft.com/office/drawing/2010/main" xmlns="">
+              <a14:hiddenFill xmlns="" xmlns:a14="http://schemas.microsoft.com/office/drawing/2010/main">
                 <a:solidFill>
                   <a:srgbClr val="FFFFFF"/>
                 </a:solidFill>
@@ -3294,7 +6943,7 @@
             </a:ln>
             <a:extLst>
               <a:ext uri="{91240B29-F687-4f45-9708-019B960494DF}">
-                <a14:hiddenLine xmlns:a14="http://schemas.microsoft.com/office/drawing/2010/main" xmlns="" w="9525">
+                <a14:hiddenLine xmlns="" xmlns:a14="http://schemas.microsoft.com/office/drawing/2010/main" w="9525">
                   <a:solidFill>
                     <a:srgbClr val="000000"/>
                   </a:solidFill>
@@ -3384,7 +7033,7 @@
             </a:ln>
             <a:extLst>
               <a:ext uri="{91240B29-F687-4f45-9708-019B960494DF}">
-                <a14:hiddenLine xmlns:a14="http://schemas.microsoft.com/office/drawing/2010/main" xmlns="" w="9525">
+                <a14:hiddenLine xmlns="" xmlns:a14="http://schemas.microsoft.com/office/drawing/2010/main" w="9525">
                   <a:solidFill>
                     <a:srgbClr val="000000"/>
                   </a:solidFill>
@@ -3474,7 +7123,7 @@
             </a:ln>
             <a:extLst>
               <a:ext uri="{91240B29-F687-4f45-9708-019B960494DF}">
-                <a14:hiddenLine xmlns:a14="http://schemas.microsoft.com/office/drawing/2010/main" xmlns="" w="9525">
+                <a14:hiddenLine xmlns="" xmlns:a14="http://schemas.microsoft.com/office/drawing/2010/main" w="9525">
                   <a:solidFill>
                     <a:srgbClr val="000000"/>
                   </a:solidFill>
@@ -3508,7 +7157,7 @@
             </a:ln>
             <a:extLst>
               <a:ext uri="{91240B29-F687-4f45-9708-019B960494DF}">
-                <a14:hiddenLine xmlns:a14="http://schemas.microsoft.com/office/drawing/2010/main" xmlns="" w="9525">
+                <a14:hiddenLine xmlns="" xmlns:a14="http://schemas.microsoft.com/office/drawing/2010/main" w="9525">
                   <a:solidFill>
                     <a:srgbClr val="000000"/>
                   </a:solidFill>
@@ -3598,7 +7247,7 @@
             </a:ln>
             <a:extLst>
               <a:ext uri="{91240B29-F687-4f45-9708-019B960494DF}">
-                <a14:hiddenLine xmlns:a14="http://schemas.microsoft.com/office/drawing/2010/main" xmlns="" w="9525">
+                <a14:hiddenLine xmlns="" xmlns:a14="http://schemas.microsoft.com/office/drawing/2010/main" w="9525">
                   <a:solidFill>
                     <a:srgbClr val="000000"/>
                   </a:solidFill>
@@ -3660,7 +7309,7 @@
             </a:ln>
             <a:extLst>
               <a:ext uri="{91240B29-F687-4f45-9708-019B960494DF}">
-                <a14:hiddenLine xmlns:a14="http://schemas.microsoft.com/office/drawing/2010/main" xmlns="" w="9525">
+                <a14:hiddenLine xmlns="" xmlns:a14="http://schemas.microsoft.com/office/drawing/2010/main" w="9525">
                   <a:solidFill>
                     <a:srgbClr val="000000"/>
                   </a:solidFill>
@@ -3722,7 +7371,7 @@
             </a:ln>
             <a:extLst>
               <a:ext uri="{91240B29-F687-4f45-9708-019B960494DF}">
-                <a14:hiddenLine xmlns:a14="http://schemas.microsoft.com/office/drawing/2010/main" xmlns="" w="9525">
+                <a14:hiddenLine xmlns="" xmlns:a14="http://schemas.microsoft.com/office/drawing/2010/main" w="9525">
                   <a:solidFill>
                     <a:srgbClr val="000000"/>
                   </a:solidFill>
@@ -3812,7 +7461,7 @@
             </a:ln>
             <a:extLst>
               <a:ext uri="{91240B29-F687-4f45-9708-019B960494DF}">
-                <a14:hiddenLine xmlns:a14="http://schemas.microsoft.com/office/drawing/2010/main" xmlns="" w="9525">
+                <a14:hiddenLine xmlns="" xmlns:a14="http://schemas.microsoft.com/office/drawing/2010/main" w="9525">
                   <a:solidFill>
                     <a:srgbClr val="000000"/>
                   </a:solidFill>
@@ -3874,7 +7523,7 @@
             </a:ln>
             <a:extLst>
               <a:ext uri="{91240B29-F687-4f45-9708-019B960494DF}">
-                <a14:hiddenLine xmlns:a14="http://schemas.microsoft.com/office/drawing/2010/main" xmlns="" w="9525">
+                <a14:hiddenLine xmlns="" xmlns:a14="http://schemas.microsoft.com/office/drawing/2010/main" w="9525">
                   <a:solidFill>
                     <a:srgbClr val="000000"/>
                   </a:solidFill>
@@ -3936,7 +7585,7 @@
             </a:ln>
             <a:extLst>
               <a:ext uri="{91240B29-F687-4f45-9708-019B960494DF}">
-                <a14:hiddenLine xmlns:a14="http://schemas.microsoft.com/office/drawing/2010/main" xmlns="" w="9525">
+                <a14:hiddenLine xmlns="" xmlns:a14="http://schemas.microsoft.com/office/drawing/2010/main" w="9525">
                   <a:solidFill>
                     <a:srgbClr val="000000"/>
                   </a:solidFill>
@@ -4026,7 +7675,7 @@
             </a:ln>
             <a:extLst>
               <a:ext uri="{91240B29-F687-4f45-9708-019B960494DF}">
-                <a14:hiddenLine xmlns:a14="http://schemas.microsoft.com/office/drawing/2010/main" xmlns="" w="9525">
+                <a14:hiddenLine xmlns="" xmlns:a14="http://schemas.microsoft.com/office/drawing/2010/main" w="9525">
                   <a:solidFill>
                     <a:srgbClr val="000000"/>
                   </a:solidFill>
@@ -4116,7 +7765,7 @@
             </a:ln>
             <a:extLst>
               <a:ext uri="{91240B29-F687-4f45-9708-019B960494DF}">
-                <a14:hiddenLine xmlns:a14="http://schemas.microsoft.com/office/drawing/2010/main" xmlns="" w="9525">
+                <a14:hiddenLine xmlns="" xmlns:a14="http://schemas.microsoft.com/office/drawing/2010/main" w="9525">
                   <a:solidFill>
                     <a:srgbClr val="000000"/>
                   </a:solidFill>
@@ -4178,7 +7827,7 @@
             </a:ln>
             <a:extLst>
               <a:ext uri="{91240B29-F687-4f45-9708-019B960494DF}">
-                <a14:hiddenLine xmlns:a14="http://schemas.microsoft.com/office/drawing/2010/main" xmlns="" w="9525">
+                <a14:hiddenLine xmlns="" xmlns:a14="http://schemas.microsoft.com/office/drawing/2010/main" w="9525">
                   <a:solidFill>
                     <a:srgbClr val="000000"/>
                   </a:solidFill>
@@ -4288,7 +7937,7 @@
             </a:ln>
             <a:extLst>
               <a:ext uri="{91240B29-F687-4f45-9708-019B960494DF}">
-                <a14:hiddenLine xmlns:a14="http://schemas.microsoft.com/office/drawing/2010/main" xmlns="" w="9525">
+                <a14:hiddenLine xmlns="" xmlns:a14="http://schemas.microsoft.com/office/drawing/2010/main" w="9525">
                   <a:solidFill>
                     <a:srgbClr val="000000"/>
                   </a:solidFill>
@@ -4350,7 +7999,7 @@
             </a:ln>
             <a:extLst>
               <a:ext uri="{91240B29-F687-4f45-9708-019B960494DF}">
-                <a14:hiddenLine xmlns:a14="http://schemas.microsoft.com/office/drawing/2010/main" xmlns="" w="9525">
+                <a14:hiddenLine xmlns="" xmlns:a14="http://schemas.microsoft.com/office/drawing/2010/main" w="9525">
                   <a:solidFill>
                     <a:srgbClr val="000000"/>
                   </a:solidFill>
@@ -4440,7 +8089,7 @@
             </a:ln>
             <a:extLst>
               <a:ext uri="{91240B29-F687-4f45-9708-019B960494DF}">
-                <a14:hiddenLine xmlns:a14="http://schemas.microsoft.com/office/drawing/2010/main" xmlns="" w="9525">
+                <a14:hiddenLine xmlns="" xmlns:a14="http://schemas.microsoft.com/office/drawing/2010/main" w="9525">
                   <a:solidFill>
                     <a:srgbClr val="000000"/>
                   </a:solidFill>
@@ -4530,7 +8179,7 @@
             </a:ln>
             <a:extLst>
               <a:ext uri="{91240B29-F687-4f45-9708-019B960494DF}">
-                <a14:hiddenLine xmlns:a14="http://schemas.microsoft.com/office/drawing/2010/main" xmlns="" w="9525">
+                <a14:hiddenLine xmlns="" xmlns:a14="http://schemas.microsoft.com/office/drawing/2010/main" w="9525">
                   <a:solidFill>
                     <a:srgbClr val="000000"/>
                   </a:solidFill>
@@ -4592,7 +8241,7 @@
             </a:ln>
             <a:extLst>
               <a:ext uri="{91240B29-F687-4f45-9708-019B960494DF}">
-                <a14:hiddenLine xmlns:a14="http://schemas.microsoft.com/office/drawing/2010/main" xmlns="" w="9525">
+                <a14:hiddenLine xmlns="" xmlns:a14="http://schemas.microsoft.com/office/drawing/2010/main" w="9525">
                   <a:solidFill>
                     <a:srgbClr val="000000"/>
                   </a:solidFill>
@@ -4682,7 +8331,7 @@
             </a:ln>
             <a:extLst>
               <a:ext uri="{91240B29-F687-4f45-9708-019B960494DF}">
-                <a14:hiddenLine xmlns:a14="http://schemas.microsoft.com/office/drawing/2010/main" xmlns="" w="9525">
+                <a14:hiddenLine xmlns="" xmlns:a14="http://schemas.microsoft.com/office/drawing/2010/main" w="9525">
                   <a:solidFill>
                     <a:srgbClr val="000000"/>
                   </a:solidFill>
@@ -4772,7 +8421,7 @@
             </a:ln>
             <a:extLst>
               <a:ext uri="{91240B29-F687-4f45-9708-019B960494DF}">
-                <a14:hiddenLine xmlns:a14="http://schemas.microsoft.com/office/drawing/2010/main" xmlns="" w="9525">
+                <a14:hiddenLine xmlns="" xmlns:a14="http://schemas.microsoft.com/office/drawing/2010/main" w="9525">
                   <a:solidFill>
                     <a:srgbClr val="000000"/>
                   </a:solidFill>
@@ -4828,7 +8477,7 @@
             </a:ln>
             <a:extLst>
               <a:ext uri="{91240B29-F687-4f45-9708-019B960494DF}">
-                <a14:hiddenLine xmlns:a14="http://schemas.microsoft.com/office/drawing/2010/main" xmlns="" w="9525">
+                <a14:hiddenLine xmlns="" xmlns:a14="http://schemas.microsoft.com/office/drawing/2010/main" w="9525">
                   <a:solidFill>
                     <a:srgbClr val="000000"/>
                   </a:solidFill>
@@ -4918,7 +8567,7 @@
             </a:ln>
             <a:extLst>
               <a:ext uri="{91240B29-F687-4f45-9708-019B960494DF}">
-                <a14:hiddenLine xmlns:a14="http://schemas.microsoft.com/office/drawing/2010/main" xmlns="" w="9525">
+                <a14:hiddenLine xmlns="" xmlns:a14="http://schemas.microsoft.com/office/drawing/2010/main" w="9525">
                   <a:solidFill>
                     <a:srgbClr val="000000"/>
                   </a:solidFill>
@@ -4974,7 +8623,7 @@
             </a:ln>
             <a:extLst>
               <a:ext uri="{91240B29-F687-4f45-9708-019B960494DF}">
-                <a14:hiddenLine xmlns:a14="http://schemas.microsoft.com/office/drawing/2010/main" xmlns="" w="9525">
+                <a14:hiddenLine xmlns="" xmlns:a14="http://schemas.microsoft.com/office/drawing/2010/main" w="9525">
                   <a:solidFill>
                     <a:srgbClr val="000000"/>
                   </a:solidFill>
@@ -5064,7 +8713,7 @@
             </a:ln>
             <a:extLst>
               <a:ext uri="{91240B29-F687-4f45-9708-019B960494DF}">
-                <a14:hiddenLine xmlns:a14="http://schemas.microsoft.com/office/drawing/2010/main" xmlns="" w="9525">
+                <a14:hiddenLine xmlns="" xmlns:a14="http://schemas.microsoft.com/office/drawing/2010/main" w="9525">
                   <a:solidFill>
                     <a:srgbClr val="000000"/>
                   </a:solidFill>
@@ -5132,7 +8781,7 @@
             </a:ln>
             <a:extLst>
               <a:ext uri="{91240B29-F687-4f45-9708-019B960494DF}">
-                <a14:hiddenLine xmlns:a14="http://schemas.microsoft.com/office/drawing/2010/main" xmlns="" w="9525">
+                <a14:hiddenLine xmlns="" xmlns:a14="http://schemas.microsoft.com/office/drawing/2010/main" w="9525">
                   <a:solidFill>
                     <a:srgbClr val="000000"/>
                   </a:solidFill>
@@ -5222,7 +8871,7 @@
             </a:ln>
             <a:extLst>
               <a:ext uri="{91240B29-F687-4f45-9708-019B960494DF}">
-                <a14:hiddenLine xmlns:a14="http://schemas.microsoft.com/office/drawing/2010/main" xmlns="" w="9525">
+                <a14:hiddenLine xmlns="" xmlns:a14="http://schemas.microsoft.com/office/drawing/2010/main" w="9525">
                   <a:solidFill>
                     <a:srgbClr val="000000"/>
                   </a:solidFill>
@@ -5290,7 +8939,7 @@
             </a:ln>
             <a:extLst>
               <a:ext uri="{91240B29-F687-4f45-9708-019B960494DF}">
-                <a14:hiddenLine xmlns:a14="http://schemas.microsoft.com/office/drawing/2010/main" xmlns="" w="9525">
+                <a14:hiddenLine xmlns="" xmlns:a14="http://schemas.microsoft.com/office/drawing/2010/main" w="9525">
                   <a:solidFill>
                     <a:srgbClr val="000000"/>
                   </a:solidFill>
@@ -5380,7 +9029,7 @@
             </a:ln>
             <a:extLst>
               <a:ext uri="{91240B29-F687-4f45-9708-019B960494DF}">
-                <a14:hiddenLine xmlns:a14="http://schemas.microsoft.com/office/drawing/2010/main" xmlns="" w="9525">
+                <a14:hiddenLine xmlns="" xmlns:a14="http://schemas.microsoft.com/office/drawing/2010/main" w="9525">
                   <a:solidFill>
                     <a:srgbClr val="000000"/>
                   </a:solidFill>
@@ -5414,7 +9063,7 @@
             </a:ln>
             <a:extLst>
               <a:ext uri="{91240B29-F687-4f45-9708-019B960494DF}">
-                <a14:hiddenLine xmlns:a14="http://schemas.microsoft.com/office/drawing/2010/main" xmlns="" w="9525">
+                <a14:hiddenLine xmlns="" xmlns:a14="http://schemas.microsoft.com/office/drawing/2010/main" w="9525">
                   <a:solidFill>
                     <a:srgbClr val="000000"/>
                   </a:solidFill>
@@ -5504,7 +9153,7 @@
             </a:ln>
             <a:extLst>
               <a:ext uri="{91240B29-F687-4f45-9708-019B960494DF}">
-                <a14:hiddenLine xmlns:a14="http://schemas.microsoft.com/office/drawing/2010/main" xmlns="" w="9525">
+                <a14:hiddenLine xmlns="" xmlns:a14="http://schemas.microsoft.com/office/drawing/2010/main" w="9525">
                   <a:solidFill>
                     <a:srgbClr val="000000"/>
                   </a:solidFill>
@@ -5566,7 +9215,7 @@
             </a:ln>
             <a:extLst>
               <a:ext uri="{91240B29-F687-4f45-9708-019B960494DF}">
-                <a14:hiddenLine xmlns:a14="http://schemas.microsoft.com/office/drawing/2010/main" xmlns="" w="9525">
+                <a14:hiddenLine xmlns="" xmlns:a14="http://schemas.microsoft.com/office/drawing/2010/main" w="9525">
                   <a:solidFill>
                     <a:srgbClr val="000000"/>
                   </a:solidFill>
@@ -5628,7 +9277,7 @@
             </a:ln>
             <a:extLst>
               <a:ext uri="{91240B29-F687-4f45-9708-019B960494DF}">
-                <a14:hiddenLine xmlns:a14="http://schemas.microsoft.com/office/drawing/2010/main" xmlns="" w="9525">
+                <a14:hiddenLine xmlns="" xmlns:a14="http://schemas.microsoft.com/office/drawing/2010/main" w="9525">
                   <a:solidFill>
                     <a:srgbClr val="000000"/>
                   </a:solidFill>
@@ -5718,7 +9367,7 @@
             </a:ln>
             <a:extLst>
               <a:ext uri="{91240B29-F687-4f45-9708-019B960494DF}">
-                <a14:hiddenLine xmlns:a14="http://schemas.microsoft.com/office/drawing/2010/main" xmlns="" w="9525">
+                <a14:hiddenLine xmlns="" xmlns:a14="http://schemas.microsoft.com/office/drawing/2010/main" w="9525">
                   <a:solidFill>
                     <a:srgbClr val="000000"/>
                   </a:solidFill>
@@ -5786,7 +9435,7 @@
             </a:ln>
             <a:extLst>
               <a:ext uri="{91240B29-F687-4f45-9708-019B960494DF}">
-                <a14:hiddenLine xmlns:a14="http://schemas.microsoft.com/office/drawing/2010/main" xmlns="" w="9525">
+                <a14:hiddenLine xmlns="" xmlns:a14="http://schemas.microsoft.com/office/drawing/2010/main" w="9525">
                   <a:solidFill>
                     <a:srgbClr val="000000"/>
                   </a:solidFill>
@@ -5848,7 +9497,7 @@
             </a:ln>
             <a:extLst>
               <a:ext uri="{91240B29-F687-4f45-9708-019B960494DF}">
-                <a14:hiddenLine xmlns:a14="http://schemas.microsoft.com/office/drawing/2010/main" xmlns="" w="9525">
+                <a14:hiddenLine xmlns="" xmlns:a14="http://schemas.microsoft.com/office/drawing/2010/main" w="9525">
                   <a:solidFill>
                     <a:srgbClr val="000000"/>
                   </a:solidFill>
@@ -5938,7 +9587,7 @@
             </a:ln>
             <a:extLst>
               <a:ext uri="{91240B29-F687-4f45-9708-019B960494DF}">
-                <a14:hiddenLine xmlns:a14="http://schemas.microsoft.com/office/drawing/2010/main" xmlns="" w="9525">
+                <a14:hiddenLine xmlns="" xmlns:a14="http://schemas.microsoft.com/office/drawing/2010/main" w="9525">
                   <a:solidFill>
                     <a:srgbClr val="000000"/>
                   </a:solidFill>
@@ -6000,7 +9649,7 @@
             </a:ln>
             <a:extLst>
               <a:ext uri="{91240B29-F687-4f45-9708-019B960494DF}">
-                <a14:hiddenLine xmlns:a14="http://schemas.microsoft.com/office/drawing/2010/main" xmlns="" w="9525">
+                <a14:hiddenLine xmlns="" xmlns:a14="http://schemas.microsoft.com/office/drawing/2010/main" w="9525">
                   <a:solidFill>
                     <a:srgbClr val="000000"/>
                   </a:solidFill>
@@ -6090,7 +9739,7 @@
             </a:ln>
             <a:extLst>
               <a:ext uri="{91240B29-F687-4f45-9708-019B960494DF}">
-                <a14:hiddenLine xmlns:a14="http://schemas.microsoft.com/office/drawing/2010/main" xmlns="" w="9525">
+                <a14:hiddenLine xmlns="" xmlns:a14="http://schemas.microsoft.com/office/drawing/2010/main" w="9525">
                   <a:solidFill>
                     <a:srgbClr val="000000"/>
                   </a:solidFill>
@@ -6152,7 +9801,7 @@
             </a:ln>
             <a:extLst>
               <a:ext uri="{91240B29-F687-4f45-9708-019B960494DF}">
-                <a14:hiddenLine xmlns:a14="http://schemas.microsoft.com/office/drawing/2010/main" xmlns="" w="9525">
+                <a14:hiddenLine xmlns="" xmlns:a14="http://schemas.microsoft.com/office/drawing/2010/main" w="9525">
                   <a:solidFill>
                     <a:srgbClr val="000000"/>
                   </a:solidFill>
@@ -6242,7 +9891,7 @@
             </a:ln>
             <a:extLst>
               <a:ext uri="{91240B29-F687-4f45-9708-019B960494DF}">
-                <a14:hiddenLine xmlns:a14="http://schemas.microsoft.com/office/drawing/2010/main" xmlns="" w="9525">
+                <a14:hiddenLine xmlns="" xmlns:a14="http://schemas.microsoft.com/office/drawing/2010/main" w="9525">
                   <a:solidFill>
                     <a:srgbClr val="000000"/>
                   </a:solidFill>
@@ -6276,7 +9925,7 @@
             </a:ln>
             <a:extLst>
               <a:ext uri="{91240B29-F687-4f45-9708-019B960494DF}">
-                <a14:hiddenLine xmlns:a14="http://schemas.microsoft.com/office/drawing/2010/main" xmlns="" w="9525">
+                <a14:hiddenLine xmlns="" xmlns:a14="http://schemas.microsoft.com/office/drawing/2010/main" w="9525">
                   <a:solidFill>
                     <a:srgbClr val="000000"/>
                   </a:solidFill>
@@ -6341,7 +9990,7 @@
             </a:ln>
             <a:extLst>
               <a:ext uri="{91240B29-F687-4f45-9708-019B960494DF}">
-                <a14:hiddenLine xmlns:a14="http://schemas.microsoft.com/office/drawing/2010/main" xmlns="" w="9525">
+                <a14:hiddenLine xmlns="" xmlns:a14="http://schemas.microsoft.com/office/drawing/2010/main" w="9525">
                   <a:solidFill>
                     <a:srgbClr val="000000"/>
                   </a:solidFill>
@@ -6431,7 +10080,7 @@
             </a:ln>
             <a:extLst>
               <a:ext uri="{91240B29-F687-4f45-9708-019B960494DF}">
-                <a14:hiddenLine xmlns:a14="http://schemas.microsoft.com/office/drawing/2010/main" xmlns="" w="9525">
+                <a14:hiddenLine xmlns="" xmlns:a14="http://schemas.microsoft.com/office/drawing/2010/main" w="9525">
                   <a:solidFill>
                     <a:srgbClr val="000000"/>
                   </a:solidFill>
@@ -6493,7 +10142,7 @@
             </a:ln>
             <a:extLst>
               <a:ext uri="{91240B29-F687-4f45-9708-019B960494DF}">
-                <a14:hiddenLine xmlns:a14="http://schemas.microsoft.com/office/drawing/2010/main" xmlns="" w="9525">
+                <a14:hiddenLine xmlns="" xmlns:a14="http://schemas.microsoft.com/office/drawing/2010/main" w="9525">
                   <a:solidFill>
                     <a:srgbClr val="000000"/>
                   </a:solidFill>
@@ -6583,7 +10232,7 @@
             </a:ln>
             <a:extLst>
               <a:ext uri="{91240B29-F687-4f45-9708-019B960494DF}">
-                <a14:hiddenLine xmlns:a14="http://schemas.microsoft.com/office/drawing/2010/main" xmlns="" w="9525">
+                <a14:hiddenLine xmlns="" xmlns:a14="http://schemas.microsoft.com/office/drawing/2010/main" w="9525">
                   <a:solidFill>
                     <a:srgbClr val="000000"/>
                   </a:solidFill>
@@ -6673,7 +10322,7 @@
             </a:ln>
             <a:extLst>
               <a:ext uri="{91240B29-F687-4f45-9708-019B960494DF}">
-                <a14:hiddenLine xmlns:a14="http://schemas.microsoft.com/office/drawing/2010/main" xmlns="" w="9525">
+                <a14:hiddenLine xmlns="" xmlns:a14="http://schemas.microsoft.com/office/drawing/2010/main" w="9525">
                   <a:solidFill>
                     <a:srgbClr val="000000"/>
                   </a:solidFill>
@@ -6738,7 +10387,7 @@
             </a:ln>
             <a:extLst>
               <a:ext uri="{91240B29-F687-4f45-9708-019B960494DF}">
-                <a14:hiddenLine xmlns:a14="http://schemas.microsoft.com/office/drawing/2010/main" xmlns="" w="9525">
+                <a14:hiddenLine xmlns="" xmlns:a14="http://schemas.microsoft.com/office/drawing/2010/main" w="9525">
                   <a:solidFill>
                     <a:srgbClr val="000000"/>
                   </a:solidFill>
@@ -6800,7 +10449,7 @@
             </a:ln>
             <a:extLst>
               <a:ext uri="{91240B29-F687-4f45-9708-019B960494DF}">
-                <a14:hiddenLine xmlns:a14="http://schemas.microsoft.com/office/drawing/2010/main" xmlns="" w="9525">
+                <a14:hiddenLine xmlns="" xmlns:a14="http://schemas.microsoft.com/office/drawing/2010/main" w="9525">
                   <a:solidFill>
                     <a:srgbClr val="000000"/>
                   </a:solidFill>
@@ -6890,7 +10539,7 @@
             </a:ln>
             <a:extLst>
               <a:ext uri="{91240B29-F687-4f45-9708-019B960494DF}">
-                <a14:hiddenLine xmlns:a14="http://schemas.microsoft.com/office/drawing/2010/main" xmlns="" w="9525">
+                <a14:hiddenLine xmlns="" xmlns:a14="http://schemas.microsoft.com/office/drawing/2010/main" w="9525">
                   <a:solidFill>
                     <a:srgbClr val="000000"/>
                   </a:solidFill>
@@ -6980,7 +10629,7 @@
             </a:ln>
             <a:extLst>
               <a:ext uri="{91240B29-F687-4f45-9708-019B960494DF}">
-                <a14:hiddenLine xmlns:a14="http://schemas.microsoft.com/office/drawing/2010/main" xmlns="" w="9525">
+                <a14:hiddenLine xmlns="" xmlns:a14="http://schemas.microsoft.com/office/drawing/2010/main" w="9525">
                   <a:solidFill>
                     <a:srgbClr val="000000"/>
                   </a:solidFill>
@@ -7042,7 +10691,7 @@
             </a:ln>
             <a:extLst>
               <a:ext uri="{91240B29-F687-4f45-9708-019B960494DF}">
-                <a14:hiddenLine xmlns:a14="http://schemas.microsoft.com/office/drawing/2010/main" xmlns="" w="9525">
+                <a14:hiddenLine xmlns="" xmlns:a14="http://schemas.microsoft.com/office/drawing/2010/main" w="9525">
                   <a:solidFill>
                     <a:srgbClr val="000000"/>
                   </a:solidFill>
@@ -7162,7 +10811,7 @@
             </a:ln>
             <a:extLst>
               <a:ext uri="{91240B29-F687-4f45-9708-019B960494DF}">
-                <a14:hiddenLine xmlns:a14="http://schemas.microsoft.com/office/drawing/2010/main" xmlns="" w="9525">
+                <a14:hiddenLine xmlns="" xmlns:a14="http://schemas.microsoft.com/office/drawing/2010/main" w="9525">
                   <a:solidFill>
                     <a:srgbClr val="000000"/>
                   </a:solidFill>
@@ -7230,7 +10879,7 @@
             </a:ln>
             <a:extLst>
               <a:ext uri="{91240B29-F687-4f45-9708-019B960494DF}">
-                <a14:hiddenLine xmlns:a14="http://schemas.microsoft.com/office/drawing/2010/main" xmlns="" w="9525">
+                <a14:hiddenLine xmlns="" xmlns:a14="http://schemas.microsoft.com/office/drawing/2010/main" w="9525">
                   <a:solidFill>
                     <a:srgbClr val="000000"/>
                   </a:solidFill>
@@ -7320,7 +10969,7 @@
             </a:ln>
             <a:extLst>
               <a:ext uri="{91240B29-F687-4f45-9708-019B960494DF}">
-                <a14:hiddenLine xmlns:a14="http://schemas.microsoft.com/office/drawing/2010/main" xmlns="" w="9525">
+                <a14:hiddenLine xmlns="" xmlns:a14="http://schemas.microsoft.com/office/drawing/2010/main" w="9525">
                   <a:solidFill>
                     <a:srgbClr val="000000"/>
                   </a:solidFill>
@@ -7460,7 +11109,7 @@
           <a:p>
             <a:fld id="{1158C0B5-11AA-4852-AD13-EA4FE1602433}" type="datetimeFigureOut">
               <a:rPr lang="en-US" smtClean="0"/>
-              <a:t>5/3/2020</a:t>
+              <a:t>5/11/2020</a:t>
             </a:fld>
             <a:endParaRPr lang="en-US"/>
           </a:p>
@@ -7727,7 +11376,7 @@
           <a:p>
             <a:fld id="{1158C0B5-11AA-4852-AD13-EA4FE1602433}" type="datetimeFigureOut">
               <a:rPr lang="en-US" smtClean="0"/>
-              <a:t>5/3/2020</a:t>
+              <a:t>5/11/2020</a:t>
             </a:fld>
             <a:endParaRPr lang="en-US"/>
           </a:p>
@@ -7923,7 +11572,7 @@
           <a:p>
             <a:fld id="{1158C0B5-11AA-4852-AD13-EA4FE1602433}" type="datetimeFigureOut">
               <a:rPr lang="en-US" smtClean="0"/>
-              <a:t>5/3/2020</a:t>
+              <a:t>5/11/2020</a:t>
             </a:fld>
             <a:endParaRPr lang="en-US"/>
           </a:p>
@@ -8186,7 +11835,7 @@
           <a:p>
             <a:fld id="{1158C0B5-11AA-4852-AD13-EA4FE1602433}" type="datetimeFigureOut">
               <a:rPr lang="en-US" smtClean="0"/>
-              <a:t>5/3/2020</a:t>
+              <a:t>5/11/2020</a:t>
             </a:fld>
             <a:endParaRPr lang="en-US"/>
           </a:p>
@@ -8620,7 +12269,7 @@
           <a:p>
             <a:fld id="{1158C0B5-11AA-4852-AD13-EA4FE1602433}" type="datetimeFigureOut">
               <a:rPr lang="en-US" smtClean="0"/>
-              <a:t>5/3/2020</a:t>
+              <a:t>5/11/2020</a:t>
             </a:fld>
             <a:endParaRPr lang="en-US"/>
           </a:p>
@@ -9166,7 +12815,7 @@
           <a:p>
             <a:fld id="{1158C0B5-11AA-4852-AD13-EA4FE1602433}" type="datetimeFigureOut">
               <a:rPr lang="en-US" smtClean="0"/>
-              <a:t>5/3/2020</a:t>
+              <a:t>5/11/2020</a:t>
             </a:fld>
             <a:endParaRPr lang="en-US"/>
           </a:p>
@@ -9886,7 +13535,7 @@
           <a:p>
             <a:fld id="{1158C0B5-11AA-4852-AD13-EA4FE1602433}" type="datetimeFigureOut">
               <a:rPr lang="en-US" smtClean="0"/>
-              <a:t>5/3/2020</a:t>
+              <a:t>5/11/2020</a:t>
             </a:fld>
             <a:endParaRPr lang="en-US"/>
           </a:p>
@@ -10056,7 +13705,7 @@
           <a:p>
             <a:fld id="{1158C0B5-11AA-4852-AD13-EA4FE1602433}" type="datetimeFigureOut">
               <a:rPr lang="en-US" smtClean="0"/>
-              <a:t>5/3/2020</a:t>
+              <a:t>5/11/2020</a:t>
             </a:fld>
             <a:endParaRPr lang="en-US"/>
           </a:p>
@@ -10236,7 +13885,7 @@
           <a:p>
             <a:fld id="{1158C0B5-11AA-4852-AD13-EA4FE1602433}" type="datetimeFigureOut">
               <a:rPr lang="en-US" smtClean="0"/>
-              <a:t>5/3/2020</a:t>
+              <a:t>5/11/2020</a:t>
             </a:fld>
             <a:endParaRPr lang="en-US"/>
           </a:p>
@@ -10406,7 +14055,7 @@
           <a:p>
             <a:fld id="{1158C0B5-11AA-4852-AD13-EA4FE1602433}" type="datetimeFigureOut">
               <a:rPr lang="en-US" smtClean="0"/>
-              <a:t>5/3/2020</a:t>
+              <a:t>5/11/2020</a:t>
             </a:fld>
             <a:endParaRPr lang="en-US"/>
           </a:p>
@@ -10656,7 +14305,7 @@
           <a:p>
             <a:fld id="{1158C0B5-11AA-4852-AD13-EA4FE1602433}" type="datetimeFigureOut">
               <a:rPr lang="en-US" smtClean="0"/>
-              <a:t>5/3/2020</a:t>
+              <a:t>5/11/2020</a:t>
             </a:fld>
             <a:endParaRPr lang="en-US"/>
           </a:p>
@@ -10888,7 +14537,7 @@
           <a:p>
             <a:fld id="{1158C0B5-11AA-4852-AD13-EA4FE1602433}" type="datetimeFigureOut">
               <a:rPr lang="en-US" smtClean="0"/>
-              <a:t>5/3/2020</a:t>
+              <a:t>5/11/2020</a:t>
             </a:fld>
             <a:endParaRPr lang="en-US"/>
           </a:p>
@@ -11269,7 +14918,7 @@
           <a:p>
             <a:fld id="{1158C0B5-11AA-4852-AD13-EA4FE1602433}" type="datetimeFigureOut">
               <a:rPr lang="en-US" smtClean="0"/>
-              <a:t>5/3/2020</a:t>
+              <a:t>5/11/2020</a:t>
             </a:fld>
             <a:endParaRPr lang="en-US"/>
           </a:p>
@@ -11387,7 +15036,7 @@
           <a:p>
             <a:fld id="{1158C0B5-11AA-4852-AD13-EA4FE1602433}" type="datetimeFigureOut">
               <a:rPr lang="en-US" smtClean="0"/>
-              <a:t>5/3/2020</a:t>
+              <a:t>5/11/2020</a:t>
             </a:fld>
             <a:endParaRPr lang="en-US"/>
           </a:p>
@@ -11482,7 +15131,7 @@
           <a:p>
             <a:fld id="{1158C0B5-11AA-4852-AD13-EA4FE1602433}" type="datetimeFigureOut">
               <a:rPr lang="en-US" smtClean="0"/>
-              <a:t>5/3/2020</a:t>
+              <a:t>5/11/2020</a:t>
             </a:fld>
             <a:endParaRPr lang="en-US"/>
           </a:p>
@@ -11731,7 +15380,7 @@
           <a:p>
             <a:fld id="{1158C0B5-11AA-4852-AD13-EA4FE1602433}" type="datetimeFigureOut">
               <a:rPr lang="en-US" smtClean="0"/>
-              <a:t>5/3/2020</a:t>
+              <a:t>5/11/2020</a:t>
             </a:fld>
             <a:endParaRPr lang="en-US"/>
           </a:p>
@@ -12011,7 +15660,7 @@
           <a:p>
             <a:fld id="{1158C0B5-11AA-4852-AD13-EA4FE1602433}" type="datetimeFigureOut">
               <a:rPr lang="en-US" smtClean="0"/>
-              <a:t>5/3/2020</a:t>
+              <a:t>5/11/2020</a:t>
             </a:fld>
             <a:endParaRPr lang="en-US"/>
           </a:p>
@@ -12134,7 +15783,7 @@
           <a:noFill/>
           <a:extLst>
             <a:ext uri="{909E8E84-426E-40dd-AFC4-6F175D3DCCD1}">
-              <a14:hiddenFill xmlns:a14="http://schemas.microsoft.com/office/drawing/2010/main" xmlns="">
+              <a14:hiddenFill xmlns="" xmlns:a14="http://schemas.microsoft.com/office/drawing/2010/main">
                 <a:solidFill>
                   <a:srgbClr val="FFFFFF"/>
                 </a:solidFill>
@@ -12208,7 +15857,7 @@
               </a:ln>
               <a:extLst>
                 <a:ext uri="{91240B29-F687-4f45-9708-019B960494DF}">
-                  <a14:hiddenLine xmlns:a14="http://schemas.microsoft.com/office/drawing/2010/main" xmlns="" w="9525">
+                  <a14:hiddenLine xmlns="" xmlns:a14="http://schemas.microsoft.com/office/drawing/2010/main" w="9525">
                     <a:solidFill>
                       <a:srgbClr val="000000"/>
                     </a:solidFill>
@@ -12298,7 +15947,7 @@
               </a:ln>
               <a:extLst>
                 <a:ext uri="{91240B29-F687-4f45-9708-019B960494DF}">
-                  <a14:hiddenLine xmlns:a14="http://schemas.microsoft.com/office/drawing/2010/main" xmlns="" w="9525">
+                  <a14:hiddenLine xmlns="" xmlns:a14="http://schemas.microsoft.com/office/drawing/2010/main" w="9525">
                     <a:solidFill>
                       <a:srgbClr val="000000"/>
                     </a:solidFill>
@@ -12388,7 +16037,7 @@
               </a:ln>
               <a:extLst>
                 <a:ext uri="{91240B29-F687-4f45-9708-019B960494DF}">
-                  <a14:hiddenLine xmlns:a14="http://schemas.microsoft.com/office/drawing/2010/main" xmlns="" w="9525">
+                  <a14:hiddenLine xmlns="" xmlns:a14="http://schemas.microsoft.com/office/drawing/2010/main" w="9525">
                     <a:solidFill>
                       <a:srgbClr val="000000"/>
                     </a:solidFill>
@@ -12450,7 +16099,7 @@
               </a:ln>
               <a:extLst>
                 <a:ext uri="{91240B29-F687-4f45-9708-019B960494DF}">
-                  <a14:hiddenLine xmlns:a14="http://schemas.microsoft.com/office/drawing/2010/main" xmlns="" w="9525">
+                  <a14:hiddenLine xmlns="" xmlns:a14="http://schemas.microsoft.com/office/drawing/2010/main" w="9525">
                     <a:solidFill>
                       <a:srgbClr val="000000"/>
                     </a:solidFill>
@@ -12540,7 +16189,7 @@
               </a:ln>
               <a:extLst>
                 <a:ext uri="{91240B29-F687-4f45-9708-019B960494DF}">
-                  <a14:hiddenLine xmlns:a14="http://schemas.microsoft.com/office/drawing/2010/main" xmlns="" w="9525">
+                  <a14:hiddenLine xmlns="" xmlns:a14="http://schemas.microsoft.com/office/drawing/2010/main" w="9525">
                     <a:solidFill>
                       <a:srgbClr val="000000"/>
                     </a:solidFill>
@@ -12602,7 +16251,7 @@
               </a:ln>
               <a:extLst>
                 <a:ext uri="{91240B29-F687-4f45-9708-019B960494DF}">
-                  <a14:hiddenLine xmlns:a14="http://schemas.microsoft.com/office/drawing/2010/main" xmlns="" w="9525">
+                  <a14:hiddenLine xmlns="" xmlns:a14="http://schemas.microsoft.com/office/drawing/2010/main" w="9525">
                     <a:solidFill>
                       <a:srgbClr val="000000"/>
                     </a:solidFill>
@@ -12664,7 +16313,7 @@
               </a:ln>
               <a:extLst>
                 <a:ext uri="{91240B29-F687-4f45-9708-019B960494DF}">
-                  <a14:hiddenLine xmlns:a14="http://schemas.microsoft.com/office/drawing/2010/main" xmlns="" w="9525">
+                  <a14:hiddenLine xmlns="" xmlns:a14="http://schemas.microsoft.com/office/drawing/2010/main" w="9525">
                     <a:solidFill>
                       <a:srgbClr val="000000"/>
                     </a:solidFill>
@@ -12754,7 +16403,7 @@
               </a:ln>
               <a:extLst>
                 <a:ext uri="{91240B29-F687-4f45-9708-019B960494DF}">
-                  <a14:hiddenLine xmlns:a14="http://schemas.microsoft.com/office/drawing/2010/main" xmlns="" w="9525">
+                  <a14:hiddenLine xmlns="" xmlns:a14="http://schemas.microsoft.com/office/drawing/2010/main" w="9525">
                     <a:solidFill>
                       <a:srgbClr val="000000"/>
                     </a:solidFill>
@@ -12844,7 +16493,7 @@
               </a:ln>
               <a:extLst>
                 <a:ext uri="{91240B29-F687-4f45-9708-019B960494DF}">
-                  <a14:hiddenLine xmlns:a14="http://schemas.microsoft.com/office/drawing/2010/main" xmlns="" w="9525">
+                  <a14:hiddenLine xmlns="" xmlns:a14="http://schemas.microsoft.com/office/drawing/2010/main" w="9525">
                     <a:solidFill>
                       <a:srgbClr val="000000"/>
                     </a:solidFill>
@@ -12906,7 +16555,7 @@
               </a:ln>
               <a:extLst>
                 <a:ext uri="{91240B29-F687-4f45-9708-019B960494DF}">
-                  <a14:hiddenLine xmlns:a14="http://schemas.microsoft.com/office/drawing/2010/main" xmlns="" w="9525">
+                  <a14:hiddenLine xmlns="" xmlns:a14="http://schemas.microsoft.com/office/drawing/2010/main" w="9525">
                     <a:solidFill>
                       <a:srgbClr val="000000"/>
                     </a:solidFill>
@@ -13016,7 +16665,7 @@
               </a:ln>
               <a:extLst>
                 <a:ext uri="{91240B29-F687-4f45-9708-019B960494DF}">
-                  <a14:hiddenLine xmlns:a14="http://schemas.microsoft.com/office/drawing/2010/main" xmlns="" w="9525">
+                  <a14:hiddenLine xmlns="" xmlns:a14="http://schemas.microsoft.com/office/drawing/2010/main" w="9525">
                     <a:solidFill>
                       <a:srgbClr val="000000"/>
                     </a:solidFill>
@@ -13100,7 +16749,7 @@
               </a:ln>
               <a:extLst>
                 <a:ext uri="{91240B29-F687-4f45-9708-019B960494DF}">
-                  <a14:hiddenLine xmlns:a14="http://schemas.microsoft.com/office/drawing/2010/main" xmlns="" w="9525">
+                  <a14:hiddenLine xmlns="" xmlns:a14="http://schemas.microsoft.com/office/drawing/2010/main" w="9525">
                     <a:solidFill>
                       <a:srgbClr val="000000"/>
                     </a:solidFill>
@@ -13162,7 +16811,7 @@
               </a:ln>
               <a:extLst>
                 <a:ext uri="{91240B29-F687-4f45-9708-019B960494DF}">
-                  <a14:hiddenLine xmlns:a14="http://schemas.microsoft.com/office/drawing/2010/main" xmlns="" w="9525">
+                  <a14:hiddenLine xmlns="" xmlns:a14="http://schemas.microsoft.com/office/drawing/2010/main" w="9525">
                     <a:solidFill>
                       <a:srgbClr val="000000"/>
                     </a:solidFill>
@@ -13224,7 +16873,7 @@
               </a:ln>
               <a:extLst>
                 <a:ext uri="{91240B29-F687-4f45-9708-019B960494DF}">
-                  <a14:hiddenLine xmlns:a14="http://schemas.microsoft.com/office/drawing/2010/main" xmlns="" w="9525">
+                  <a14:hiddenLine xmlns="" xmlns:a14="http://schemas.microsoft.com/office/drawing/2010/main" w="9525">
                     <a:solidFill>
                       <a:srgbClr val="000000"/>
                     </a:solidFill>
@@ -13314,7 +16963,7 @@
               </a:ln>
               <a:extLst>
                 <a:ext uri="{91240B29-F687-4f45-9708-019B960494DF}">
-                  <a14:hiddenLine xmlns:a14="http://schemas.microsoft.com/office/drawing/2010/main" xmlns="" w="9525">
+                  <a14:hiddenLine xmlns="" xmlns:a14="http://schemas.microsoft.com/office/drawing/2010/main" w="9525">
                     <a:solidFill>
                       <a:srgbClr val="000000"/>
                     </a:solidFill>
@@ -13348,7 +16997,7 @@
               </a:ln>
               <a:extLst>
                 <a:ext uri="{91240B29-F687-4f45-9708-019B960494DF}">
-                  <a14:hiddenLine xmlns:a14="http://schemas.microsoft.com/office/drawing/2010/main" xmlns="" w="9525">
+                  <a14:hiddenLine xmlns="" xmlns:a14="http://schemas.microsoft.com/office/drawing/2010/main" w="9525">
                     <a:solidFill>
                       <a:srgbClr val="000000"/>
                     </a:solidFill>
@@ -13413,7 +17062,7 @@
               </a:ln>
               <a:extLst>
                 <a:ext uri="{91240B29-F687-4f45-9708-019B960494DF}">
-                  <a14:hiddenLine xmlns:a14="http://schemas.microsoft.com/office/drawing/2010/main" xmlns="" w="9525">
+                  <a14:hiddenLine xmlns="" xmlns:a14="http://schemas.microsoft.com/office/drawing/2010/main" w="9525">
                     <a:solidFill>
                       <a:srgbClr val="000000"/>
                     </a:solidFill>
@@ -13503,7 +17152,7 @@
               </a:ln>
               <a:extLst>
                 <a:ext uri="{91240B29-F687-4f45-9708-019B960494DF}">
-                  <a14:hiddenLine xmlns:a14="http://schemas.microsoft.com/office/drawing/2010/main" xmlns="" w="9525">
+                  <a14:hiddenLine xmlns="" xmlns:a14="http://schemas.microsoft.com/office/drawing/2010/main" w="9525">
                     <a:solidFill>
                       <a:srgbClr val="000000"/>
                     </a:solidFill>
@@ -13565,7 +17214,7 @@
               </a:ln>
               <a:extLst>
                 <a:ext uri="{91240B29-F687-4f45-9708-019B960494DF}">
-                  <a14:hiddenLine xmlns:a14="http://schemas.microsoft.com/office/drawing/2010/main" xmlns="" w="9525">
+                  <a14:hiddenLine xmlns="" xmlns:a14="http://schemas.microsoft.com/office/drawing/2010/main" w="9525">
                     <a:solidFill>
                       <a:srgbClr val="000000"/>
                     </a:solidFill>
@@ -13655,7 +17304,7 @@
               </a:ln>
               <a:extLst>
                 <a:ext uri="{91240B29-F687-4f45-9708-019B960494DF}">
-                  <a14:hiddenLine xmlns:a14="http://schemas.microsoft.com/office/drawing/2010/main" xmlns="" w="9525">
+                  <a14:hiddenLine xmlns="" xmlns:a14="http://schemas.microsoft.com/office/drawing/2010/main" w="9525">
                     <a:solidFill>
                       <a:srgbClr val="000000"/>
                     </a:solidFill>
@@ -13720,7 +17369,7 @@
               </a:ln>
               <a:extLst>
                 <a:ext uri="{91240B29-F687-4f45-9708-019B960494DF}">
-                  <a14:hiddenLine xmlns:a14="http://schemas.microsoft.com/office/drawing/2010/main" xmlns="" w="9525">
+                  <a14:hiddenLine xmlns="" xmlns:a14="http://schemas.microsoft.com/office/drawing/2010/main" w="9525">
                     <a:solidFill>
                       <a:srgbClr val="000000"/>
                     </a:solidFill>
@@ -13782,7 +17431,7 @@
               </a:ln>
               <a:extLst>
                 <a:ext uri="{91240B29-F687-4f45-9708-019B960494DF}">
-                  <a14:hiddenLine xmlns:a14="http://schemas.microsoft.com/office/drawing/2010/main" xmlns="" w="9525">
+                  <a14:hiddenLine xmlns="" xmlns:a14="http://schemas.microsoft.com/office/drawing/2010/main" w="9525">
                     <a:solidFill>
                       <a:srgbClr val="000000"/>
                     </a:solidFill>
@@ -13872,7 +17521,7 @@
               </a:ln>
               <a:extLst>
                 <a:ext uri="{91240B29-F687-4f45-9708-019B960494DF}">
-                  <a14:hiddenLine xmlns:a14="http://schemas.microsoft.com/office/drawing/2010/main" xmlns="" w="9525">
+                  <a14:hiddenLine xmlns="" xmlns:a14="http://schemas.microsoft.com/office/drawing/2010/main" w="9525">
                     <a:solidFill>
                       <a:srgbClr val="000000"/>
                     </a:solidFill>
@@ -13962,7 +17611,7 @@
               </a:ln>
               <a:extLst>
                 <a:ext uri="{91240B29-F687-4f45-9708-019B960494DF}">
-                  <a14:hiddenLine xmlns:a14="http://schemas.microsoft.com/office/drawing/2010/main" xmlns="" w="9525">
+                  <a14:hiddenLine xmlns="" xmlns:a14="http://schemas.microsoft.com/office/drawing/2010/main" w="9525">
                     <a:solidFill>
                       <a:srgbClr val="000000"/>
                     </a:solidFill>
@@ -14027,7 +17676,7 @@
               </a:ln>
               <a:extLst>
                 <a:ext uri="{91240B29-F687-4f45-9708-019B960494DF}">
-                  <a14:hiddenLine xmlns:a14="http://schemas.microsoft.com/office/drawing/2010/main" xmlns="" w="9525">
+                  <a14:hiddenLine xmlns="" xmlns:a14="http://schemas.microsoft.com/office/drawing/2010/main" w="9525">
                     <a:solidFill>
                       <a:srgbClr val="000000"/>
                     </a:solidFill>
@@ -14147,7 +17796,7 @@
               </a:ln>
               <a:extLst>
                 <a:ext uri="{91240B29-F687-4f45-9708-019B960494DF}">
-                  <a14:hiddenLine xmlns:a14="http://schemas.microsoft.com/office/drawing/2010/main" xmlns="" w="9525">
+                  <a14:hiddenLine xmlns="" xmlns:a14="http://schemas.microsoft.com/office/drawing/2010/main" w="9525">
                     <a:solidFill>
                       <a:srgbClr val="000000"/>
                     </a:solidFill>
@@ -14228,7 +17877,7 @@
               </a:ln>
               <a:extLst>
                 <a:ext uri="{91240B29-F687-4f45-9708-019B960494DF}">
-                  <a14:hiddenLine xmlns:a14="http://schemas.microsoft.com/office/drawing/2010/main" xmlns="" w="9525">
+                  <a14:hiddenLine xmlns="" xmlns:a14="http://schemas.microsoft.com/office/drawing/2010/main" w="9525">
                     <a:solidFill>
                       <a:srgbClr val="000000"/>
                     </a:solidFill>
@@ -14343,7 +17992,7 @@
               </a:ln>
               <a:extLst>
                 <a:ext uri="{91240B29-F687-4f45-9708-019B960494DF}">
-                  <a14:hiddenLine xmlns:a14="http://schemas.microsoft.com/office/drawing/2010/main" xmlns="" w="9525">
+                  <a14:hiddenLine xmlns="" xmlns:a14="http://schemas.microsoft.com/office/drawing/2010/main" w="9525">
                     <a:solidFill>
                       <a:srgbClr val="000000"/>
                     </a:solidFill>
@@ -14433,7 +18082,7 @@
               </a:ln>
               <a:extLst>
                 <a:ext uri="{91240B29-F687-4f45-9708-019B960494DF}">
-                  <a14:hiddenLine xmlns:a14="http://schemas.microsoft.com/office/drawing/2010/main" xmlns="" w="9525">
+                  <a14:hiddenLine xmlns="" xmlns:a14="http://schemas.microsoft.com/office/drawing/2010/main" w="9525">
                     <a:solidFill>
                       <a:srgbClr val="000000"/>
                     </a:solidFill>
@@ -14498,7 +18147,7 @@
               </a:ln>
               <a:extLst>
                 <a:ext uri="{91240B29-F687-4f45-9708-019B960494DF}">
-                  <a14:hiddenLine xmlns:a14="http://schemas.microsoft.com/office/drawing/2010/main" xmlns="" w="9525">
+                  <a14:hiddenLine xmlns="" xmlns:a14="http://schemas.microsoft.com/office/drawing/2010/main" w="9525">
                     <a:solidFill>
                       <a:srgbClr val="000000"/>
                     </a:solidFill>
@@ -14588,7 +18237,7 @@
               </a:ln>
               <a:extLst>
                 <a:ext uri="{91240B29-F687-4f45-9708-019B960494DF}">
-                  <a14:hiddenLine xmlns:a14="http://schemas.microsoft.com/office/drawing/2010/main" xmlns="" w="9525">
+                  <a14:hiddenLine xmlns="" xmlns:a14="http://schemas.microsoft.com/office/drawing/2010/main" w="9525">
                     <a:solidFill>
                       <a:srgbClr val="000000"/>
                     </a:solidFill>
@@ -14656,7 +18305,7 @@
               </a:ln>
               <a:extLst>
                 <a:ext uri="{91240B29-F687-4f45-9708-019B960494DF}">
-                  <a14:hiddenLine xmlns:a14="http://schemas.microsoft.com/office/drawing/2010/main" xmlns="" w="9525">
+                  <a14:hiddenLine xmlns="" xmlns:a14="http://schemas.microsoft.com/office/drawing/2010/main" w="9525">
                     <a:solidFill>
                       <a:srgbClr val="000000"/>
                     </a:solidFill>
@@ -14746,7 +18395,7 @@
               </a:ln>
               <a:extLst>
                 <a:ext uri="{91240B29-F687-4f45-9708-019B960494DF}">
-                  <a14:hiddenLine xmlns:a14="http://schemas.microsoft.com/office/drawing/2010/main" xmlns="" w="9525">
+                  <a14:hiddenLine xmlns="" xmlns:a14="http://schemas.microsoft.com/office/drawing/2010/main" w="9525">
                     <a:solidFill>
                       <a:srgbClr val="000000"/>
                     </a:solidFill>
@@ -14814,7 +18463,7 @@
               </a:ln>
               <a:extLst>
                 <a:ext uri="{91240B29-F687-4f45-9708-019B960494DF}">
-                  <a14:hiddenLine xmlns:a14="http://schemas.microsoft.com/office/drawing/2010/main" xmlns="" w="9525">
+                  <a14:hiddenLine xmlns="" xmlns:a14="http://schemas.microsoft.com/office/drawing/2010/main" w="9525">
                     <a:solidFill>
                       <a:srgbClr val="000000"/>
                     </a:solidFill>
@@ -14904,7 +18553,7 @@
               </a:ln>
               <a:extLst>
                 <a:ext uri="{91240B29-F687-4f45-9708-019B960494DF}">
-                  <a14:hiddenLine xmlns:a14="http://schemas.microsoft.com/office/drawing/2010/main" xmlns="" w="9525">
+                  <a14:hiddenLine xmlns="" xmlns:a14="http://schemas.microsoft.com/office/drawing/2010/main" w="9525">
                     <a:solidFill>
                       <a:srgbClr val="000000"/>
                     </a:solidFill>
@@ -14938,7 +18587,7 @@
               </a:ln>
               <a:extLst>
                 <a:ext uri="{91240B29-F687-4f45-9708-019B960494DF}">
-                  <a14:hiddenLine xmlns:a14="http://schemas.microsoft.com/office/drawing/2010/main" xmlns="" w="9525">
+                  <a14:hiddenLine xmlns="" xmlns:a14="http://schemas.microsoft.com/office/drawing/2010/main" w="9525">
                     <a:solidFill>
                       <a:srgbClr val="000000"/>
                     </a:solidFill>
@@ -15078,7 +18727,7 @@
           <a:p>
             <a:fld id="{1158C0B5-11AA-4852-AD13-EA4FE1602433}" type="datetimeFigureOut">
               <a:rPr lang="en-US" smtClean="0"/>
-              <a:t>5/3/2020</a:t>
+              <a:t>5/11/2020</a:t>
             </a:fld>
             <a:endParaRPr lang="en-US"/>
           </a:p>
@@ -15734,13 +19383,13 @@
   <p:clrMapOvr>
     <a:masterClrMapping/>
   </p:clrMapOvr>
-  <mc:AlternateContent xmlns:mc="http://schemas.openxmlformats.org/markup-compatibility/2006">
-    <mc:Choice xmlns:p14="http://schemas.microsoft.com/office/powerpoint/2010/main" Requires="p14">
+  <mc:AlternateContent xmlns:mc="http://schemas.openxmlformats.org/markup-compatibility/2006" xmlns:p14="http://schemas.microsoft.com/office/powerpoint/2010/main">
+    <mc:Choice Requires="p14">
       <p:transition spd="med" p14:dur="700">
         <p:fade/>
       </p:transition>
     </mc:Choice>
-    <mc:Fallback>
+    <mc:Fallback xmlns="">
       <p:transition spd="med">
         <p:fade/>
       </p:transition>
@@ -15750,6 +19399,123 @@
 </file>
 
 <file path=ppt/slides/slide10.xml><?xml version="1.0" encoding="utf-8"?>
+<p:sld xmlns:a="http://schemas.openxmlformats.org/drawingml/2006/main" xmlns:r="http://schemas.openxmlformats.org/officeDocument/2006/relationships" xmlns:p="http://schemas.openxmlformats.org/presentationml/2006/main">
+  <p:cSld>
+    <p:spTree>
+      <p:nvGrpSpPr>
+        <p:cNvPr id="1" name=""/>
+        <p:cNvGrpSpPr/>
+        <p:nvPr/>
+      </p:nvGrpSpPr>
+      <p:grpSpPr>
+        <a:xfrm>
+          <a:off x="0" y="0"/>
+          <a:ext cx="0" cy="0"/>
+          <a:chOff x="0" y="0"/>
+          <a:chExt cx="0" cy="0"/>
+        </a:xfrm>
+      </p:grpSpPr>
+      <p:sp>
+        <p:nvSpPr>
+          <p:cNvPr id="2" name="Title 1">
+            <a:extLst>
+              <a:ext uri="{FF2B5EF4-FFF2-40B4-BE49-F238E27FC236}">
+                <a16:creationId xmlns:a16="http://schemas.microsoft.com/office/drawing/2014/main" id="{CF338372-E52E-493E-AA00-1FA43D7BA433}"/>
+              </a:ext>
+            </a:extLst>
+          </p:cNvPr>
+          <p:cNvSpPr>
+            <a:spLocks noGrp="1"/>
+          </p:cNvSpPr>
+          <p:nvPr>
+            <p:ph type="title"/>
+          </p:nvPr>
+        </p:nvSpPr>
+        <p:spPr/>
+        <p:txBody>
+          <a:bodyPr/>
+          <a:lstStyle/>
+          <a:p>
+            <a:r>
+              <a:rPr lang="ru-RU" dirty="0"/>
+              <a:t>Вывод работы</a:t>
+            </a:r>
+            <a:endParaRPr lang="en-US" dirty="0"/>
+          </a:p>
+        </p:txBody>
+      </p:sp>
+      <p:sp>
+        <p:nvSpPr>
+          <p:cNvPr id="3" name="Content Placeholder 2">
+            <a:extLst>
+              <a:ext uri="{FF2B5EF4-FFF2-40B4-BE49-F238E27FC236}">
+                <a16:creationId xmlns:a16="http://schemas.microsoft.com/office/drawing/2014/main" id="{4DADA4DE-F4F6-4171-ADF2-9727A00EA244}"/>
+              </a:ext>
+            </a:extLst>
+          </p:cNvPr>
+          <p:cNvSpPr>
+            <a:spLocks noGrp="1"/>
+          </p:cNvSpPr>
+          <p:nvPr>
+            <p:ph idx="1"/>
+          </p:nvPr>
+        </p:nvSpPr>
+        <p:spPr>
+          <a:xfrm>
+            <a:off x="1141412" y="1881842"/>
+            <a:ext cx="9905999" cy="3541714"/>
+          </a:xfrm>
+        </p:spPr>
+        <p:txBody>
+          <a:bodyPr/>
+          <a:lstStyle/>
+          <a:p>
+            <a:pPr marL="0" indent="0">
+              <a:buNone/>
+            </a:pPr>
+            <a:r>
+              <a:rPr lang="ru-RU" dirty="0"/>
+              <a:t>Создать систему распознавания лиц с мгновенным добавлением новой личности возможно, и работает она неплохо, однако сама эта идея накладывает определенные ограничения на максимальную точность распознавания. </a:t>
+            </a:r>
+          </a:p>
+          <a:p>
+            <a:pPr marL="0" indent="0">
+              <a:buNone/>
+            </a:pPr>
+            <a:r>
+              <a:rPr lang="ru-RU" dirty="0"/>
+              <a:t>Если требуется по-настоящему надежная и стойкая система, то добавлять новую личность в базу данных придется дольше: необходимы фотографии с разными ракурсами, с разными выражениями лица и т.д.</a:t>
+            </a:r>
+            <a:endParaRPr lang="en-US" dirty="0"/>
+          </a:p>
+        </p:txBody>
+      </p:sp>
+    </p:spTree>
+    <p:extLst>
+      <p:ext uri="{BB962C8B-B14F-4D97-AF65-F5344CB8AC3E}">
+        <p14:creationId xmlns:p14="http://schemas.microsoft.com/office/powerpoint/2010/main" val="1113945700"/>
+      </p:ext>
+    </p:extLst>
+  </p:cSld>
+  <p:clrMapOvr>
+    <a:masterClrMapping/>
+  </p:clrMapOvr>
+  <mc:AlternateContent xmlns:mc="http://schemas.openxmlformats.org/markup-compatibility/2006" xmlns:p14="http://schemas.microsoft.com/office/powerpoint/2010/main">
+    <mc:Choice Requires="p14">
+      <p:transition spd="med" p14:dur="700">
+        <p:fade/>
+      </p:transition>
+    </mc:Choice>
+    <mc:Fallback xmlns="">
+      <p:transition spd="med">
+        <p:fade/>
+      </p:transition>
+    </mc:Fallback>
+  </mc:AlternateContent>
+</p:sld>
+</file>
+
+<file path=ppt/slides/slide11.xml><?xml version="1.0" encoding="utf-8"?>
 <p:sld xmlns:a="http://schemas.openxmlformats.org/drawingml/2006/main" xmlns:r="http://schemas.openxmlformats.org/officeDocument/2006/relationships" xmlns:p="http://schemas.openxmlformats.org/presentationml/2006/main">
   <p:cSld>
     <p:spTree>
@@ -15853,13 +19619,13 @@
   <p:clrMapOvr>
     <a:masterClrMapping/>
   </p:clrMapOvr>
-  <mc:AlternateContent xmlns:mc="http://schemas.openxmlformats.org/markup-compatibility/2006">
-    <mc:Choice xmlns:p14="http://schemas.microsoft.com/office/powerpoint/2010/main" Requires="p14">
+  <mc:AlternateContent xmlns:mc="http://schemas.openxmlformats.org/markup-compatibility/2006" xmlns:p14="http://schemas.microsoft.com/office/powerpoint/2010/main">
+    <mc:Choice Requires="p14">
       <p:transition spd="med" p14:dur="700">
         <p:fade/>
       </p:transition>
     </mc:Choice>
-    <mc:Fallback>
+    <mc:Fallback xmlns="">
       <p:transition spd="med">
         <p:fade/>
       </p:transition>
@@ -16202,15 +19968,6 @@
           <a:effectLst>
             <a:reflection blurRad="12700" stA="38000" endPos="28000" dist="5000" dir="5400000" sy="-100000" algn="bl" rotWithShape="0"/>
           </a:effectLst>
-          <a:extLst>
-            <a:ext uri="{909E8E84-426E-40DD-AFC4-6F175D3DCCD1}">
-              <a14:hiddenFill xmlns:a14="http://schemas.microsoft.com/office/drawing/2010/main">
-                <a:solidFill>
-                  <a:srgbClr val="FFFFFF"/>
-                </a:solidFill>
-              </a14:hiddenFill>
-            </a:ext>
-          </a:extLst>
         </p:spPr>
       </p:pic>
     </p:spTree>
@@ -16223,13 +19980,13 @@
   <p:clrMapOvr>
     <a:masterClrMapping/>
   </p:clrMapOvr>
-  <mc:AlternateContent xmlns:mc="http://schemas.openxmlformats.org/markup-compatibility/2006">
-    <mc:Choice xmlns:p14="http://schemas.microsoft.com/office/powerpoint/2010/main" Requires="p14">
+  <mc:AlternateContent xmlns:mc="http://schemas.openxmlformats.org/markup-compatibility/2006" xmlns:p14="http://schemas.microsoft.com/office/powerpoint/2010/main">
+    <mc:Choice Requires="p14">
       <p:transition spd="med" p14:dur="700">
         <p:fade/>
       </p:transition>
     </mc:Choice>
-    <mc:Fallback>
+    <mc:Fallback xmlns="">
       <p:transition spd="med">
         <p:fade/>
       </p:transition>
@@ -16373,15 +20130,6 @@
           <a:effectLst>
             <a:reflection blurRad="12700" stA="38000" endPos="28000" dist="5000" dir="5400000" sy="-100000" algn="bl" rotWithShape="0"/>
           </a:effectLst>
-          <a:extLst>
-            <a:ext uri="{909E8E84-426E-40DD-AFC4-6F175D3DCCD1}">
-              <a14:hiddenFill xmlns:a14="http://schemas.microsoft.com/office/drawing/2010/main">
-                <a:solidFill>
-                  <a:srgbClr val="FFFFFF"/>
-                </a:solidFill>
-              </a14:hiddenFill>
-            </a:ext>
-          </a:extLst>
         </p:spPr>
       </p:pic>
     </p:spTree>
@@ -16394,13 +20142,13 @@
   <p:clrMapOvr>
     <a:masterClrMapping/>
   </p:clrMapOvr>
-  <mc:AlternateContent xmlns:mc="http://schemas.openxmlformats.org/markup-compatibility/2006">
-    <mc:Choice xmlns:p14="http://schemas.microsoft.com/office/powerpoint/2010/main" Requires="p14">
+  <mc:AlternateContent xmlns:mc="http://schemas.openxmlformats.org/markup-compatibility/2006" xmlns:p14="http://schemas.microsoft.com/office/powerpoint/2010/main">
+    <mc:Choice Requires="p14">
       <p:transition spd="med" p14:dur="700">
         <p:fade/>
       </p:transition>
     </mc:Choice>
-    <mc:Fallback>
+    <mc:Fallback xmlns="">
       <p:transition spd="med">
         <p:fade/>
       </p:transition>
@@ -16520,15 +20268,6 @@
           <a:effectLst>
             <a:reflection blurRad="12700" stA="38000" endPos="28000" dist="5000" dir="5400000" sy="-100000" algn="bl" rotWithShape="0"/>
           </a:effectLst>
-          <a:extLst>
-            <a:ext uri="{909E8E84-426E-40DD-AFC4-6F175D3DCCD1}">
-              <a14:hiddenFill xmlns:a14="http://schemas.microsoft.com/office/drawing/2010/main">
-                <a:solidFill>
-                  <a:srgbClr val="FFFFFF"/>
-                </a:solidFill>
-              </a14:hiddenFill>
-            </a:ext>
-          </a:extLst>
         </p:spPr>
       </p:pic>
     </p:spTree>
@@ -16541,13 +20280,13 @@
   <p:clrMapOvr>
     <a:masterClrMapping/>
   </p:clrMapOvr>
-  <mc:AlternateContent xmlns:mc="http://schemas.openxmlformats.org/markup-compatibility/2006">
-    <mc:Choice xmlns:p14="http://schemas.microsoft.com/office/powerpoint/2010/main" Requires="p14">
+  <mc:AlternateContent xmlns:mc="http://schemas.openxmlformats.org/markup-compatibility/2006" xmlns:p14="http://schemas.microsoft.com/office/powerpoint/2010/main">
+    <mc:Choice Requires="p14">
       <p:transition spd="med" p14:dur="700">
         <p:fade/>
       </p:transition>
     </mc:Choice>
-    <mc:Fallback>
+    <mc:Fallback xmlns="">
       <p:transition spd="med">
         <p:fade/>
       </p:transition>
@@ -16662,15 +20401,6 @@
           <a:effectLst>
             <a:reflection blurRad="12700" stA="38000" endPos="28000" dist="5000" dir="5400000" sy="-100000" algn="bl" rotWithShape="0"/>
           </a:effectLst>
-          <a:extLst>
-            <a:ext uri="{909E8E84-426E-40DD-AFC4-6F175D3DCCD1}">
-              <a14:hiddenFill xmlns:a14="http://schemas.microsoft.com/office/drawing/2010/main">
-                <a:solidFill>
-                  <a:srgbClr val="FFFFFF"/>
-                </a:solidFill>
-              </a14:hiddenFill>
-            </a:ext>
-          </a:extLst>
         </p:spPr>
       </p:pic>
       <p:pic>
@@ -17091,13 +20821,13 @@
   <p:clrMapOvr>
     <a:masterClrMapping/>
   </p:clrMapOvr>
-  <mc:AlternateContent xmlns:mc="http://schemas.openxmlformats.org/markup-compatibility/2006">
-    <mc:Choice xmlns:p14="http://schemas.microsoft.com/office/powerpoint/2010/main" Requires="p14">
+  <mc:AlternateContent xmlns:mc="http://schemas.openxmlformats.org/markup-compatibility/2006" xmlns:p14="http://schemas.microsoft.com/office/powerpoint/2010/main">
+    <mc:Choice Requires="p14">
       <p:transition spd="med" p14:dur="700">
         <p:fade/>
       </p:transition>
     </mc:Choice>
-    <mc:Fallback>
+    <mc:Fallback xmlns="">
       <p:transition spd="med">
         <p:fade/>
       </p:transition>
@@ -17247,15 +20977,6 @@
           <a:effectLst>
             <a:reflection blurRad="12700" stA="38000" endPos="28000" dist="5000" dir="5400000" sy="-100000" algn="bl" rotWithShape="0"/>
           </a:effectLst>
-          <a:extLst>
-            <a:ext uri="{909E8E84-426E-40DD-AFC4-6F175D3DCCD1}">
-              <a14:hiddenFill xmlns:a14="http://schemas.microsoft.com/office/drawing/2010/main">
-                <a:solidFill>
-                  <a:srgbClr val="FFFFFF"/>
-                </a:solidFill>
-              </a14:hiddenFill>
-            </a:ext>
-          </a:extLst>
         </p:spPr>
       </p:pic>
     </p:spTree>
@@ -17268,13 +20989,13 @@
   <p:clrMapOvr>
     <a:masterClrMapping/>
   </p:clrMapOvr>
-  <mc:AlternateContent xmlns:mc="http://schemas.openxmlformats.org/markup-compatibility/2006">
-    <mc:Choice xmlns:p14="http://schemas.microsoft.com/office/powerpoint/2010/main" Requires="p14">
+  <mc:AlternateContent xmlns:mc="http://schemas.openxmlformats.org/markup-compatibility/2006" xmlns:p14="http://schemas.microsoft.com/office/powerpoint/2010/main">
+    <mc:Choice Requires="p14">
       <p:transition spd="med" p14:dur="700">
         <p:fade/>
       </p:transition>
     </mc:Choice>
-    <mc:Fallback>
+    <mc:Fallback xmlns="">
       <p:transition spd="med">
         <p:fade/>
       </p:transition>
@@ -17373,13 +21094,13 @@
   <p:clrMapOvr>
     <a:masterClrMapping/>
   </p:clrMapOvr>
-  <mc:AlternateContent xmlns:mc="http://schemas.openxmlformats.org/markup-compatibility/2006">
-    <mc:Choice xmlns:p14="http://schemas.microsoft.com/office/powerpoint/2010/main" Requires="p14">
+  <mc:AlternateContent xmlns:mc="http://schemas.openxmlformats.org/markup-compatibility/2006" xmlns:p14="http://schemas.microsoft.com/office/powerpoint/2010/main">
+    <mc:Choice Requires="p14">
       <p:transition spd="med" p14:dur="700">
         <p:fade/>
       </p:transition>
     </mc:Choice>
-    <mc:Fallback>
+    <mc:Fallback xmlns="">
       <p:transition spd="med">
         <p:fade/>
       </p:transition>
@@ -17566,13 +21287,13 @@
   <p:clrMapOvr>
     <a:masterClrMapping/>
   </p:clrMapOvr>
-  <mc:AlternateContent xmlns:mc="http://schemas.openxmlformats.org/markup-compatibility/2006">
-    <mc:Choice xmlns:p14="http://schemas.microsoft.com/office/powerpoint/2010/main" Requires="p14">
+  <mc:AlternateContent xmlns:mc="http://schemas.openxmlformats.org/markup-compatibility/2006" xmlns:p14="http://schemas.microsoft.com/office/powerpoint/2010/main">
+    <mc:Choice Requires="p14">
       <p:transition spd="med" p14:dur="700">
         <p:fade/>
       </p:transition>
     </mc:Choice>
-    <mc:Fallback>
+    <mc:Fallback xmlns="">
       <p:transition spd="med">
         <p:fade/>
       </p:transition>
@@ -17603,7 +21324,7 @@
           <p:cNvPr id="2" name="Title 1">
             <a:extLst>
               <a:ext uri="{FF2B5EF4-FFF2-40B4-BE49-F238E27FC236}">
-                <a16:creationId xmlns:a16="http://schemas.microsoft.com/office/drawing/2014/main" id="{CF338372-E52E-493E-AA00-1FA43D7BA433}"/>
+                <a16:creationId xmlns:a16="http://schemas.microsoft.com/office/drawing/2014/main" id="{260F5084-AB5A-48DD-AA00-ECAA89015267}"/>
               </a:ext>
             </a:extLst>
           </p:cNvPr>
@@ -17621,7 +21342,11 @@
           <a:p>
             <a:r>
               <a:rPr lang="ru-RU" dirty="0"/>
-              <a:t>Вывод работы</a:t>
+              <a:t>Автоматическое </a:t>
+            </a:r>
+            <a:r>
+              <a:rPr lang="ru-RU" dirty="0" err="1"/>
+              <a:t>дообучение</a:t>
             </a:r>
             <a:endParaRPr lang="en-US" dirty="0"/>
           </a:p>
@@ -17632,7 +21357,7 @@
           <p:cNvPr id="3" name="Content Placeholder 2">
             <a:extLst>
               <a:ext uri="{FF2B5EF4-FFF2-40B4-BE49-F238E27FC236}">
-                <a16:creationId xmlns:a16="http://schemas.microsoft.com/office/drawing/2014/main" id="{4DADA4DE-F4F6-4171-ADF2-9727A00EA244}"/>
+                <a16:creationId xmlns:a16="http://schemas.microsoft.com/office/drawing/2014/main" id="{7FBBF04E-0DB8-43BA-BFBD-B76BB117BCB3}"/>
               </a:ext>
             </a:extLst>
           </p:cNvPr>
@@ -17645,38 +21370,141 @@
         </p:nvSpPr>
         <p:spPr>
           <a:xfrm>
-            <a:off x="1141412" y="1881842"/>
-            <a:ext cx="9905999" cy="3541714"/>
+            <a:off x="1141413" y="1966682"/>
+            <a:ext cx="4954588" cy="3989995"/>
           </a:xfrm>
         </p:spPr>
         <p:txBody>
           <a:bodyPr/>
           <a:lstStyle/>
           <a:p>
-            <a:pPr marL="0" indent="0">
-              <a:buNone/>
-            </a:pPr>
             <a:r>
               <a:rPr lang="ru-RU" dirty="0"/>
-              <a:t>Создать систему распознавания лиц с мгновенным добавлением новой личности возможно, и работает она неплохо, однако сама эта идея накладывает определенные ограничения на максимальную точность распознавания. </a:t>
+              <a:t>Было испытано автоматическое </a:t>
+            </a:r>
+            <a:r>
+              <a:rPr lang="ru-RU" dirty="0" err="1"/>
+              <a:t>дообучение</a:t>
+            </a:r>
+            <a:r>
+              <a:rPr lang="ru-RU" dirty="0"/>
+              <a:t> по алгоритму, представленному справа</a:t>
             </a:r>
           </a:p>
           <a:p>
-            <a:pPr marL="0" indent="0">
-              <a:buNone/>
-            </a:pPr>
             <a:r>
               <a:rPr lang="ru-RU" dirty="0"/>
-              <a:t>Если требуется по-настоящему надежная и стойкая система, то добавлять новую личность в базу данных придется дольше: необходимы фотографии с разными ракурсами, с разными выражениями лица и т.д.</a:t>
+              <a:t>Однако, в результате тестов выяснилось, что ложные распознавания почти не отличаются от правильных по </a:t>
             </a:r>
-            <a:endParaRPr lang="en-US" dirty="0"/>
+            <a:r>
+              <a:rPr lang="en-US" dirty="0"/>
+              <a:t>confidence score</a:t>
+            </a:r>
+          </a:p>
+        </p:txBody>
+      </p:sp>
+      <p:graphicFrame>
+        <p:nvGraphicFramePr>
+          <p:cNvPr id="5" name="Diagram 4">
+            <a:extLst>
+              <a:ext uri="{FF2B5EF4-FFF2-40B4-BE49-F238E27FC236}">
+                <a16:creationId xmlns:a16="http://schemas.microsoft.com/office/drawing/2014/main" id="{7BCEEBC1-3B9B-4C5A-80BC-CDA7D646E329}"/>
+              </a:ext>
+            </a:extLst>
+          </p:cNvPr>
+          <p:cNvGraphicFramePr/>
+          <p:nvPr>
+            <p:extLst>
+              <p:ext uri="{D42A27DB-BD31-4B8C-83A1-F6EECF244321}">
+                <p14:modId xmlns:p14="http://schemas.microsoft.com/office/powerpoint/2010/main" val="658128696"/>
+              </p:ext>
+            </p:extLst>
+          </p:nvPr>
+        </p:nvGraphicFramePr>
+        <p:xfrm>
+          <a:off x="6094413" y="1759468"/>
+          <a:ext cx="4644924" cy="3561562"/>
+        </p:xfrm>
+        <a:graphic>
+          <a:graphicData uri="http://schemas.openxmlformats.org/drawingml/2006/diagram">
+            <dgm:relIds xmlns:dgm="http://schemas.openxmlformats.org/drawingml/2006/diagram" xmlns:r="http://schemas.openxmlformats.org/officeDocument/2006/relationships" r:dm="rId2" r:lo="rId3" r:qs="rId4" r:cs="rId5"/>
+          </a:graphicData>
+        </a:graphic>
+      </p:graphicFrame>
+      <p:sp>
+        <p:nvSpPr>
+          <p:cNvPr id="6" name="TextBox 5">
+            <a:extLst>
+              <a:ext uri="{FF2B5EF4-FFF2-40B4-BE49-F238E27FC236}">
+                <a16:creationId xmlns:a16="http://schemas.microsoft.com/office/drawing/2014/main" id="{D6CF30D1-13E9-4624-B85A-1E117BCE49A5}"/>
+              </a:ext>
+            </a:extLst>
+          </p:cNvPr>
+          <p:cNvSpPr txBox="1"/>
+          <p:nvPr/>
+        </p:nvSpPr>
+        <p:spPr>
+          <a:xfrm>
+            <a:off x="7431932" y="3420932"/>
+            <a:ext cx="485197" cy="369332"/>
+          </a:xfrm>
+          <a:prstGeom prst="rect">
+            <a:avLst/>
+          </a:prstGeom>
+          <a:noFill/>
+        </p:spPr>
+        <p:txBody>
+          <a:bodyPr wrap="none" rtlCol="0">
+            <a:spAutoFit/>
+          </a:bodyPr>
+          <a:lstStyle/>
+          <a:p>
+            <a:r>
+              <a:rPr lang="en-US" dirty="0"/>
+              <a:t>Yes</a:t>
+            </a:r>
+          </a:p>
+        </p:txBody>
+      </p:sp>
+      <p:sp>
+        <p:nvSpPr>
+          <p:cNvPr id="7" name="TextBox 6">
+            <a:extLst>
+              <a:ext uri="{FF2B5EF4-FFF2-40B4-BE49-F238E27FC236}">
+                <a16:creationId xmlns:a16="http://schemas.microsoft.com/office/drawing/2014/main" id="{60B191E6-13E2-4D1F-9AE7-CAFE93664A2A}"/>
+              </a:ext>
+            </a:extLst>
+          </p:cNvPr>
+          <p:cNvSpPr txBox="1"/>
+          <p:nvPr/>
+        </p:nvSpPr>
+        <p:spPr>
+          <a:xfrm>
+            <a:off x="9026075" y="3420932"/>
+            <a:ext cx="453970" cy="369332"/>
+          </a:xfrm>
+          <a:prstGeom prst="rect">
+            <a:avLst/>
+          </a:prstGeom>
+          <a:noFill/>
+        </p:spPr>
+        <p:txBody>
+          <a:bodyPr wrap="none" rtlCol="0">
+            <a:spAutoFit/>
+          </a:bodyPr>
+          <a:lstStyle/>
+          <a:p>
+            <a:r>
+              <a:rPr lang="en-US" dirty="0"/>
+              <a:t>No</a:t>
+            </a:r>
           </a:p>
         </p:txBody>
       </p:sp>
     </p:spTree>
     <p:extLst>
       <p:ext uri="{BB962C8B-B14F-4D97-AF65-F5344CB8AC3E}">
-        <p14:creationId xmlns:p14="http://schemas.microsoft.com/office/powerpoint/2010/main" val="1113945700"/>
+        <p14:creationId xmlns:p14="http://schemas.microsoft.com/office/powerpoint/2010/main" val="1889834692"/>
       </p:ext>
     </p:extLst>
   </p:cSld>

--- a/presentation.pptx
+++ b/presentation.pptx
@@ -6884,7 +6884,7 @@
           <a:noFill/>
           <a:extLst>
             <a:ext uri="{909E8E84-426E-40dd-AFC4-6F175D3DCCD1}">
-              <a14:hiddenFill xmlns="" xmlns:a14="http://schemas.microsoft.com/office/drawing/2010/main">
+              <a14:hiddenFill xmlns:a14="http://schemas.microsoft.com/office/drawing/2010/main" xmlns="">
                 <a:solidFill>
                   <a:srgbClr val="FFFFFF"/>
                 </a:solidFill>
@@ -6943,7 +6943,7 @@
             </a:ln>
             <a:extLst>
               <a:ext uri="{91240B29-F687-4f45-9708-019B960494DF}">
-                <a14:hiddenLine xmlns="" xmlns:a14="http://schemas.microsoft.com/office/drawing/2010/main" w="9525">
+                <a14:hiddenLine xmlns:a14="http://schemas.microsoft.com/office/drawing/2010/main" xmlns="" w="9525">
                   <a:solidFill>
                     <a:srgbClr val="000000"/>
                   </a:solidFill>
@@ -7033,7 +7033,7 @@
             </a:ln>
             <a:extLst>
               <a:ext uri="{91240B29-F687-4f45-9708-019B960494DF}">
-                <a14:hiddenLine xmlns="" xmlns:a14="http://schemas.microsoft.com/office/drawing/2010/main" w="9525">
+                <a14:hiddenLine xmlns:a14="http://schemas.microsoft.com/office/drawing/2010/main" xmlns="" w="9525">
                   <a:solidFill>
                     <a:srgbClr val="000000"/>
                   </a:solidFill>
@@ -7123,7 +7123,7 @@
             </a:ln>
             <a:extLst>
               <a:ext uri="{91240B29-F687-4f45-9708-019B960494DF}">
-                <a14:hiddenLine xmlns="" xmlns:a14="http://schemas.microsoft.com/office/drawing/2010/main" w="9525">
+                <a14:hiddenLine xmlns:a14="http://schemas.microsoft.com/office/drawing/2010/main" xmlns="" w="9525">
                   <a:solidFill>
                     <a:srgbClr val="000000"/>
                   </a:solidFill>
@@ -7157,7 +7157,7 @@
             </a:ln>
             <a:extLst>
               <a:ext uri="{91240B29-F687-4f45-9708-019B960494DF}">
-                <a14:hiddenLine xmlns="" xmlns:a14="http://schemas.microsoft.com/office/drawing/2010/main" w="9525">
+                <a14:hiddenLine xmlns:a14="http://schemas.microsoft.com/office/drawing/2010/main" xmlns="" w="9525">
                   <a:solidFill>
                     <a:srgbClr val="000000"/>
                   </a:solidFill>
@@ -7247,7 +7247,7 @@
             </a:ln>
             <a:extLst>
               <a:ext uri="{91240B29-F687-4f45-9708-019B960494DF}">
-                <a14:hiddenLine xmlns="" xmlns:a14="http://schemas.microsoft.com/office/drawing/2010/main" w="9525">
+                <a14:hiddenLine xmlns:a14="http://schemas.microsoft.com/office/drawing/2010/main" xmlns="" w="9525">
                   <a:solidFill>
                     <a:srgbClr val="000000"/>
                   </a:solidFill>
@@ -7309,7 +7309,7 @@
             </a:ln>
             <a:extLst>
               <a:ext uri="{91240B29-F687-4f45-9708-019B960494DF}">
-                <a14:hiddenLine xmlns="" xmlns:a14="http://schemas.microsoft.com/office/drawing/2010/main" w="9525">
+                <a14:hiddenLine xmlns:a14="http://schemas.microsoft.com/office/drawing/2010/main" xmlns="" w="9525">
                   <a:solidFill>
                     <a:srgbClr val="000000"/>
                   </a:solidFill>
@@ -7371,7 +7371,7 @@
             </a:ln>
             <a:extLst>
               <a:ext uri="{91240B29-F687-4f45-9708-019B960494DF}">
-                <a14:hiddenLine xmlns="" xmlns:a14="http://schemas.microsoft.com/office/drawing/2010/main" w="9525">
+                <a14:hiddenLine xmlns:a14="http://schemas.microsoft.com/office/drawing/2010/main" xmlns="" w="9525">
                   <a:solidFill>
                     <a:srgbClr val="000000"/>
                   </a:solidFill>
@@ -7461,7 +7461,7 @@
             </a:ln>
             <a:extLst>
               <a:ext uri="{91240B29-F687-4f45-9708-019B960494DF}">
-                <a14:hiddenLine xmlns="" xmlns:a14="http://schemas.microsoft.com/office/drawing/2010/main" w="9525">
+                <a14:hiddenLine xmlns:a14="http://schemas.microsoft.com/office/drawing/2010/main" xmlns="" w="9525">
                   <a:solidFill>
                     <a:srgbClr val="000000"/>
                   </a:solidFill>
@@ -7523,7 +7523,7 @@
             </a:ln>
             <a:extLst>
               <a:ext uri="{91240B29-F687-4f45-9708-019B960494DF}">
-                <a14:hiddenLine xmlns="" xmlns:a14="http://schemas.microsoft.com/office/drawing/2010/main" w="9525">
+                <a14:hiddenLine xmlns:a14="http://schemas.microsoft.com/office/drawing/2010/main" xmlns="" w="9525">
                   <a:solidFill>
                     <a:srgbClr val="000000"/>
                   </a:solidFill>
@@ -7585,7 +7585,7 @@
             </a:ln>
             <a:extLst>
               <a:ext uri="{91240B29-F687-4f45-9708-019B960494DF}">
-                <a14:hiddenLine xmlns="" xmlns:a14="http://schemas.microsoft.com/office/drawing/2010/main" w="9525">
+                <a14:hiddenLine xmlns:a14="http://schemas.microsoft.com/office/drawing/2010/main" xmlns="" w="9525">
                   <a:solidFill>
                     <a:srgbClr val="000000"/>
                   </a:solidFill>
@@ -7675,7 +7675,7 @@
             </a:ln>
             <a:extLst>
               <a:ext uri="{91240B29-F687-4f45-9708-019B960494DF}">
-                <a14:hiddenLine xmlns="" xmlns:a14="http://schemas.microsoft.com/office/drawing/2010/main" w="9525">
+                <a14:hiddenLine xmlns:a14="http://schemas.microsoft.com/office/drawing/2010/main" xmlns="" w="9525">
                   <a:solidFill>
                     <a:srgbClr val="000000"/>
                   </a:solidFill>
@@ -7765,7 +7765,7 @@
             </a:ln>
             <a:extLst>
               <a:ext uri="{91240B29-F687-4f45-9708-019B960494DF}">
-                <a14:hiddenLine xmlns="" xmlns:a14="http://schemas.microsoft.com/office/drawing/2010/main" w="9525">
+                <a14:hiddenLine xmlns:a14="http://schemas.microsoft.com/office/drawing/2010/main" xmlns="" w="9525">
                   <a:solidFill>
                     <a:srgbClr val="000000"/>
                   </a:solidFill>
@@ -7827,7 +7827,7 @@
             </a:ln>
             <a:extLst>
               <a:ext uri="{91240B29-F687-4f45-9708-019B960494DF}">
-                <a14:hiddenLine xmlns="" xmlns:a14="http://schemas.microsoft.com/office/drawing/2010/main" w="9525">
+                <a14:hiddenLine xmlns:a14="http://schemas.microsoft.com/office/drawing/2010/main" xmlns="" w="9525">
                   <a:solidFill>
                     <a:srgbClr val="000000"/>
                   </a:solidFill>
@@ -7937,7 +7937,7 @@
             </a:ln>
             <a:extLst>
               <a:ext uri="{91240B29-F687-4f45-9708-019B960494DF}">
-                <a14:hiddenLine xmlns="" xmlns:a14="http://schemas.microsoft.com/office/drawing/2010/main" w="9525">
+                <a14:hiddenLine xmlns:a14="http://schemas.microsoft.com/office/drawing/2010/main" xmlns="" w="9525">
                   <a:solidFill>
                     <a:srgbClr val="000000"/>
                   </a:solidFill>
@@ -7999,7 +7999,7 @@
             </a:ln>
             <a:extLst>
               <a:ext uri="{91240B29-F687-4f45-9708-019B960494DF}">
-                <a14:hiddenLine xmlns="" xmlns:a14="http://schemas.microsoft.com/office/drawing/2010/main" w="9525">
+                <a14:hiddenLine xmlns:a14="http://schemas.microsoft.com/office/drawing/2010/main" xmlns="" w="9525">
                   <a:solidFill>
                     <a:srgbClr val="000000"/>
                   </a:solidFill>
@@ -8089,7 +8089,7 @@
             </a:ln>
             <a:extLst>
               <a:ext uri="{91240B29-F687-4f45-9708-019B960494DF}">
-                <a14:hiddenLine xmlns="" xmlns:a14="http://schemas.microsoft.com/office/drawing/2010/main" w="9525">
+                <a14:hiddenLine xmlns:a14="http://schemas.microsoft.com/office/drawing/2010/main" xmlns="" w="9525">
                   <a:solidFill>
                     <a:srgbClr val="000000"/>
                   </a:solidFill>
@@ -8179,7 +8179,7 @@
             </a:ln>
             <a:extLst>
               <a:ext uri="{91240B29-F687-4f45-9708-019B960494DF}">
-                <a14:hiddenLine xmlns="" xmlns:a14="http://schemas.microsoft.com/office/drawing/2010/main" w="9525">
+                <a14:hiddenLine xmlns:a14="http://schemas.microsoft.com/office/drawing/2010/main" xmlns="" w="9525">
                   <a:solidFill>
                     <a:srgbClr val="000000"/>
                   </a:solidFill>
@@ -8241,7 +8241,7 @@
             </a:ln>
             <a:extLst>
               <a:ext uri="{91240B29-F687-4f45-9708-019B960494DF}">
-                <a14:hiddenLine xmlns="" xmlns:a14="http://schemas.microsoft.com/office/drawing/2010/main" w="9525">
+                <a14:hiddenLine xmlns:a14="http://schemas.microsoft.com/office/drawing/2010/main" xmlns="" w="9525">
                   <a:solidFill>
                     <a:srgbClr val="000000"/>
                   </a:solidFill>
@@ -8331,7 +8331,7 @@
             </a:ln>
             <a:extLst>
               <a:ext uri="{91240B29-F687-4f45-9708-019B960494DF}">
-                <a14:hiddenLine xmlns="" xmlns:a14="http://schemas.microsoft.com/office/drawing/2010/main" w="9525">
+                <a14:hiddenLine xmlns:a14="http://schemas.microsoft.com/office/drawing/2010/main" xmlns="" w="9525">
                   <a:solidFill>
                     <a:srgbClr val="000000"/>
                   </a:solidFill>
@@ -8421,7 +8421,7 @@
             </a:ln>
             <a:extLst>
               <a:ext uri="{91240B29-F687-4f45-9708-019B960494DF}">
-                <a14:hiddenLine xmlns="" xmlns:a14="http://schemas.microsoft.com/office/drawing/2010/main" w="9525">
+                <a14:hiddenLine xmlns:a14="http://schemas.microsoft.com/office/drawing/2010/main" xmlns="" w="9525">
                   <a:solidFill>
                     <a:srgbClr val="000000"/>
                   </a:solidFill>
@@ -8477,7 +8477,7 @@
             </a:ln>
             <a:extLst>
               <a:ext uri="{91240B29-F687-4f45-9708-019B960494DF}">
-                <a14:hiddenLine xmlns="" xmlns:a14="http://schemas.microsoft.com/office/drawing/2010/main" w="9525">
+                <a14:hiddenLine xmlns:a14="http://schemas.microsoft.com/office/drawing/2010/main" xmlns="" w="9525">
                   <a:solidFill>
                     <a:srgbClr val="000000"/>
                   </a:solidFill>
@@ -8567,7 +8567,7 @@
             </a:ln>
             <a:extLst>
               <a:ext uri="{91240B29-F687-4f45-9708-019B960494DF}">
-                <a14:hiddenLine xmlns="" xmlns:a14="http://schemas.microsoft.com/office/drawing/2010/main" w="9525">
+                <a14:hiddenLine xmlns:a14="http://schemas.microsoft.com/office/drawing/2010/main" xmlns="" w="9525">
                   <a:solidFill>
                     <a:srgbClr val="000000"/>
                   </a:solidFill>
@@ -8623,7 +8623,7 @@
             </a:ln>
             <a:extLst>
               <a:ext uri="{91240B29-F687-4f45-9708-019B960494DF}">
-                <a14:hiddenLine xmlns="" xmlns:a14="http://schemas.microsoft.com/office/drawing/2010/main" w="9525">
+                <a14:hiddenLine xmlns:a14="http://schemas.microsoft.com/office/drawing/2010/main" xmlns="" w="9525">
                   <a:solidFill>
                     <a:srgbClr val="000000"/>
                   </a:solidFill>
@@ -8713,7 +8713,7 @@
             </a:ln>
             <a:extLst>
               <a:ext uri="{91240B29-F687-4f45-9708-019B960494DF}">
-                <a14:hiddenLine xmlns="" xmlns:a14="http://schemas.microsoft.com/office/drawing/2010/main" w="9525">
+                <a14:hiddenLine xmlns:a14="http://schemas.microsoft.com/office/drawing/2010/main" xmlns="" w="9525">
                   <a:solidFill>
                     <a:srgbClr val="000000"/>
                   </a:solidFill>
@@ -8781,7 +8781,7 @@
             </a:ln>
             <a:extLst>
               <a:ext uri="{91240B29-F687-4f45-9708-019B960494DF}">
-                <a14:hiddenLine xmlns="" xmlns:a14="http://schemas.microsoft.com/office/drawing/2010/main" w="9525">
+                <a14:hiddenLine xmlns:a14="http://schemas.microsoft.com/office/drawing/2010/main" xmlns="" w="9525">
                   <a:solidFill>
                     <a:srgbClr val="000000"/>
                   </a:solidFill>
@@ -8871,7 +8871,7 @@
             </a:ln>
             <a:extLst>
               <a:ext uri="{91240B29-F687-4f45-9708-019B960494DF}">
-                <a14:hiddenLine xmlns="" xmlns:a14="http://schemas.microsoft.com/office/drawing/2010/main" w="9525">
+                <a14:hiddenLine xmlns:a14="http://schemas.microsoft.com/office/drawing/2010/main" xmlns="" w="9525">
                   <a:solidFill>
                     <a:srgbClr val="000000"/>
                   </a:solidFill>
@@ -8939,7 +8939,7 @@
             </a:ln>
             <a:extLst>
               <a:ext uri="{91240B29-F687-4f45-9708-019B960494DF}">
-                <a14:hiddenLine xmlns="" xmlns:a14="http://schemas.microsoft.com/office/drawing/2010/main" w="9525">
+                <a14:hiddenLine xmlns:a14="http://schemas.microsoft.com/office/drawing/2010/main" xmlns="" w="9525">
                   <a:solidFill>
                     <a:srgbClr val="000000"/>
                   </a:solidFill>
@@ -9029,7 +9029,7 @@
             </a:ln>
             <a:extLst>
               <a:ext uri="{91240B29-F687-4f45-9708-019B960494DF}">
-                <a14:hiddenLine xmlns="" xmlns:a14="http://schemas.microsoft.com/office/drawing/2010/main" w="9525">
+                <a14:hiddenLine xmlns:a14="http://schemas.microsoft.com/office/drawing/2010/main" xmlns="" w="9525">
                   <a:solidFill>
                     <a:srgbClr val="000000"/>
                   </a:solidFill>
@@ -9063,7 +9063,7 @@
             </a:ln>
             <a:extLst>
               <a:ext uri="{91240B29-F687-4f45-9708-019B960494DF}">
-                <a14:hiddenLine xmlns="" xmlns:a14="http://schemas.microsoft.com/office/drawing/2010/main" w="9525">
+                <a14:hiddenLine xmlns:a14="http://schemas.microsoft.com/office/drawing/2010/main" xmlns="" w="9525">
                   <a:solidFill>
                     <a:srgbClr val="000000"/>
                   </a:solidFill>
@@ -9153,7 +9153,7 @@
             </a:ln>
             <a:extLst>
               <a:ext uri="{91240B29-F687-4f45-9708-019B960494DF}">
-                <a14:hiddenLine xmlns="" xmlns:a14="http://schemas.microsoft.com/office/drawing/2010/main" w="9525">
+                <a14:hiddenLine xmlns:a14="http://schemas.microsoft.com/office/drawing/2010/main" xmlns="" w="9525">
                   <a:solidFill>
                     <a:srgbClr val="000000"/>
                   </a:solidFill>
@@ -9215,7 +9215,7 @@
             </a:ln>
             <a:extLst>
               <a:ext uri="{91240B29-F687-4f45-9708-019B960494DF}">
-                <a14:hiddenLine xmlns="" xmlns:a14="http://schemas.microsoft.com/office/drawing/2010/main" w="9525">
+                <a14:hiddenLine xmlns:a14="http://schemas.microsoft.com/office/drawing/2010/main" xmlns="" w="9525">
                   <a:solidFill>
                     <a:srgbClr val="000000"/>
                   </a:solidFill>
@@ -9277,7 +9277,7 @@
             </a:ln>
             <a:extLst>
               <a:ext uri="{91240B29-F687-4f45-9708-019B960494DF}">
-                <a14:hiddenLine xmlns="" xmlns:a14="http://schemas.microsoft.com/office/drawing/2010/main" w="9525">
+                <a14:hiddenLine xmlns:a14="http://schemas.microsoft.com/office/drawing/2010/main" xmlns="" w="9525">
                   <a:solidFill>
                     <a:srgbClr val="000000"/>
                   </a:solidFill>
@@ -9367,7 +9367,7 @@
             </a:ln>
             <a:extLst>
               <a:ext uri="{91240B29-F687-4f45-9708-019B960494DF}">
-                <a14:hiddenLine xmlns="" xmlns:a14="http://schemas.microsoft.com/office/drawing/2010/main" w="9525">
+                <a14:hiddenLine xmlns:a14="http://schemas.microsoft.com/office/drawing/2010/main" xmlns="" w="9525">
                   <a:solidFill>
                     <a:srgbClr val="000000"/>
                   </a:solidFill>
@@ -9435,7 +9435,7 @@
             </a:ln>
             <a:extLst>
               <a:ext uri="{91240B29-F687-4f45-9708-019B960494DF}">
-                <a14:hiddenLine xmlns="" xmlns:a14="http://schemas.microsoft.com/office/drawing/2010/main" w="9525">
+                <a14:hiddenLine xmlns:a14="http://schemas.microsoft.com/office/drawing/2010/main" xmlns="" w="9525">
                   <a:solidFill>
                     <a:srgbClr val="000000"/>
                   </a:solidFill>
@@ -9497,7 +9497,7 @@
             </a:ln>
             <a:extLst>
               <a:ext uri="{91240B29-F687-4f45-9708-019B960494DF}">
-                <a14:hiddenLine xmlns="" xmlns:a14="http://schemas.microsoft.com/office/drawing/2010/main" w="9525">
+                <a14:hiddenLine xmlns:a14="http://schemas.microsoft.com/office/drawing/2010/main" xmlns="" w="9525">
                   <a:solidFill>
                     <a:srgbClr val="000000"/>
                   </a:solidFill>
@@ -9587,7 +9587,7 @@
             </a:ln>
             <a:extLst>
               <a:ext uri="{91240B29-F687-4f45-9708-019B960494DF}">
-                <a14:hiddenLine xmlns="" xmlns:a14="http://schemas.microsoft.com/office/drawing/2010/main" w="9525">
+                <a14:hiddenLine xmlns:a14="http://schemas.microsoft.com/office/drawing/2010/main" xmlns="" w="9525">
                   <a:solidFill>
                     <a:srgbClr val="000000"/>
                   </a:solidFill>
@@ -9649,7 +9649,7 @@
             </a:ln>
             <a:extLst>
               <a:ext uri="{91240B29-F687-4f45-9708-019B960494DF}">
-                <a14:hiddenLine xmlns="" xmlns:a14="http://schemas.microsoft.com/office/drawing/2010/main" w="9525">
+                <a14:hiddenLine xmlns:a14="http://schemas.microsoft.com/office/drawing/2010/main" xmlns="" w="9525">
                   <a:solidFill>
                     <a:srgbClr val="000000"/>
                   </a:solidFill>
@@ -9739,7 +9739,7 @@
             </a:ln>
             <a:extLst>
               <a:ext uri="{91240B29-F687-4f45-9708-019B960494DF}">
-                <a14:hiddenLine xmlns="" xmlns:a14="http://schemas.microsoft.com/office/drawing/2010/main" w="9525">
+                <a14:hiddenLine xmlns:a14="http://schemas.microsoft.com/office/drawing/2010/main" xmlns="" w="9525">
                   <a:solidFill>
                     <a:srgbClr val="000000"/>
                   </a:solidFill>
@@ -9801,7 +9801,7 @@
             </a:ln>
             <a:extLst>
               <a:ext uri="{91240B29-F687-4f45-9708-019B960494DF}">
-                <a14:hiddenLine xmlns="" xmlns:a14="http://schemas.microsoft.com/office/drawing/2010/main" w="9525">
+                <a14:hiddenLine xmlns:a14="http://schemas.microsoft.com/office/drawing/2010/main" xmlns="" w="9525">
                   <a:solidFill>
                     <a:srgbClr val="000000"/>
                   </a:solidFill>
@@ -9891,7 +9891,7 @@
             </a:ln>
             <a:extLst>
               <a:ext uri="{91240B29-F687-4f45-9708-019B960494DF}">
-                <a14:hiddenLine xmlns="" xmlns:a14="http://schemas.microsoft.com/office/drawing/2010/main" w="9525">
+                <a14:hiddenLine xmlns:a14="http://schemas.microsoft.com/office/drawing/2010/main" xmlns="" w="9525">
                   <a:solidFill>
                     <a:srgbClr val="000000"/>
                   </a:solidFill>
@@ -9925,7 +9925,7 @@
             </a:ln>
             <a:extLst>
               <a:ext uri="{91240B29-F687-4f45-9708-019B960494DF}">
-                <a14:hiddenLine xmlns="" xmlns:a14="http://schemas.microsoft.com/office/drawing/2010/main" w="9525">
+                <a14:hiddenLine xmlns:a14="http://schemas.microsoft.com/office/drawing/2010/main" xmlns="" w="9525">
                   <a:solidFill>
                     <a:srgbClr val="000000"/>
                   </a:solidFill>
@@ -9990,7 +9990,7 @@
             </a:ln>
             <a:extLst>
               <a:ext uri="{91240B29-F687-4f45-9708-019B960494DF}">
-                <a14:hiddenLine xmlns="" xmlns:a14="http://schemas.microsoft.com/office/drawing/2010/main" w="9525">
+                <a14:hiddenLine xmlns:a14="http://schemas.microsoft.com/office/drawing/2010/main" xmlns="" w="9525">
                   <a:solidFill>
                     <a:srgbClr val="000000"/>
                   </a:solidFill>
@@ -10080,7 +10080,7 @@
             </a:ln>
             <a:extLst>
               <a:ext uri="{91240B29-F687-4f45-9708-019B960494DF}">
-                <a14:hiddenLine xmlns="" xmlns:a14="http://schemas.microsoft.com/office/drawing/2010/main" w="9525">
+                <a14:hiddenLine xmlns:a14="http://schemas.microsoft.com/office/drawing/2010/main" xmlns="" w="9525">
                   <a:solidFill>
                     <a:srgbClr val="000000"/>
                   </a:solidFill>
@@ -10142,7 +10142,7 @@
             </a:ln>
             <a:extLst>
               <a:ext uri="{91240B29-F687-4f45-9708-019B960494DF}">
-                <a14:hiddenLine xmlns="" xmlns:a14="http://schemas.microsoft.com/office/drawing/2010/main" w="9525">
+                <a14:hiddenLine xmlns:a14="http://schemas.microsoft.com/office/drawing/2010/main" xmlns="" w="9525">
                   <a:solidFill>
                     <a:srgbClr val="000000"/>
                   </a:solidFill>
@@ -10232,7 +10232,7 @@
             </a:ln>
             <a:extLst>
               <a:ext uri="{91240B29-F687-4f45-9708-019B960494DF}">
-                <a14:hiddenLine xmlns="" xmlns:a14="http://schemas.microsoft.com/office/drawing/2010/main" w="9525">
+                <a14:hiddenLine xmlns:a14="http://schemas.microsoft.com/office/drawing/2010/main" xmlns="" w="9525">
                   <a:solidFill>
                     <a:srgbClr val="000000"/>
                   </a:solidFill>
@@ -10322,7 +10322,7 @@
             </a:ln>
             <a:extLst>
               <a:ext uri="{91240B29-F687-4f45-9708-019B960494DF}">
-                <a14:hiddenLine xmlns="" xmlns:a14="http://schemas.microsoft.com/office/drawing/2010/main" w="9525">
+                <a14:hiddenLine xmlns:a14="http://schemas.microsoft.com/office/drawing/2010/main" xmlns="" w="9525">
                   <a:solidFill>
                     <a:srgbClr val="000000"/>
                   </a:solidFill>
@@ -10387,7 +10387,7 @@
             </a:ln>
             <a:extLst>
               <a:ext uri="{91240B29-F687-4f45-9708-019B960494DF}">
-                <a14:hiddenLine xmlns="" xmlns:a14="http://schemas.microsoft.com/office/drawing/2010/main" w="9525">
+                <a14:hiddenLine xmlns:a14="http://schemas.microsoft.com/office/drawing/2010/main" xmlns="" w="9525">
                   <a:solidFill>
                     <a:srgbClr val="000000"/>
                   </a:solidFill>
@@ -10449,7 +10449,7 @@
             </a:ln>
             <a:extLst>
               <a:ext uri="{91240B29-F687-4f45-9708-019B960494DF}">
-                <a14:hiddenLine xmlns="" xmlns:a14="http://schemas.microsoft.com/office/drawing/2010/main" w="9525">
+                <a14:hiddenLine xmlns:a14="http://schemas.microsoft.com/office/drawing/2010/main" xmlns="" w="9525">
                   <a:solidFill>
                     <a:srgbClr val="000000"/>
                   </a:solidFill>
@@ -10539,7 +10539,7 @@
             </a:ln>
             <a:extLst>
               <a:ext uri="{91240B29-F687-4f45-9708-019B960494DF}">
-                <a14:hiddenLine xmlns="" xmlns:a14="http://schemas.microsoft.com/office/drawing/2010/main" w="9525">
+                <a14:hiddenLine xmlns:a14="http://schemas.microsoft.com/office/drawing/2010/main" xmlns="" w="9525">
                   <a:solidFill>
                     <a:srgbClr val="000000"/>
                   </a:solidFill>
@@ -10629,7 +10629,7 @@
             </a:ln>
             <a:extLst>
               <a:ext uri="{91240B29-F687-4f45-9708-019B960494DF}">
-                <a14:hiddenLine xmlns="" xmlns:a14="http://schemas.microsoft.com/office/drawing/2010/main" w="9525">
+                <a14:hiddenLine xmlns:a14="http://schemas.microsoft.com/office/drawing/2010/main" xmlns="" w="9525">
                   <a:solidFill>
                     <a:srgbClr val="000000"/>
                   </a:solidFill>
@@ -10691,7 +10691,7 @@
             </a:ln>
             <a:extLst>
               <a:ext uri="{91240B29-F687-4f45-9708-019B960494DF}">
-                <a14:hiddenLine xmlns="" xmlns:a14="http://schemas.microsoft.com/office/drawing/2010/main" w="9525">
+                <a14:hiddenLine xmlns:a14="http://schemas.microsoft.com/office/drawing/2010/main" xmlns="" w="9525">
                   <a:solidFill>
                     <a:srgbClr val="000000"/>
                   </a:solidFill>
@@ -10811,7 +10811,7 @@
             </a:ln>
             <a:extLst>
               <a:ext uri="{91240B29-F687-4f45-9708-019B960494DF}">
-                <a14:hiddenLine xmlns="" xmlns:a14="http://schemas.microsoft.com/office/drawing/2010/main" w="9525">
+                <a14:hiddenLine xmlns:a14="http://schemas.microsoft.com/office/drawing/2010/main" xmlns="" w="9525">
                   <a:solidFill>
                     <a:srgbClr val="000000"/>
                   </a:solidFill>
@@ -10879,7 +10879,7 @@
             </a:ln>
             <a:extLst>
               <a:ext uri="{91240B29-F687-4f45-9708-019B960494DF}">
-                <a14:hiddenLine xmlns="" xmlns:a14="http://schemas.microsoft.com/office/drawing/2010/main" w="9525">
+                <a14:hiddenLine xmlns:a14="http://schemas.microsoft.com/office/drawing/2010/main" xmlns="" w="9525">
                   <a:solidFill>
                     <a:srgbClr val="000000"/>
                   </a:solidFill>
@@ -10969,7 +10969,7 @@
             </a:ln>
             <a:extLst>
               <a:ext uri="{91240B29-F687-4f45-9708-019B960494DF}">
-                <a14:hiddenLine xmlns="" xmlns:a14="http://schemas.microsoft.com/office/drawing/2010/main" w="9525">
+                <a14:hiddenLine xmlns:a14="http://schemas.microsoft.com/office/drawing/2010/main" xmlns="" w="9525">
                   <a:solidFill>
                     <a:srgbClr val="000000"/>
                   </a:solidFill>
@@ -11109,7 +11109,7 @@
           <a:p>
             <a:fld id="{1158C0B5-11AA-4852-AD13-EA4FE1602433}" type="datetimeFigureOut">
               <a:rPr lang="en-US" smtClean="0"/>
-              <a:t>5/11/2020</a:t>
+              <a:t>5/13/2020</a:t>
             </a:fld>
             <a:endParaRPr lang="en-US"/>
           </a:p>
@@ -11376,7 +11376,7 @@
           <a:p>
             <a:fld id="{1158C0B5-11AA-4852-AD13-EA4FE1602433}" type="datetimeFigureOut">
               <a:rPr lang="en-US" smtClean="0"/>
-              <a:t>5/11/2020</a:t>
+              <a:t>5/13/2020</a:t>
             </a:fld>
             <a:endParaRPr lang="en-US"/>
           </a:p>
@@ -11572,7 +11572,7 @@
           <a:p>
             <a:fld id="{1158C0B5-11AA-4852-AD13-EA4FE1602433}" type="datetimeFigureOut">
               <a:rPr lang="en-US" smtClean="0"/>
-              <a:t>5/11/2020</a:t>
+              <a:t>5/13/2020</a:t>
             </a:fld>
             <a:endParaRPr lang="en-US"/>
           </a:p>
@@ -11835,7 +11835,7 @@
           <a:p>
             <a:fld id="{1158C0B5-11AA-4852-AD13-EA4FE1602433}" type="datetimeFigureOut">
               <a:rPr lang="en-US" smtClean="0"/>
-              <a:t>5/11/2020</a:t>
+              <a:t>5/13/2020</a:t>
             </a:fld>
             <a:endParaRPr lang="en-US"/>
           </a:p>
@@ -12269,7 +12269,7 @@
           <a:p>
             <a:fld id="{1158C0B5-11AA-4852-AD13-EA4FE1602433}" type="datetimeFigureOut">
               <a:rPr lang="en-US" smtClean="0"/>
-              <a:t>5/11/2020</a:t>
+              <a:t>5/13/2020</a:t>
             </a:fld>
             <a:endParaRPr lang="en-US"/>
           </a:p>
@@ -12815,7 +12815,7 @@
           <a:p>
             <a:fld id="{1158C0B5-11AA-4852-AD13-EA4FE1602433}" type="datetimeFigureOut">
               <a:rPr lang="en-US" smtClean="0"/>
-              <a:t>5/11/2020</a:t>
+              <a:t>5/13/2020</a:t>
             </a:fld>
             <a:endParaRPr lang="en-US"/>
           </a:p>
@@ -13535,7 +13535,7 @@
           <a:p>
             <a:fld id="{1158C0B5-11AA-4852-AD13-EA4FE1602433}" type="datetimeFigureOut">
               <a:rPr lang="en-US" smtClean="0"/>
-              <a:t>5/11/2020</a:t>
+              <a:t>5/13/2020</a:t>
             </a:fld>
             <a:endParaRPr lang="en-US"/>
           </a:p>
@@ -13705,7 +13705,7 @@
           <a:p>
             <a:fld id="{1158C0B5-11AA-4852-AD13-EA4FE1602433}" type="datetimeFigureOut">
               <a:rPr lang="en-US" smtClean="0"/>
-              <a:t>5/11/2020</a:t>
+              <a:t>5/13/2020</a:t>
             </a:fld>
             <a:endParaRPr lang="en-US"/>
           </a:p>
@@ -13885,7 +13885,7 @@
           <a:p>
             <a:fld id="{1158C0B5-11AA-4852-AD13-EA4FE1602433}" type="datetimeFigureOut">
               <a:rPr lang="en-US" smtClean="0"/>
-              <a:t>5/11/2020</a:t>
+              <a:t>5/13/2020</a:t>
             </a:fld>
             <a:endParaRPr lang="en-US"/>
           </a:p>
@@ -14055,7 +14055,7 @@
           <a:p>
             <a:fld id="{1158C0B5-11AA-4852-AD13-EA4FE1602433}" type="datetimeFigureOut">
               <a:rPr lang="en-US" smtClean="0"/>
-              <a:t>5/11/2020</a:t>
+              <a:t>5/13/2020</a:t>
             </a:fld>
             <a:endParaRPr lang="en-US"/>
           </a:p>
@@ -14305,7 +14305,7 @@
           <a:p>
             <a:fld id="{1158C0B5-11AA-4852-AD13-EA4FE1602433}" type="datetimeFigureOut">
               <a:rPr lang="en-US" smtClean="0"/>
-              <a:t>5/11/2020</a:t>
+              <a:t>5/13/2020</a:t>
             </a:fld>
             <a:endParaRPr lang="en-US"/>
           </a:p>
@@ -14537,7 +14537,7 @@
           <a:p>
             <a:fld id="{1158C0B5-11AA-4852-AD13-EA4FE1602433}" type="datetimeFigureOut">
               <a:rPr lang="en-US" smtClean="0"/>
-              <a:t>5/11/2020</a:t>
+              <a:t>5/13/2020</a:t>
             </a:fld>
             <a:endParaRPr lang="en-US"/>
           </a:p>
@@ -14918,7 +14918,7 @@
           <a:p>
             <a:fld id="{1158C0B5-11AA-4852-AD13-EA4FE1602433}" type="datetimeFigureOut">
               <a:rPr lang="en-US" smtClean="0"/>
-              <a:t>5/11/2020</a:t>
+              <a:t>5/13/2020</a:t>
             </a:fld>
             <a:endParaRPr lang="en-US"/>
           </a:p>
@@ -15036,7 +15036,7 @@
           <a:p>
             <a:fld id="{1158C0B5-11AA-4852-AD13-EA4FE1602433}" type="datetimeFigureOut">
               <a:rPr lang="en-US" smtClean="0"/>
-              <a:t>5/11/2020</a:t>
+              <a:t>5/13/2020</a:t>
             </a:fld>
             <a:endParaRPr lang="en-US"/>
           </a:p>
@@ -15131,7 +15131,7 @@
           <a:p>
             <a:fld id="{1158C0B5-11AA-4852-AD13-EA4FE1602433}" type="datetimeFigureOut">
               <a:rPr lang="en-US" smtClean="0"/>
-              <a:t>5/11/2020</a:t>
+              <a:t>5/13/2020</a:t>
             </a:fld>
             <a:endParaRPr lang="en-US"/>
           </a:p>
@@ -15380,7 +15380,7 @@
           <a:p>
             <a:fld id="{1158C0B5-11AA-4852-AD13-EA4FE1602433}" type="datetimeFigureOut">
               <a:rPr lang="en-US" smtClean="0"/>
-              <a:t>5/11/2020</a:t>
+              <a:t>5/13/2020</a:t>
             </a:fld>
             <a:endParaRPr lang="en-US"/>
           </a:p>
@@ -15660,7 +15660,7 @@
           <a:p>
             <a:fld id="{1158C0B5-11AA-4852-AD13-EA4FE1602433}" type="datetimeFigureOut">
               <a:rPr lang="en-US" smtClean="0"/>
-              <a:t>5/11/2020</a:t>
+              <a:t>5/13/2020</a:t>
             </a:fld>
             <a:endParaRPr lang="en-US"/>
           </a:p>
@@ -15783,7 +15783,7 @@
           <a:noFill/>
           <a:extLst>
             <a:ext uri="{909E8E84-426E-40dd-AFC4-6F175D3DCCD1}">
-              <a14:hiddenFill xmlns="" xmlns:a14="http://schemas.microsoft.com/office/drawing/2010/main">
+              <a14:hiddenFill xmlns:a14="http://schemas.microsoft.com/office/drawing/2010/main" xmlns="">
                 <a:solidFill>
                   <a:srgbClr val="FFFFFF"/>
                 </a:solidFill>
@@ -15857,7 +15857,7 @@
               </a:ln>
               <a:extLst>
                 <a:ext uri="{91240B29-F687-4f45-9708-019B960494DF}">
-                  <a14:hiddenLine xmlns="" xmlns:a14="http://schemas.microsoft.com/office/drawing/2010/main" w="9525">
+                  <a14:hiddenLine xmlns:a14="http://schemas.microsoft.com/office/drawing/2010/main" xmlns="" w="9525">
                     <a:solidFill>
                       <a:srgbClr val="000000"/>
                     </a:solidFill>
@@ -15947,7 +15947,7 @@
               </a:ln>
               <a:extLst>
                 <a:ext uri="{91240B29-F687-4f45-9708-019B960494DF}">
-                  <a14:hiddenLine xmlns="" xmlns:a14="http://schemas.microsoft.com/office/drawing/2010/main" w="9525">
+                  <a14:hiddenLine xmlns:a14="http://schemas.microsoft.com/office/drawing/2010/main" xmlns="" w="9525">
                     <a:solidFill>
                       <a:srgbClr val="000000"/>
                     </a:solidFill>
@@ -16037,7 +16037,7 @@
               </a:ln>
               <a:extLst>
                 <a:ext uri="{91240B29-F687-4f45-9708-019B960494DF}">
-                  <a14:hiddenLine xmlns="" xmlns:a14="http://schemas.microsoft.com/office/drawing/2010/main" w="9525">
+                  <a14:hiddenLine xmlns:a14="http://schemas.microsoft.com/office/drawing/2010/main" xmlns="" w="9525">
                     <a:solidFill>
                       <a:srgbClr val="000000"/>
                     </a:solidFill>
@@ -16099,7 +16099,7 @@
               </a:ln>
               <a:extLst>
                 <a:ext uri="{91240B29-F687-4f45-9708-019B960494DF}">
-                  <a14:hiddenLine xmlns="" xmlns:a14="http://schemas.microsoft.com/office/drawing/2010/main" w="9525">
+                  <a14:hiddenLine xmlns:a14="http://schemas.microsoft.com/office/drawing/2010/main" xmlns="" w="9525">
                     <a:solidFill>
                       <a:srgbClr val="000000"/>
                     </a:solidFill>
@@ -16189,7 +16189,7 @@
               </a:ln>
               <a:extLst>
                 <a:ext uri="{91240B29-F687-4f45-9708-019B960494DF}">
-                  <a14:hiddenLine xmlns="" xmlns:a14="http://schemas.microsoft.com/office/drawing/2010/main" w="9525">
+                  <a14:hiddenLine xmlns:a14="http://schemas.microsoft.com/office/drawing/2010/main" xmlns="" w="9525">
                     <a:solidFill>
                       <a:srgbClr val="000000"/>
                     </a:solidFill>
@@ -16251,7 +16251,7 @@
               </a:ln>
               <a:extLst>
                 <a:ext uri="{91240B29-F687-4f45-9708-019B960494DF}">
-                  <a14:hiddenLine xmlns="" xmlns:a14="http://schemas.microsoft.com/office/drawing/2010/main" w="9525">
+                  <a14:hiddenLine xmlns:a14="http://schemas.microsoft.com/office/drawing/2010/main" xmlns="" w="9525">
                     <a:solidFill>
                       <a:srgbClr val="000000"/>
                     </a:solidFill>
@@ -16313,7 +16313,7 @@
               </a:ln>
               <a:extLst>
                 <a:ext uri="{91240B29-F687-4f45-9708-019B960494DF}">
-                  <a14:hiddenLine xmlns="" xmlns:a14="http://schemas.microsoft.com/office/drawing/2010/main" w="9525">
+                  <a14:hiddenLine xmlns:a14="http://schemas.microsoft.com/office/drawing/2010/main" xmlns="" w="9525">
                     <a:solidFill>
                       <a:srgbClr val="000000"/>
                     </a:solidFill>
@@ -16403,7 +16403,7 @@
               </a:ln>
               <a:extLst>
                 <a:ext uri="{91240B29-F687-4f45-9708-019B960494DF}">
-                  <a14:hiddenLine xmlns="" xmlns:a14="http://schemas.microsoft.com/office/drawing/2010/main" w="9525">
+                  <a14:hiddenLine xmlns:a14="http://schemas.microsoft.com/office/drawing/2010/main" xmlns="" w="9525">
                     <a:solidFill>
                       <a:srgbClr val="000000"/>
                     </a:solidFill>
@@ -16493,7 +16493,7 @@
               </a:ln>
               <a:extLst>
                 <a:ext uri="{91240B29-F687-4f45-9708-019B960494DF}">
-                  <a14:hiddenLine xmlns="" xmlns:a14="http://schemas.microsoft.com/office/drawing/2010/main" w="9525">
+                  <a14:hiddenLine xmlns:a14="http://schemas.microsoft.com/office/drawing/2010/main" xmlns="" w="9525">
                     <a:solidFill>
                       <a:srgbClr val="000000"/>
                     </a:solidFill>
@@ -16555,7 +16555,7 @@
               </a:ln>
               <a:extLst>
                 <a:ext uri="{91240B29-F687-4f45-9708-019B960494DF}">
-                  <a14:hiddenLine xmlns="" xmlns:a14="http://schemas.microsoft.com/office/drawing/2010/main" w="9525">
+                  <a14:hiddenLine xmlns:a14="http://schemas.microsoft.com/office/drawing/2010/main" xmlns="" w="9525">
                     <a:solidFill>
                       <a:srgbClr val="000000"/>
                     </a:solidFill>
@@ -16665,7 +16665,7 @@
               </a:ln>
               <a:extLst>
                 <a:ext uri="{91240B29-F687-4f45-9708-019B960494DF}">
-                  <a14:hiddenLine xmlns="" xmlns:a14="http://schemas.microsoft.com/office/drawing/2010/main" w="9525">
+                  <a14:hiddenLine xmlns:a14="http://schemas.microsoft.com/office/drawing/2010/main" xmlns="" w="9525">
                     <a:solidFill>
                       <a:srgbClr val="000000"/>
                     </a:solidFill>
@@ -16749,7 +16749,7 @@
               </a:ln>
               <a:extLst>
                 <a:ext uri="{91240B29-F687-4f45-9708-019B960494DF}">
-                  <a14:hiddenLine xmlns="" xmlns:a14="http://schemas.microsoft.com/office/drawing/2010/main" w="9525">
+                  <a14:hiddenLine xmlns:a14="http://schemas.microsoft.com/office/drawing/2010/main" xmlns="" w="9525">
                     <a:solidFill>
                       <a:srgbClr val="000000"/>
                     </a:solidFill>
@@ -16811,7 +16811,7 @@
               </a:ln>
               <a:extLst>
                 <a:ext uri="{91240B29-F687-4f45-9708-019B960494DF}">
-                  <a14:hiddenLine xmlns="" xmlns:a14="http://schemas.microsoft.com/office/drawing/2010/main" w="9525">
+                  <a14:hiddenLine xmlns:a14="http://schemas.microsoft.com/office/drawing/2010/main" xmlns="" w="9525">
                     <a:solidFill>
                       <a:srgbClr val="000000"/>
                     </a:solidFill>
@@ -16873,7 +16873,7 @@
               </a:ln>
               <a:extLst>
                 <a:ext uri="{91240B29-F687-4f45-9708-019B960494DF}">
-                  <a14:hiddenLine xmlns="" xmlns:a14="http://schemas.microsoft.com/office/drawing/2010/main" w="9525">
+                  <a14:hiddenLine xmlns:a14="http://schemas.microsoft.com/office/drawing/2010/main" xmlns="" w="9525">
                     <a:solidFill>
                       <a:srgbClr val="000000"/>
                     </a:solidFill>
@@ -16963,7 +16963,7 @@
               </a:ln>
               <a:extLst>
                 <a:ext uri="{91240B29-F687-4f45-9708-019B960494DF}">
-                  <a14:hiddenLine xmlns="" xmlns:a14="http://schemas.microsoft.com/office/drawing/2010/main" w="9525">
+                  <a14:hiddenLine xmlns:a14="http://schemas.microsoft.com/office/drawing/2010/main" xmlns="" w="9525">
                     <a:solidFill>
                       <a:srgbClr val="000000"/>
                     </a:solidFill>
@@ -16997,7 +16997,7 @@
               </a:ln>
               <a:extLst>
                 <a:ext uri="{91240B29-F687-4f45-9708-019B960494DF}">
-                  <a14:hiddenLine xmlns="" xmlns:a14="http://schemas.microsoft.com/office/drawing/2010/main" w="9525">
+                  <a14:hiddenLine xmlns:a14="http://schemas.microsoft.com/office/drawing/2010/main" xmlns="" w="9525">
                     <a:solidFill>
                       <a:srgbClr val="000000"/>
                     </a:solidFill>
@@ -17062,7 +17062,7 @@
               </a:ln>
               <a:extLst>
                 <a:ext uri="{91240B29-F687-4f45-9708-019B960494DF}">
-                  <a14:hiddenLine xmlns="" xmlns:a14="http://schemas.microsoft.com/office/drawing/2010/main" w="9525">
+                  <a14:hiddenLine xmlns:a14="http://schemas.microsoft.com/office/drawing/2010/main" xmlns="" w="9525">
                     <a:solidFill>
                       <a:srgbClr val="000000"/>
                     </a:solidFill>
@@ -17152,7 +17152,7 @@
               </a:ln>
               <a:extLst>
                 <a:ext uri="{91240B29-F687-4f45-9708-019B960494DF}">
-                  <a14:hiddenLine xmlns="" xmlns:a14="http://schemas.microsoft.com/office/drawing/2010/main" w="9525">
+                  <a14:hiddenLine xmlns:a14="http://schemas.microsoft.com/office/drawing/2010/main" xmlns="" w="9525">
                     <a:solidFill>
                       <a:srgbClr val="000000"/>
                     </a:solidFill>
@@ -17214,7 +17214,7 @@
               </a:ln>
               <a:extLst>
                 <a:ext uri="{91240B29-F687-4f45-9708-019B960494DF}">
-                  <a14:hiddenLine xmlns="" xmlns:a14="http://schemas.microsoft.com/office/drawing/2010/main" w="9525">
+                  <a14:hiddenLine xmlns:a14="http://schemas.microsoft.com/office/drawing/2010/main" xmlns="" w="9525">
                     <a:solidFill>
                       <a:srgbClr val="000000"/>
                     </a:solidFill>
@@ -17304,7 +17304,7 @@
               </a:ln>
               <a:extLst>
                 <a:ext uri="{91240B29-F687-4f45-9708-019B960494DF}">
-                  <a14:hiddenLine xmlns="" xmlns:a14="http://schemas.microsoft.com/office/drawing/2010/main" w="9525">
+                  <a14:hiddenLine xmlns:a14="http://schemas.microsoft.com/office/drawing/2010/main" xmlns="" w="9525">
                     <a:solidFill>
                       <a:srgbClr val="000000"/>
                     </a:solidFill>
@@ -17369,7 +17369,7 @@
               </a:ln>
               <a:extLst>
                 <a:ext uri="{91240B29-F687-4f45-9708-019B960494DF}">
-                  <a14:hiddenLine xmlns="" xmlns:a14="http://schemas.microsoft.com/office/drawing/2010/main" w="9525">
+                  <a14:hiddenLine xmlns:a14="http://schemas.microsoft.com/office/drawing/2010/main" xmlns="" w="9525">
                     <a:solidFill>
                       <a:srgbClr val="000000"/>
                     </a:solidFill>
@@ -17431,7 +17431,7 @@
               </a:ln>
               <a:extLst>
                 <a:ext uri="{91240B29-F687-4f45-9708-019B960494DF}">
-                  <a14:hiddenLine xmlns="" xmlns:a14="http://schemas.microsoft.com/office/drawing/2010/main" w="9525">
+                  <a14:hiddenLine xmlns:a14="http://schemas.microsoft.com/office/drawing/2010/main" xmlns="" w="9525">
                     <a:solidFill>
                       <a:srgbClr val="000000"/>
                     </a:solidFill>
@@ -17521,7 +17521,7 @@
               </a:ln>
               <a:extLst>
                 <a:ext uri="{91240B29-F687-4f45-9708-019B960494DF}">
-                  <a14:hiddenLine xmlns="" xmlns:a14="http://schemas.microsoft.com/office/drawing/2010/main" w="9525">
+                  <a14:hiddenLine xmlns:a14="http://schemas.microsoft.com/office/drawing/2010/main" xmlns="" w="9525">
                     <a:solidFill>
                       <a:srgbClr val="000000"/>
                     </a:solidFill>
@@ -17611,7 +17611,7 @@
               </a:ln>
               <a:extLst>
                 <a:ext uri="{91240B29-F687-4f45-9708-019B960494DF}">
-                  <a14:hiddenLine xmlns="" xmlns:a14="http://schemas.microsoft.com/office/drawing/2010/main" w="9525">
+                  <a14:hiddenLine xmlns:a14="http://schemas.microsoft.com/office/drawing/2010/main" xmlns="" w="9525">
                     <a:solidFill>
                       <a:srgbClr val="000000"/>
                     </a:solidFill>
@@ -17676,7 +17676,7 @@
               </a:ln>
               <a:extLst>
                 <a:ext uri="{91240B29-F687-4f45-9708-019B960494DF}">
-                  <a14:hiddenLine xmlns="" xmlns:a14="http://schemas.microsoft.com/office/drawing/2010/main" w="9525">
+                  <a14:hiddenLine xmlns:a14="http://schemas.microsoft.com/office/drawing/2010/main" xmlns="" w="9525">
                     <a:solidFill>
                       <a:srgbClr val="000000"/>
                     </a:solidFill>
@@ -17796,7 +17796,7 @@
               </a:ln>
               <a:extLst>
                 <a:ext uri="{91240B29-F687-4f45-9708-019B960494DF}">
-                  <a14:hiddenLine xmlns="" xmlns:a14="http://schemas.microsoft.com/office/drawing/2010/main" w="9525">
+                  <a14:hiddenLine xmlns:a14="http://schemas.microsoft.com/office/drawing/2010/main" xmlns="" w="9525">
                     <a:solidFill>
                       <a:srgbClr val="000000"/>
                     </a:solidFill>
@@ -17877,7 +17877,7 @@
               </a:ln>
               <a:extLst>
                 <a:ext uri="{91240B29-F687-4f45-9708-019B960494DF}">
-                  <a14:hiddenLine xmlns="" xmlns:a14="http://schemas.microsoft.com/office/drawing/2010/main" w="9525">
+                  <a14:hiddenLine xmlns:a14="http://schemas.microsoft.com/office/drawing/2010/main" xmlns="" w="9525">
                     <a:solidFill>
                       <a:srgbClr val="000000"/>
                     </a:solidFill>
@@ -17992,7 +17992,7 @@
               </a:ln>
               <a:extLst>
                 <a:ext uri="{91240B29-F687-4f45-9708-019B960494DF}">
-                  <a14:hiddenLine xmlns="" xmlns:a14="http://schemas.microsoft.com/office/drawing/2010/main" w="9525">
+                  <a14:hiddenLine xmlns:a14="http://schemas.microsoft.com/office/drawing/2010/main" xmlns="" w="9525">
                     <a:solidFill>
                       <a:srgbClr val="000000"/>
                     </a:solidFill>
@@ -18082,7 +18082,7 @@
               </a:ln>
               <a:extLst>
                 <a:ext uri="{91240B29-F687-4f45-9708-019B960494DF}">
-                  <a14:hiddenLine xmlns="" xmlns:a14="http://schemas.microsoft.com/office/drawing/2010/main" w="9525">
+                  <a14:hiddenLine xmlns:a14="http://schemas.microsoft.com/office/drawing/2010/main" xmlns="" w="9525">
                     <a:solidFill>
                       <a:srgbClr val="000000"/>
                     </a:solidFill>
@@ -18147,7 +18147,7 @@
               </a:ln>
               <a:extLst>
                 <a:ext uri="{91240B29-F687-4f45-9708-019B960494DF}">
-                  <a14:hiddenLine xmlns="" xmlns:a14="http://schemas.microsoft.com/office/drawing/2010/main" w="9525">
+                  <a14:hiddenLine xmlns:a14="http://schemas.microsoft.com/office/drawing/2010/main" xmlns="" w="9525">
                     <a:solidFill>
                       <a:srgbClr val="000000"/>
                     </a:solidFill>
@@ -18237,7 +18237,7 @@
               </a:ln>
               <a:extLst>
                 <a:ext uri="{91240B29-F687-4f45-9708-019B960494DF}">
-                  <a14:hiddenLine xmlns="" xmlns:a14="http://schemas.microsoft.com/office/drawing/2010/main" w="9525">
+                  <a14:hiddenLine xmlns:a14="http://schemas.microsoft.com/office/drawing/2010/main" xmlns="" w="9525">
                     <a:solidFill>
                       <a:srgbClr val="000000"/>
                     </a:solidFill>
@@ -18305,7 +18305,7 @@
               </a:ln>
               <a:extLst>
                 <a:ext uri="{91240B29-F687-4f45-9708-019B960494DF}">
-                  <a14:hiddenLine xmlns="" xmlns:a14="http://schemas.microsoft.com/office/drawing/2010/main" w="9525">
+                  <a14:hiddenLine xmlns:a14="http://schemas.microsoft.com/office/drawing/2010/main" xmlns="" w="9525">
                     <a:solidFill>
                       <a:srgbClr val="000000"/>
                     </a:solidFill>
@@ -18395,7 +18395,7 @@
               </a:ln>
               <a:extLst>
                 <a:ext uri="{91240B29-F687-4f45-9708-019B960494DF}">
-                  <a14:hiddenLine xmlns="" xmlns:a14="http://schemas.microsoft.com/office/drawing/2010/main" w="9525">
+                  <a14:hiddenLine xmlns:a14="http://schemas.microsoft.com/office/drawing/2010/main" xmlns="" w="9525">
                     <a:solidFill>
                       <a:srgbClr val="000000"/>
                     </a:solidFill>
@@ -18463,7 +18463,7 @@
               </a:ln>
               <a:extLst>
                 <a:ext uri="{91240B29-F687-4f45-9708-019B960494DF}">
-                  <a14:hiddenLine xmlns="" xmlns:a14="http://schemas.microsoft.com/office/drawing/2010/main" w="9525">
+                  <a14:hiddenLine xmlns:a14="http://schemas.microsoft.com/office/drawing/2010/main" xmlns="" w="9525">
                     <a:solidFill>
                       <a:srgbClr val="000000"/>
                     </a:solidFill>
@@ -18553,7 +18553,7 @@
               </a:ln>
               <a:extLst>
                 <a:ext uri="{91240B29-F687-4f45-9708-019B960494DF}">
-                  <a14:hiddenLine xmlns="" xmlns:a14="http://schemas.microsoft.com/office/drawing/2010/main" w="9525">
+                  <a14:hiddenLine xmlns:a14="http://schemas.microsoft.com/office/drawing/2010/main" xmlns="" w="9525">
                     <a:solidFill>
                       <a:srgbClr val="000000"/>
                     </a:solidFill>
@@ -18587,7 +18587,7 @@
               </a:ln>
               <a:extLst>
                 <a:ext uri="{91240B29-F687-4f45-9708-019B960494DF}">
-                  <a14:hiddenLine xmlns="" xmlns:a14="http://schemas.microsoft.com/office/drawing/2010/main" w="9525">
+                  <a14:hiddenLine xmlns:a14="http://schemas.microsoft.com/office/drawing/2010/main" xmlns="" w="9525">
                     <a:solidFill>
                       <a:srgbClr val="000000"/>
                     </a:solidFill>
@@ -18727,7 +18727,7 @@
           <a:p>
             <a:fld id="{1158C0B5-11AA-4852-AD13-EA4FE1602433}" type="datetimeFigureOut">
               <a:rPr lang="en-US" smtClean="0"/>
-              <a:t>5/11/2020</a:t>
+              <a:t>5/13/2020</a:t>
             </a:fld>
             <a:endParaRPr lang="en-US"/>
           </a:p>
@@ -19467,7 +19467,9 @@
           </a:xfrm>
         </p:spPr>
         <p:txBody>
-          <a:bodyPr/>
+          <a:bodyPr>
+            <a:normAutofit lnSpcReduction="10000"/>
+          </a:bodyPr>
           <a:lstStyle/>
           <a:p>
             <a:pPr marL="0" indent="0">
@@ -19475,7 +19477,15 @@
             </a:pPr>
             <a:r>
               <a:rPr lang="ru-RU" dirty="0"/>
-              <a:t>Создать систему распознавания лиц с мгновенным добавлением новой личности возможно, и работает она неплохо, однако сама эта идея накладывает определенные ограничения на максимальную точность распознавания. </a:t>
+              <a:t>Создать систему распознавания лиц с мгновенным добавлением новой личности возможно, и работает она неплохо</a:t>
+            </a:r>
+            <a:r>
+              <a:rPr lang="en-US" dirty="0"/>
+              <a:t>(</a:t>
+            </a:r>
+            <a:r>
+              <a:rPr lang="ru-RU" dirty="0"/>
+              <a:t>при нормальной освещенности, и если пользователь смотрит прямо в камеру, точность распознавания - практически 100%), однако сама эта идея накладывает определенные ограничения на максимальную точность распознавания. </a:t>
             </a:r>
           </a:p>
           <a:p>
@@ -20811,6 +20821,234 @@
           </a:p>
         </p:txBody>
       </p:sp>
+      <p:sp>
+        <p:nvSpPr>
+          <p:cNvPr id="8" name="Content Placeholder 4">
+            <a:extLst>
+              <a:ext uri="{FF2B5EF4-FFF2-40B4-BE49-F238E27FC236}">
+                <a16:creationId xmlns:a16="http://schemas.microsoft.com/office/drawing/2014/main" id="{86C832BF-8ECC-4774-9374-37D58FD92532}"/>
+              </a:ext>
+            </a:extLst>
+          </p:cNvPr>
+          <p:cNvSpPr txBox="1">
+            <a:spLocks/>
+          </p:cNvSpPr>
+          <p:nvPr/>
+        </p:nvSpPr>
+        <p:spPr>
+          <a:xfrm>
+            <a:off x="978013" y="5282666"/>
+            <a:ext cx="5355208" cy="1072544"/>
+          </a:xfrm>
+          <a:prstGeom prst="rect">
+            <a:avLst/>
+          </a:prstGeom>
+        </p:spPr>
+        <p:txBody>
+          <a:bodyPr vert="horz" lIns="91440" tIns="45720" rIns="91440" bIns="45720" rtlCol="0">
+            <a:normAutofit/>
+          </a:bodyPr>
+          <a:lstStyle>
+            <a:lvl1pPr marL="228600" indent="-228600" algn="l" defTabSz="914400" rtl="0" eaLnBrk="1" latinLnBrk="0" hangingPunct="1">
+              <a:lnSpc>
+                <a:spcPct val="120000"/>
+              </a:lnSpc>
+              <a:spcBef>
+                <a:spcPts val="1000"/>
+              </a:spcBef>
+              <a:buSzPct val="125000"/>
+              <a:buFont typeface="Arial" panose="020B0604020202020204" pitchFamily="34" charset="0"/>
+              <a:buChar char="•"/>
+              <a:defRPr sz="2400" kern="1200">
+                <a:solidFill>
+                  <a:schemeClr val="tx1"/>
+                </a:solidFill>
+                <a:latin typeface="+mn-lt"/>
+                <a:ea typeface="+mn-ea"/>
+                <a:cs typeface="+mn-cs"/>
+              </a:defRPr>
+            </a:lvl1pPr>
+            <a:lvl2pPr marL="685800" indent="-228600" algn="l" defTabSz="914400" rtl="0" eaLnBrk="1" latinLnBrk="0" hangingPunct="1">
+              <a:lnSpc>
+                <a:spcPct val="120000"/>
+              </a:lnSpc>
+              <a:spcBef>
+                <a:spcPts val="500"/>
+              </a:spcBef>
+              <a:buSzPct val="125000"/>
+              <a:buFont typeface="Arial" panose="020B0604020202020204" pitchFamily="34" charset="0"/>
+              <a:buChar char="•"/>
+              <a:defRPr sz="2000" kern="1200">
+                <a:solidFill>
+                  <a:schemeClr val="tx1"/>
+                </a:solidFill>
+                <a:latin typeface="+mn-lt"/>
+                <a:ea typeface="+mn-ea"/>
+                <a:cs typeface="+mn-cs"/>
+              </a:defRPr>
+            </a:lvl2pPr>
+            <a:lvl3pPr marL="1143000" indent="-228600" algn="l" defTabSz="914400" rtl="0" eaLnBrk="1" latinLnBrk="0" hangingPunct="1">
+              <a:lnSpc>
+                <a:spcPct val="120000"/>
+              </a:lnSpc>
+              <a:spcBef>
+                <a:spcPts val="500"/>
+              </a:spcBef>
+              <a:buSzPct val="125000"/>
+              <a:buFont typeface="Arial" panose="020B0604020202020204" pitchFamily="34" charset="0"/>
+              <a:buChar char="•"/>
+              <a:defRPr sz="1800" kern="1200">
+                <a:solidFill>
+                  <a:schemeClr val="tx1"/>
+                </a:solidFill>
+                <a:latin typeface="+mn-lt"/>
+                <a:ea typeface="+mn-ea"/>
+                <a:cs typeface="+mn-cs"/>
+              </a:defRPr>
+            </a:lvl3pPr>
+            <a:lvl4pPr marL="1600200" indent="-228600" algn="l" defTabSz="914400" rtl="0" eaLnBrk="1" latinLnBrk="0" hangingPunct="1">
+              <a:lnSpc>
+                <a:spcPct val="120000"/>
+              </a:lnSpc>
+              <a:spcBef>
+                <a:spcPts val="500"/>
+              </a:spcBef>
+              <a:buSzPct val="125000"/>
+              <a:buFont typeface="Arial" panose="020B0604020202020204" pitchFamily="34" charset="0"/>
+              <a:buChar char="•"/>
+              <a:defRPr sz="1600" kern="1200">
+                <a:solidFill>
+                  <a:schemeClr val="tx1"/>
+                </a:solidFill>
+                <a:latin typeface="+mn-lt"/>
+                <a:ea typeface="+mn-ea"/>
+                <a:cs typeface="+mn-cs"/>
+              </a:defRPr>
+            </a:lvl4pPr>
+            <a:lvl5pPr marL="2057400" indent="-228600" algn="l" defTabSz="914400" rtl="0" eaLnBrk="1" latinLnBrk="0" hangingPunct="1">
+              <a:lnSpc>
+                <a:spcPct val="120000"/>
+              </a:lnSpc>
+              <a:spcBef>
+                <a:spcPts val="500"/>
+              </a:spcBef>
+              <a:buSzPct val="125000"/>
+              <a:buFont typeface="Arial" panose="020B0604020202020204" pitchFamily="34" charset="0"/>
+              <a:buChar char="•"/>
+              <a:defRPr sz="1600" kern="1200">
+                <a:solidFill>
+                  <a:schemeClr val="tx1"/>
+                </a:solidFill>
+                <a:latin typeface="+mn-lt"/>
+                <a:ea typeface="+mn-ea"/>
+                <a:cs typeface="+mn-cs"/>
+              </a:defRPr>
+            </a:lvl5pPr>
+            <a:lvl6pPr marL="2514600" indent="-228600" algn="l" defTabSz="914400" rtl="0" eaLnBrk="1" latinLnBrk="0" hangingPunct="1">
+              <a:lnSpc>
+                <a:spcPct val="120000"/>
+              </a:lnSpc>
+              <a:spcBef>
+                <a:spcPts val="500"/>
+              </a:spcBef>
+              <a:buSzPct val="125000"/>
+              <a:buFont typeface="Arial" panose="020B0604020202020204" pitchFamily="34" charset="0"/>
+              <a:buChar char="•"/>
+              <a:defRPr sz="1400" kern="1200">
+                <a:solidFill>
+                  <a:schemeClr val="tx1"/>
+                </a:solidFill>
+                <a:latin typeface="+mn-lt"/>
+                <a:ea typeface="+mn-ea"/>
+                <a:cs typeface="+mn-cs"/>
+              </a:defRPr>
+            </a:lvl6pPr>
+            <a:lvl7pPr marL="2971800" indent="-228600" algn="l" defTabSz="914400" rtl="0" eaLnBrk="1" latinLnBrk="0" hangingPunct="1">
+              <a:lnSpc>
+                <a:spcPct val="120000"/>
+              </a:lnSpc>
+              <a:spcBef>
+                <a:spcPts val="500"/>
+              </a:spcBef>
+              <a:buSzPct val="125000"/>
+              <a:buFont typeface="Arial" panose="020B0604020202020204" pitchFamily="34" charset="0"/>
+              <a:buChar char="•"/>
+              <a:defRPr sz="1400" kern="1200">
+                <a:solidFill>
+                  <a:schemeClr val="tx1"/>
+                </a:solidFill>
+                <a:latin typeface="+mn-lt"/>
+                <a:ea typeface="+mn-ea"/>
+                <a:cs typeface="+mn-cs"/>
+              </a:defRPr>
+            </a:lvl7pPr>
+            <a:lvl8pPr marL="3429000" indent="-228600" algn="l" defTabSz="914400" rtl="0" eaLnBrk="1" latinLnBrk="0" hangingPunct="1">
+              <a:lnSpc>
+                <a:spcPct val="120000"/>
+              </a:lnSpc>
+              <a:spcBef>
+                <a:spcPts val="500"/>
+              </a:spcBef>
+              <a:buSzPct val="125000"/>
+              <a:buFont typeface="Arial" panose="020B0604020202020204" pitchFamily="34" charset="0"/>
+              <a:buChar char="•"/>
+              <a:defRPr sz="1400" kern="1200">
+                <a:solidFill>
+                  <a:schemeClr val="tx1"/>
+                </a:solidFill>
+                <a:latin typeface="+mn-lt"/>
+                <a:ea typeface="+mn-ea"/>
+                <a:cs typeface="+mn-cs"/>
+              </a:defRPr>
+            </a:lvl8pPr>
+            <a:lvl9pPr marL="3886200" indent="-228600" algn="l" defTabSz="914400" rtl="0" eaLnBrk="1" latinLnBrk="0" hangingPunct="1">
+              <a:lnSpc>
+                <a:spcPct val="120000"/>
+              </a:lnSpc>
+              <a:spcBef>
+                <a:spcPts val="500"/>
+              </a:spcBef>
+              <a:buSzPct val="125000"/>
+              <a:buFont typeface="Arial" panose="020B0604020202020204" pitchFamily="34" charset="0"/>
+              <a:buChar char="•"/>
+              <a:defRPr sz="1400" kern="1200">
+                <a:solidFill>
+                  <a:schemeClr val="tx1"/>
+                </a:solidFill>
+                <a:latin typeface="+mn-lt"/>
+                <a:ea typeface="+mn-ea"/>
+                <a:cs typeface="+mn-cs"/>
+              </a:defRPr>
+            </a:lvl9pPr>
+          </a:lstStyle>
+          <a:p>
+            <a:pPr marL="0" indent="0">
+              <a:buNone/>
+            </a:pPr>
+            <a:r>
+              <a:rPr lang="ru-RU" sz="1800" dirty="0"/>
+              <a:t>Размерность </a:t>
+            </a:r>
+            <a:r>
+              <a:rPr lang="ru-RU" sz="1800" dirty="0" err="1"/>
+              <a:t>эмбеддинга</a:t>
+            </a:r>
+            <a:r>
+              <a:rPr lang="ru-RU" sz="1800" dirty="0"/>
+              <a:t> </a:t>
+            </a:r>
+            <a:r>
+              <a:rPr lang="en-US" sz="1800" dirty="0" err="1"/>
+              <a:t>FaceNet</a:t>
+            </a:r>
+            <a:r>
+              <a:rPr lang="en-US" sz="1800" dirty="0"/>
+              <a:t>: 128</a:t>
+            </a:r>
+            <a:endParaRPr lang="ru-RU" sz="1800" dirty="0"/>
+          </a:p>
+        </p:txBody>
+      </p:sp>
     </p:spTree>
     <p:extLst>
       <p:ext uri="{BB962C8B-B14F-4D97-AF65-F5344CB8AC3E}">
@@ -21184,7 +21422,9 @@
           </a:xfrm>
         </p:spPr>
         <p:txBody>
-          <a:bodyPr/>
+          <a:bodyPr>
+            <a:normAutofit fontScale="92500" lnSpcReduction="20000"/>
+          </a:bodyPr>
           <a:lstStyle/>
           <a:p>
             <a:r>
@@ -21205,13 +21445,29 @@
             </a:r>
             <a:r>
               <a:rPr lang="ru-RU" dirty="0"/>
-              <a:t>каналам</a:t>
+              <a:t>каналам. Таким образом, классификатор </a:t>
+            </a:r>
+            <a:r>
+              <a:rPr lang="ru-RU" dirty="0" err="1"/>
+              <a:t>дообучается</a:t>
+            </a:r>
+            <a:r>
+              <a:rPr lang="ru-RU" dirty="0"/>
+              <a:t> на 5 лицах(+ 4 от аугментации) </a:t>
             </a:r>
           </a:p>
           <a:p>
             <a:r>
               <a:rPr lang="ru-RU" dirty="0"/>
-              <a:t>При значительном изменении выражения лица и окружающих условий, точность распознавания падает</a:t>
+              <a:t>При значительном изменении выражения лица, наклоне лица более </a:t>
+            </a:r>
+            <a:r>
+              <a:rPr lang="en-US" dirty="0"/>
+              <a:t>~30</a:t>
+            </a:r>
+            <a:r>
+              <a:rPr lang="ru-RU" dirty="0"/>
+              <a:t> градусов и тёмном окружении, точность распознавания падает</a:t>
             </a:r>
             <a:endParaRPr lang="en-US" dirty="0"/>
           </a:p>
@@ -21511,13 +21767,13 @@
   <p:clrMapOvr>
     <a:masterClrMapping/>
   </p:clrMapOvr>
-  <mc:AlternateContent xmlns:mc="http://schemas.openxmlformats.org/markup-compatibility/2006">
-    <mc:Choice xmlns:p14="http://schemas.microsoft.com/office/powerpoint/2010/main" Requires="p14">
+  <mc:AlternateContent xmlns:mc="http://schemas.openxmlformats.org/markup-compatibility/2006" xmlns:p14="http://schemas.microsoft.com/office/powerpoint/2010/main">
+    <mc:Choice Requires="p14">
       <p:transition spd="med" p14:dur="700">
         <p:fade/>
       </p:transition>
     </mc:Choice>
-    <mc:Fallback>
+    <mc:Fallback xmlns="">
       <p:transition spd="med">
         <p:fade/>
       </p:transition>
